--- a/Web/resources/JavaScript高级/JavaScript 高级第三天/PPT/01-函数进阶.pptx
+++ b/Web/resources/JavaScript高级/JavaScript 高级第三天/PPT/01-函数进阶.pptx
@@ -142,7 +142,7 @@
   </p:defaultTextStyle>
   <p:extLst>
     <p:ext uri="{EFAFB233-063F-42B5-8137-9DF3F51BA10A}">
-      <p15:sldGuideLst xmlns="" xmlns:p15="http://schemas.microsoft.com/office/powerpoint/2012/main">
+      <p15:sldGuideLst xmlns:p15="http://schemas.microsoft.com/office/powerpoint/2012/main">
         <p15:guide id="1" orient="horz" pos="1620">
           <p15:clr>
             <a:srgbClr val="A4A3A4"/>
@@ -156,7 +156,7 @@
       </p15:sldGuideLst>
     </p:ext>
     <p:ext uri="{2D200454-40CA-4A62-9FC3-DE9A4176ACB9}">
-      <p15:notesGuideLst xmlns="" xmlns:p15="http://schemas.microsoft.com/office/powerpoint/2012/main"/>
+      <p15:notesGuideLst xmlns:p15="http://schemas.microsoft.com/office/powerpoint/2012/main"/>
     </p:ext>
   </p:extLst>
 </p:presentation>
@@ -250,7 +250,7 @@
           <a:p>
             <a:fld id="{E564E70D-C232-4356-A7F8-0AFEA0DE3F28}" type="datetimeFigureOut">
               <a:rPr lang="zh-CN" altLang="en-US" smtClean="0"/>
-              <a:t>2019/4/25</a:t>
+              <a:t>2022/02/16</a:t>
             </a:fld>
             <a:endParaRPr lang="zh-CN" altLang="en-US"/>
           </a:p>
@@ -3071,7 +3071,7 @@
           <a:p>
             <a:fld id="{59C60F8F-4E1E-ED4E-893F-DC034FAFF654}" type="datetimeFigureOut">
               <a:rPr lang="zh-CN" altLang="en-US"/>
-              <a:t>2019/4/25</a:t>
+              <a:t>2022/02/16</a:t>
             </a:fld>
             <a:endParaRPr kumimoji="1" lang="zh-CN" altLang="en-US"/>
           </a:p>
@@ -3161,7 +3161,7 @@
           <a:p>
             <a:fld id="{F31F57E1-EBC0-524C-9B6C-A0200F23BED1}" type="datetimeFigureOut">
               <a:rPr lang="zh-CN" altLang="en-US"/>
-              <a:t>2019/4/25</a:t>
+              <a:t>2022/02/16</a:t>
             </a:fld>
             <a:endParaRPr kumimoji="1" lang="zh-CN" altLang="en-US"/>
           </a:p>
@@ -3951,7 +3951,7 @@
           <a:p>
             <a:fld id="{F31F57E1-EBC0-524C-9B6C-A0200F23BED1}" type="datetimeFigureOut">
               <a:rPr lang="zh-CN" altLang="en-US"/>
-              <a:t>2019/4/25</a:t>
+              <a:t>2022/02/16</a:t>
             </a:fld>
             <a:endParaRPr kumimoji="1" lang="zh-CN" altLang="en-US"/>
           </a:p>
@@ -4858,7 +4858,7 @@
           <a:p>
             <a:fld id="{59C60F8F-4E1E-ED4E-893F-DC034FAFF654}" type="datetimeFigureOut">
               <a:rPr lang="zh-CN" altLang="en-US"/>
-              <a:t>2019/4/25</a:t>
+              <a:t>2022/02/16</a:t>
             </a:fld>
             <a:endParaRPr kumimoji="1" lang="zh-CN" altLang="en-US"/>
           </a:p>
@@ -5171,7 +5171,7 @@
           <a:p>
             <a:fld id="{F31F57E1-EBC0-524C-9B6C-A0200F23BED1}" type="datetimeFigureOut">
               <a:rPr lang="zh-CN" altLang="en-US"/>
-              <a:t>2019/4/25</a:t>
+              <a:t>2022/02/16</a:t>
             </a:fld>
             <a:endParaRPr kumimoji="1" lang="zh-CN" altLang="en-US"/>
           </a:p>
@@ -5950,7 +5950,7 @@
           <a:p>
             <a:fld id="{F31F57E1-EBC0-524C-9B6C-A0200F23BED1}" type="datetimeFigureOut">
               <a:rPr lang="zh-CN" altLang="en-US"/>
-              <a:t>2019/4/25</a:t>
+              <a:t>2022/02/16</a:t>
             </a:fld>
             <a:endParaRPr kumimoji="1" lang="zh-CN" altLang="en-US"/>
           </a:p>
@@ -6813,7 +6813,7 @@
           <a:p>
             <a:fld id="{F31F57E1-EBC0-524C-9B6C-A0200F23BED1}" type="datetimeFigureOut">
               <a:rPr lang="zh-CN" altLang="en-US"/>
-              <a:t>2019/4/25</a:t>
+              <a:t>2022/02/16</a:t>
             </a:fld>
             <a:endParaRPr kumimoji="1" lang="zh-CN" altLang="en-US"/>
           </a:p>
@@ -7022,7 +7022,7 @@
           <a:p>
             <a:fld id="{F31F57E1-EBC0-524C-9B6C-A0200F23BED1}" type="datetimeFigureOut">
               <a:rPr lang="en-US" altLang="zh-CN" smtClean="0"/>
-              <a:t>4/25/2019</a:t>
+              <a:t>2/16/2022</a:t>
             </a:fld>
             <a:endParaRPr kumimoji="1" lang="zh-CN" altLang="en-US"/>
           </a:p>
@@ -7401,7 +7401,7 @@
           <a:p>
             <a:fld id="{F31F57E1-EBC0-524C-9B6C-A0200F23BED1}" type="datetimeFigureOut">
               <a:rPr lang="en-US" altLang="zh-CN" smtClean="0"/>
-              <a:t>4/25/2019</a:t>
+              <a:t>2/16/2022</a:t>
             </a:fld>
             <a:endParaRPr kumimoji="1" lang="zh-CN" altLang="en-US"/>
           </a:p>
@@ -7996,7 +7996,7 @@
           <a:p>
             <a:fld id="{F31F57E1-EBC0-524C-9B6C-A0200F23BED1}" type="datetimeFigureOut">
               <a:rPr lang="zh-CN" altLang="en-US"/>
-              <a:t>2019/4/25</a:t>
+              <a:t>2022/02/16</a:t>
             </a:fld>
             <a:endParaRPr kumimoji="1" lang="zh-CN" altLang="en-US"/>
           </a:p>
@@ -8452,7 +8452,7 @@
           <a:p>
             <a:fld id="{F31F57E1-EBC0-524C-9B6C-A0200F23BED1}" type="datetimeFigureOut">
               <a:rPr lang="zh-CN" altLang="en-US"/>
-              <a:t>2019/4/25</a:t>
+              <a:t>2022/02/16</a:t>
             </a:fld>
             <a:endParaRPr kumimoji="1" lang="zh-CN" altLang="en-US"/>
           </a:p>
@@ -8907,7 +8907,7 @@
           <a:p>
             <a:fld id="{F31F57E1-EBC0-524C-9B6C-A0200F23BED1}" type="datetimeFigureOut">
               <a:rPr lang="zh-CN" altLang="en-US"/>
-              <a:t>2019/4/25</a:t>
+              <a:t>2022/02/16</a:t>
             </a:fld>
             <a:endParaRPr kumimoji="1" lang="zh-CN" altLang="en-US"/>
           </a:p>
@@ -10292,7 +10292,7 @@
           <a:p>
             <a:fld id="{F31F57E1-EBC0-524C-9B6C-A0200F23BED1}" type="datetimeFigureOut">
               <a:rPr lang="zh-CN" altLang="en-US"/>
-              <a:t>2019/4/25</a:t>
+              <a:t>2022/02/16</a:t>
             </a:fld>
             <a:endParaRPr kumimoji="1" lang="zh-CN" altLang="en-US"/>
           </a:p>
@@ -10723,13 +10723,6 @@
   <p:clrMapOvr>
     <a:masterClrMapping/>
   </p:clrMapOvr>
-  <p:timing>
-    <p:tnLst>
-      <p:par>
-        <p:cTn id="1" dur="indefinite" restart="never" nodeType="tmRoot"/>
-      </p:par>
-    </p:tnLst>
-  </p:timing>
 </p:sld>
 </file>
 
@@ -10973,55 +10966,43 @@
           </a:lstStyle>
           <a:p>
             <a:r>
-              <a:rPr lang="zh-CN" altLang="en-US" smtClean="0">
-                <a:sym typeface="+mn-ea"/>
-              </a:rPr>
-              <a:t>JavaScript 为我们专门提供了一些函数方法来帮我们更优雅的处理函数内部 this 的指向问题，常用的</a:t>
-            </a:r>
-            <a:r>
               <a:rPr lang="zh-CN" altLang="en-US">
                 <a:sym typeface="+mn-ea"/>
               </a:rPr>
-              <a:t>有</a:t>
-            </a:r>
-            <a:r>
-              <a:rPr lang="zh-CN" altLang="en-US" smtClean="0">
-                <a:sym typeface="+mn-ea"/>
-              </a:rPr>
-              <a:t> </a:t>
-            </a:r>
-            <a:r>
-              <a:rPr lang="en-US" altLang="zh-CN" smtClean="0">
+              <a:t>JavaScript 为我们专门提供了一些函数方法来帮我们更优雅的处理函数内部 this 的指向问题，常用的有 </a:t>
+            </a:r>
+            <a:r>
+              <a:rPr lang="en-US" altLang="zh-CN">
                 <a:sym typeface="+mn-ea"/>
               </a:rPr>
               <a:t>bind()</a:t>
             </a:r>
             <a:r>
-              <a:rPr lang="zh-CN" altLang="en-US" smtClean="0">
+              <a:rPr lang="zh-CN" altLang="en-US">
                 <a:sym typeface="+mn-ea"/>
               </a:rPr>
               <a:t>、</a:t>
             </a:r>
             <a:r>
-              <a:rPr lang="en-US" altLang="zh-CN" smtClean="0">
+              <a:rPr lang="en-US" altLang="zh-CN">
                 <a:sym typeface="+mn-ea"/>
               </a:rPr>
               <a:t>call()</a:t>
             </a:r>
             <a:r>
-              <a:rPr lang="zh-CN" altLang="en-US" smtClean="0">
+              <a:rPr lang="zh-CN" altLang="en-US">
                 <a:sym typeface="+mn-ea"/>
               </a:rPr>
               <a:t>、</a:t>
             </a:r>
             <a:r>
-              <a:rPr lang="en-US" altLang="zh-CN" smtClean="0">
+              <a:rPr lang="en-US" altLang="zh-CN">
                 <a:sym typeface="+mn-ea"/>
               </a:rPr>
               <a:t>apply() </a:t>
             </a:r>
             <a:r>
-              <a:rPr lang="zh-CN" altLang="en-US" smtClean="0">
+              <a:rPr lang="zh-CN" altLang="en-US">
                 <a:sym typeface="+mn-ea"/>
               </a:rPr>
               <a:t>三种方法。</a:t>
@@ -11219,7 +11200,7 @@
           </a:lstStyle>
           <a:p>
             <a:r>
-              <a:rPr lang="en-US" altLang="zh-CN" sz="1400" b="1" dirty="0" smtClean="0">
+              <a:rPr lang="en-US" altLang="zh-CN" sz="1400" b="1" dirty="0">
                 <a:solidFill>
                   <a:schemeClr val="tx1"/>
                 </a:solidFill>
@@ -11227,18 +11208,13 @@
               <a:t>3. bind </a:t>
             </a:r>
             <a:r>
-              <a:rPr lang="zh-CN" altLang="en-US" sz="1400" b="1" dirty="0" smtClean="0">
+              <a:rPr lang="zh-CN" altLang="en-US" sz="1400" b="1" dirty="0">
                 <a:solidFill>
                   <a:schemeClr val="tx1"/>
                 </a:solidFill>
               </a:rPr>
               <a:t>方法</a:t>
             </a:r>
-            <a:endParaRPr lang="zh-CN" altLang="en-US" sz="1400" b="1" dirty="0">
-              <a:solidFill>
-                <a:schemeClr val="tx1"/>
-              </a:solidFill>
-            </a:endParaRPr>
           </a:p>
           <a:p>
             <a:endParaRPr lang="zh-CN" altLang="en-US" sz="1400" b="1" dirty="0">
@@ -11439,37 +11415,37 @@
           </a:lstStyle>
           <a:p>
             <a:r>
-              <a:rPr dirty="0" smtClean="0">
+              <a:rPr dirty="0">
                 <a:sym typeface="+mn-ea"/>
               </a:rPr>
               <a:t>bind() </a:t>
             </a:r>
             <a:r>
-              <a:rPr lang="zh-CN" dirty="0" smtClean="0">
+              <a:rPr lang="zh-CN" dirty="0">
                 <a:sym typeface="+mn-ea"/>
               </a:rPr>
               <a:t>方法</a:t>
             </a:r>
             <a:r>
-              <a:rPr lang="zh-CN" altLang="en-US" dirty="0" smtClean="0">
+              <a:rPr lang="zh-CN" altLang="en-US" dirty="0">
                 <a:sym typeface="+mn-ea"/>
               </a:rPr>
               <a:t>不会调用函数。但是能改变函数内部</a:t>
             </a:r>
             <a:r>
-              <a:rPr lang="en-US" altLang="zh-CN" dirty="0" smtClean="0">
+              <a:rPr lang="en-US" altLang="zh-CN" dirty="0">
                 <a:sym typeface="+mn-ea"/>
               </a:rPr>
               <a:t>this </a:t>
             </a:r>
             <a:r>
-              <a:rPr lang="zh-CN" altLang="en-US" dirty="0" smtClean="0">
+              <a:rPr lang="zh-CN" altLang="en-US" dirty="0">
                 <a:sym typeface="+mn-ea"/>
               </a:rPr>
               <a:t>指向</a:t>
             </a:r>
             <a:r>
-              <a:rPr lang="zh-CN" dirty="0" smtClean="0">
+              <a:rPr lang="zh-CN" dirty="0">
                 <a:sym typeface="+mn-ea"/>
               </a:rPr>
               <a:t> </a:t>
@@ -11747,22 +11723,10 @@
               <a:buChar char="l"/>
             </a:pPr>
             <a:r>
-              <a:rPr lang="zh-CN" altLang="en-US" dirty="0" smtClean="0">
-                <a:sym typeface="+mn-ea"/>
-              </a:rPr>
-              <a:t> thisArg：在 fun 函数</a:t>
-            </a:r>
-            <a:r>
               <a:rPr lang="zh-CN" altLang="en-US" dirty="0">
                 <a:sym typeface="+mn-ea"/>
               </a:rPr>
-              <a:t>运行时指定</a:t>
-            </a:r>
-            <a:r>
-              <a:rPr lang="zh-CN" altLang="en-US" dirty="0" smtClean="0">
-                <a:sym typeface="+mn-ea"/>
-              </a:rPr>
-              <a:t>的 this 值</a:t>
+              <a:t> thisArg：在 fun 函数运行时指定的 this 值</a:t>
             </a:r>
             <a:endParaRPr lang="zh-CN" altLang="en-US" dirty="0">
               <a:solidFill>
@@ -11777,16 +11741,10 @@
               <a:buChar char="l"/>
             </a:pPr>
             <a:r>
-              <a:rPr lang="en-US" altLang="zh-CN" dirty="0" smtClean="0">
-                <a:sym typeface="+mn-ea"/>
-              </a:rPr>
-              <a:t> </a:t>
-            </a:r>
-            <a:r>
               <a:rPr lang="en-US" altLang="zh-CN" dirty="0">
                 <a:sym typeface="+mn-ea"/>
               </a:rPr>
-              <a:t>arg1</a:t>
+              <a:t> arg1</a:t>
             </a:r>
             <a:r>
               <a:rPr lang="zh-CN" altLang="en-US" dirty="0">
@@ -11801,24 +11759,12 @@
               <a:t>arg2</a:t>
             </a:r>
             <a:r>
-              <a:rPr lang="zh-CN" altLang="en-US" dirty="0" smtClean="0">
-                <a:sym typeface="+mn-ea"/>
-              </a:rPr>
-              <a:t>：传递</a:t>
-            </a:r>
-            <a:r>
               <a:rPr lang="zh-CN" altLang="en-US" dirty="0">
                 <a:sym typeface="+mn-ea"/>
               </a:rPr>
-              <a:t>的其他</a:t>
-            </a:r>
-            <a:r>
-              <a:rPr lang="zh-CN" altLang="en-US" dirty="0" smtClean="0">
-                <a:sym typeface="+mn-ea"/>
-              </a:rPr>
-              <a:t>参数</a:t>
-            </a:r>
-            <a:endParaRPr lang="en-US" altLang="zh-CN" dirty="0" smtClean="0">
+              <a:t>：传递的其他参数</a:t>
+            </a:r>
+            <a:endParaRPr lang="en-US" altLang="zh-CN" dirty="0">
               <a:sym typeface="+mn-ea"/>
             </a:endParaRPr>
           </a:p>
@@ -11828,7 +11774,7 @@
               <a:buChar char="l"/>
             </a:pPr>
             <a:r>
-              <a:rPr lang="en-US" altLang="zh-CN" dirty="0" err="1" smtClean="0">
+              <a:rPr lang="en-US" altLang="zh-CN" dirty="0" err="1">
                 <a:solidFill>
                   <a:schemeClr val="tx1"/>
                 </a:solidFill>
@@ -11837,7 +11783,7 @@
               <a:t>返回由指定的</a:t>
             </a:r>
             <a:r>
-              <a:rPr lang="en-US" altLang="zh-CN" dirty="0" smtClean="0">
+              <a:rPr lang="en-US" altLang="zh-CN" dirty="0">
                 <a:solidFill>
                   <a:schemeClr val="tx1"/>
                 </a:solidFill>
@@ -11846,7 +11792,7 @@
               <a:t> this </a:t>
             </a:r>
             <a:r>
-              <a:rPr lang="en-US" altLang="zh-CN" dirty="0" err="1" smtClean="0">
+              <a:rPr lang="en-US" altLang="zh-CN" dirty="0" err="1">
                 <a:solidFill>
                   <a:schemeClr val="tx1"/>
                 </a:solidFill>
@@ -11855,7 +11801,7 @@
               <a:t>值和初始化参数改造的</a:t>
             </a:r>
             <a:r>
-              <a:rPr lang="en-US" altLang="zh-CN" dirty="0" err="1" smtClean="0">
+              <a:rPr lang="en-US" altLang="zh-CN" dirty="0" err="1">
                 <a:solidFill>
                   <a:srgbClr val="FF0000"/>
                 </a:solidFill>
@@ -11863,7 +11809,7 @@
               </a:rPr>
               <a:t>原函数拷贝</a:t>
             </a:r>
-            <a:endParaRPr lang="en-US" altLang="zh-CN" dirty="0" smtClean="0">
+            <a:endParaRPr lang="en-US" altLang="zh-CN" dirty="0">
               <a:solidFill>
                 <a:srgbClr val="FF0000"/>
               </a:solidFill>
@@ -11876,7 +11822,7 @@
               <a:buChar char="l"/>
             </a:pPr>
             <a:r>
-              <a:rPr lang="en-US" altLang="zh-CN" dirty="0" smtClean="0">
+              <a:rPr lang="en-US" altLang="zh-CN" dirty="0">
                 <a:solidFill>
                   <a:schemeClr val="tx1"/>
                 </a:solidFill>
@@ -11885,7 +11831,7 @@
               <a:t> </a:t>
             </a:r>
             <a:r>
-              <a:rPr lang="zh-CN" altLang="en-US" dirty="0" smtClean="0">
+              <a:rPr lang="zh-CN" altLang="en-US" dirty="0">
                 <a:solidFill>
                   <a:schemeClr val="tx1"/>
                 </a:solidFill>
@@ -11894,7 +11840,7 @@
               <a:t>因此当我们只是想改变 </a:t>
             </a:r>
             <a:r>
-              <a:rPr lang="en-US" altLang="zh-CN" dirty="0" smtClean="0">
+              <a:rPr lang="en-US" altLang="zh-CN" dirty="0">
                 <a:solidFill>
                   <a:schemeClr val="tx1"/>
                 </a:solidFill>
@@ -11903,7 +11849,7 @@
               <a:t>this </a:t>
             </a:r>
             <a:r>
-              <a:rPr lang="zh-CN" altLang="en-US" dirty="0" smtClean="0">
+              <a:rPr lang="zh-CN" altLang="en-US" dirty="0">
                 <a:solidFill>
                   <a:schemeClr val="tx1"/>
                 </a:solidFill>
@@ -11912,7 +11858,7 @@
               <a:t>指向，并且不想调用这个函数的时候，可以使用 </a:t>
             </a:r>
             <a:r>
-              <a:rPr lang="en-US" altLang="zh-CN" dirty="0" smtClean="0">
+              <a:rPr lang="en-US" altLang="zh-CN" dirty="0">
                 <a:solidFill>
                   <a:schemeClr val="tx1"/>
                 </a:solidFill>
@@ -11944,27 +11890,19 @@
           <a:lstStyle/>
           <a:p>
             <a:r>
-              <a:rPr lang="en-US" altLang="zh-CN" smtClean="0"/>
+              <a:rPr lang="en-US" altLang="zh-CN"/>
               <a:t>2.1 </a:t>
             </a:r>
             <a:r>
-              <a:rPr lang="zh-CN" altLang="en-US" smtClean="0"/>
-              <a:t>改变</a:t>
-            </a:r>
-            <a:r>
               <a:rPr lang="zh-CN" altLang="en-US"/>
-              <a:t>函数</a:t>
-            </a:r>
-            <a:r>
-              <a:rPr lang="zh-CN" altLang="en-US" smtClean="0"/>
-              <a:t>内部 </a:t>
-            </a:r>
-            <a:r>
-              <a:rPr lang="en-US" altLang="zh-CN" smtClean="0"/>
+              <a:t>改变函数内部 </a:t>
+            </a:r>
+            <a:r>
+              <a:rPr lang="en-US" altLang="zh-CN"/>
               <a:t>this </a:t>
             </a:r>
             <a:r>
-              <a:rPr lang="zh-CN" altLang="en-US" smtClean="0"/>
+              <a:rPr lang="zh-CN" altLang="en-US"/>
               <a:t>指向</a:t>
             </a:r>
             <a:endParaRPr lang="zh-CN" altLang="en-US" dirty="0"/>
@@ -12641,13 +12579,13 @@
           </a:lstStyle>
           <a:p>
             <a:r>
-              <a:rPr lang="zh-CN" altLang="en-US" b="1" dirty="0" smtClean="0">
+              <a:rPr lang="zh-CN" altLang="en-US" b="1" dirty="0">
                 <a:sym typeface="+mn-ea"/>
               </a:rPr>
               <a:t>相同点</a:t>
             </a:r>
             <a:r>
-              <a:rPr lang="en-US" altLang="zh-CN" b="1" dirty="0" smtClean="0">
+              <a:rPr lang="en-US" altLang="zh-CN" b="1" dirty="0">
                 <a:sym typeface="+mn-ea"/>
               </a:rPr>
               <a:t>:  </a:t>
@@ -12655,30 +12593,30 @@
           </a:p>
           <a:p>
             <a:r>
-              <a:rPr lang="zh-CN" altLang="en-US" dirty="0" smtClean="0">
+              <a:rPr lang="zh-CN" altLang="en-US" dirty="0">
                 <a:sym typeface="+mn-ea"/>
               </a:rPr>
               <a:t>都可以改变函数内部的</a:t>
             </a:r>
             <a:r>
-              <a:rPr lang="en-US" altLang="zh-CN" dirty="0" smtClean="0">
+              <a:rPr lang="en-US" altLang="zh-CN" dirty="0">
                 <a:sym typeface="+mn-ea"/>
               </a:rPr>
               <a:t>this</a:t>
             </a:r>
             <a:r>
-              <a:rPr lang="zh-CN" altLang="en-US" dirty="0" smtClean="0">
+              <a:rPr lang="zh-CN" altLang="en-US" dirty="0">
                 <a:sym typeface="+mn-ea"/>
               </a:rPr>
               <a:t>指向</a:t>
             </a:r>
             <a:r>
-              <a:rPr lang="en-US" altLang="zh-CN" dirty="0" smtClean="0">
+              <a:rPr lang="en-US" altLang="zh-CN" dirty="0">
                 <a:sym typeface="+mn-ea"/>
               </a:rPr>
               <a:t>.</a:t>
             </a:r>
-            <a:endParaRPr lang="zh-CN" altLang="en-US" dirty="0" smtClean="0">
+            <a:endParaRPr lang="zh-CN" altLang="en-US" dirty="0">
               <a:sym typeface="+mn-ea"/>
             </a:endParaRPr>
           </a:p>
@@ -12705,14 +12643,13 @@
           <a:lstStyle/>
           <a:p>
             <a:r>
-              <a:rPr lang="en-US" altLang="zh-CN" dirty="0" smtClean="0"/>
+              <a:rPr lang="en-US" altLang="zh-CN" dirty="0"/>
               <a:t>2.2 call  apply  bind </a:t>
             </a:r>
             <a:r>
-              <a:rPr lang="zh-CN" altLang="en-US" dirty="0" smtClean="0"/>
+              <a:rPr lang="zh-CN" altLang="en-US" dirty="0"/>
               <a:t>总结</a:t>
             </a:r>
-            <a:endParaRPr lang="zh-CN" altLang="en-US" dirty="0"/>
           </a:p>
         </p:txBody>
       </p:sp>
@@ -12906,13 +12843,13 @@
           </a:lstStyle>
           <a:p>
             <a:r>
-              <a:rPr lang="zh-CN" altLang="en-US" b="1" dirty="0" smtClean="0">
+              <a:rPr lang="zh-CN" altLang="en-US" b="1" dirty="0">
                 <a:sym typeface="+mn-ea"/>
               </a:rPr>
               <a:t>区别点</a:t>
             </a:r>
             <a:r>
-              <a:rPr lang="en-US" altLang="zh-CN" b="1" dirty="0" smtClean="0">
+              <a:rPr lang="en-US" altLang="zh-CN" b="1" dirty="0">
                 <a:sym typeface="+mn-ea"/>
               </a:rPr>
               <a:t>:  </a:t>
@@ -12926,58 +12863,52 @@
               <a:rPr lang="en-US" altLang="zh-CN" dirty="0">
                 <a:sym typeface="+mn-ea"/>
               </a:rPr>
-              <a:t>c</a:t>
-            </a:r>
-            <a:r>
-              <a:rPr lang="en-US" altLang="zh-CN" dirty="0" smtClean="0">
-                <a:sym typeface="+mn-ea"/>
-              </a:rPr>
-              <a:t>all </a:t>
-            </a:r>
-            <a:r>
-              <a:rPr lang="zh-CN" altLang="en-US" dirty="0" smtClean="0">
+              <a:t>call </a:t>
+            </a:r>
+            <a:r>
+              <a:rPr lang="zh-CN" altLang="en-US" dirty="0">
                 <a:sym typeface="+mn-ea"/>
               </a:rPr>
               <a:t>和 </a:t>
             </a:r>
             <a:r>
-              <a:rPr lang="en-US" altLang="zh-CN" dirty="0" smtClean="0">
+              <a:rPr lang="en-US" altLang="zh-CN" dirty="0">
                 <a:sym typeface="+mn-ea"/>
               </a:rPr>
               <a:t>apply  </a:t>
             </a:r>
             <a:r>
-              <a:rPr lang="zh-CN" altLang="en-US" dirty="0" smtClean="0">
+              <a:rPr lang="zh-CN" altLang="en-US" dirty="0">
                 <a:sym typeface="+mn-ea"/>
               </a:rPr>
               <a:t>会调用函数</a:t>
             </a:r>
             <a:r>
-              <a:rPr lang="en-US" altLang="zh-CN" dirty="0" smtClean="0">
+              <a:rPr lang="en-US" altLang="zh-CN" dirty="0">
                 <a:sym typeface="+mn-ea"/>
               </a:rPr>
               <a:t>, </a:t>
             </a:r>
             <a:r>
-              <a:rPr lang="zh-CN" altLang="en-US" dirty="0" smtClean="0">
+              <a:rPr lang="zh-CN" altLang="en-US" dirty="0">
                 <a:sym typeface="+mn-ea"/>
               </a:rPr>
               <a:t>并且改变函数内部</a:t>
             </a:r>
             <a:r>
-              <a:rPr lang="en-US" altLang="zh-CN" dirty="0" smtClean="0">
+              <a:rPr lang="en-US" altLang="zh-CN" dirty="0">
                 <a:sym typeface="+mn-ea"/>
               </a:rPr>
               <a:t>this</a:t>
             </a:r>
             <a:r>
-              <a:rPr lang="zh-CN" altLang="en-US" dirty="0" smtClean="0">
+              <a:rPr lang="zh-CN" altLang="en-US" dirty="0">
                 <a:sym typeface="+mn-ea"/>
               </a:rPr>
               <a:t>指向</a:t>
             </a:r>
             <a:r>
-              <a:rPr lang="en-US" altLang="zh-CN" dirty="0" smtClean="0">
+              <a:rPr lang="en-US" altLang="zh-CN" dirty="0">
                 <a:sym typeface="+mn-ea"/>
               </a:rPr>
               <a:t>.</a:t>
@@ -12991,82 +12922,76 @@
               <a:rPr lang="en-US" altLang="zh-CN" dirty="0">
                 <a:sym typeface="+mn-ea"/>
               </a:rPr>
-              <a:t>c</a:t>
-            </a:r>
-            <a:r>
-              <a:rPr lang="en-US" altLang="zh-CN" dirty="0" smtClean="0">
-                <a:sym typeface="+mn-ea"/>
-              </a:rPr>
-              <a:t>all </a:t>
-            </a:r>
-            <a:r>
-              <a:rPr lang="zh-CN" altLang="en-US" dirty="0" smtClean="0">
+              <a:t>call </a:t>
+            </a:r>
+            <a:r>
+              <a:rPr lang="zh-CN" altLang="en-US" dirty="0">
                 <a:sym typeface="+mn-ea"/>
               </a:rPr>
               <a:t>和 </a:t>
             </a:r>
             <a:r>
-              <a:rPr lang="en-US" altLang="zh-CN" dirty="0" smtClean="0">
+              <a:rPr lang="en-US" altLang="zh-CN" dirty="0">
                 <a:sym typeface="+mn-ea"/>
               </a:rPr>
               <a:t>apply </a:t>
             </a:r>
             <a:r>
-              <a:rPr lang="zh-CN" altLang="en-US" dirty="0" smtClean="0">
+              <a:rPr lang="zh-CN" altLang="en-US" dirty="0">
                 <a:sym typeface="+mn-ea"/>
               </a:rPr>
               <a:t>传递的参数不一样</a:t>
             </a:r>
             <a:r>
-              <a:rPr lang="en-US" altLang="zh-CN" dirty="0" smtClean="0">
+              <a:rPr lang="en-US" altLang="zh-CN" dirty="0">
                 <a:sym typeface="+mn-ea"/>
               </a:rPr>
               <a:t>, call </a:t>
             </a:r>
             <a:r>
-              <a:rPr lang="zh-CN" altLang="en-US" dirty="0" smtClean="0">
+              <a:rPr lang="zh-CN" altLang="en-US" dirty="0">
                 <a:sym typeface="+mn-ea"/>
               </a:rPr>
               <a:t>传递参数 </a:t>
             </a:r>
             <a:r>
-              <a:rPr lang="en-US" altLang="zh-CN" dirty="0" smtClean="0">
+              <a:rPr lang="en-US" altLang="zh-CN" dirty="0">
                 <a:sym typeface="+mn-ea"/>
               </a:rPr>
               <a:t>aru1, aru2..</a:t>
             </a:r>
             <a:r>
-              <a:rPr lang="zh-CN" altLang="en-US" dirty="0" smtClean="0">
+              <a:rPr lang="zh-CN" altLang="en-US" dirty="0">
                 <a:sym typeface="+mn-ea"/>
               </a:rPr>
               <a:t>形式  </a:t>
             </a:r>
             <a:r>
-              <a:rPr lang="en-US" altLang="zh-CN" dirty="0" smtClean="0">
+              <a:rPr lang="en-US" altLang="zh-CN" dirty="0">
                 <a:sym typeface="+mn-ea"/>
               </a:rPr>
               <a:t>apply </a:t>
             </a:r>
             <a:r>
-              <a:rPr lang="zh-CN" altLang="en-US" dirty="0" smtClean="0">
+              <a:rPr lang="zh-CN" altLang="en-US" dirty="0">
                 <a:sym typeface="+mn-ea"/>
               </a:rPr>
               <a:t>必须数组形式</a:t>
             </a:r>
             <a:r>
-              <a:rPr lang="en-US" altLang="zh-CN" dirty="0" smtClean="0">
+              <a:rPr lang="en-US" altLang="zh-CN" dirty="0">
                 <a:sym typeface="+mn-ea"/>
               </a:rPr>
               <a:t>[</a:t>
             </a:r>
             <a:r>
-              <a:rPr lang="en-US" altLang="zh-CN" dirty="0" err="1" smtClean="0">
+              <a:rPr lang="en-US" altLang="zh-CN" dirty="0" err="1">
                 <a:sym typeface="+mn-ea"/>
               </a:rPr>
               <a:t>arg</a:t>
             </a:r>
             <a:r>
-              <a:rPr lang="en-US" altLang="zh-CN" dirty="0" smtClean="0">
+              <a:rPr lang="en-US" altLang="zh-CN" dirty="0">
                 <a:sym typeface="+mn-ea"/>
               </a:rPr>
               <a:t>]</a:t>
@@ -13080,46 +13005,40 @@
               <a:rPr lang="en-US" altLang="zh-CN" dirty="0">
                 <a:sym typeface="+mn-ea"/>
               </a:rPr>
-              <a:t>b</a:t>
-            </a:r>
-            <a:r>
-              <a:rPr lang="en-US" altLang="zh-CN" dirty="0" smtClean="0">
-                <a:sym typeface="+mn-ea"/>
-              </a:rPr>
-              <a:t>ind  </a:t>
-            </a:r>
-            <a:r>
-              <a:rPr lang="zh-CN" altLang="en-US" dirty="0" smtClean="0">
+              <a:t>bind  </a:t>
+            </a:r>
+            <a:r>
+              <a:rPr lang="zh-CN" altLang="en-US" dirty="0">
                 <a:sym typeface="+mn-ea"/>
               </a:rPr>
               <a:t>不会调用函数</a:t>
             </a:r>
             <a:r>
-              <a:rPr lang="en-US" altLang="zh-CN" dirty="0" smtClean="0">
+              <a:rPr lang="en-US" altLang="zh-CN" dirty="0">
                 <a:sym typeface="+mn-ea"/>
               </a:rPr>
               <a:t>, </a:t>
             </a:r>
             <a:r>
-              <a:rPr lang="zh-CN" altLang="en-US" dirty="0" smtClean="0">
+              <a:rPr lang="zh-CN" altLang="en-US" dirty="0">
                 <a:sym typeface="+mn-ea"/>
               </a:rPr>
               <a:t>可以改变函数内部</a:t>
             </a:r>
             <a:r>
-              <a:rPr lang="en-US" altLang="zh-CN" dirty="0" smtClean="0">
+              <a:rPr lang="en-US" altLang="zh-CN" dirty="0">
                 <a:sym typeface="+mn-ea"/>
               </a:rPr>
               <a:t>this</a:t>
             </a:r>
             <a:r>
-              <a:rPr lang="zh-CN" altLang="en-US" dirty="0" smtClean="0">
+              <a:rPr lang="zh-CN" altLang="en-US" dirty="0">
                 <a:sym typeface="+mn-ea"/>
               </a:rPr>
               <a:t>指向</a:t>
             </a:r>
             <a:r>
-              <a:rPr lang="en-US" altLang="zh-CN" dirty="0" smtClean="0">
+              <a:rPr lang="en-US" altLang="zh-CN" dirty="0">
                 <a:sym typeface="+mn-ea"/>
               </a:rPr>
               <a:t>.</a:t>
@@ -13317,13 +13236,13 @@
           </a:lstStyle>
           <a:p>
             <a:r>
-              <a:rPr lang="zh-CN" altLang="en-US" b="1" dirty="0" smtClean="0">
+              <a:rPr lang="zh-CN" altLang="en-US" b="1" dirty="0">
                 <a:sym typeface="+mn-ea"/>
               </a:rPr>
               <a:t>主要应用场景</a:t>
             </a:r>
             <a:r>
-              <a:rPr lang="en-US" altLang="zh-CN" b="1" dirty="0" smtClean="0">
+              <a:rPr lang="en-US" altLang="zh-CN" b="1" dirty="0">
                 <a:sym typeface="+mn-ea"/>
               </a:rPr>
               <a:t>:  </a:t>
@@ -13337,22 +13256,16 @@
               <a:rPr lang="en-US" altLang="zh-CN" dirty="0">
                 <a:sym typeface="+mn-ea"/>
               </a:rPr>
-              <a:t>c</a:t>
-            </a:r>
-            <a:r>
-              <a:rPr lang="en-US" altLang="zh-CN" dirty="0" smtClean="0">
-                <a:sym typeface="+mn-ea"/>
-              </a:rPr>
-              <a:t>all </a:t>
-            </a:r>
-            <a:r>
-              <a:rPr lang="zh-CN" altLang="en-US" dirty="0" smtClean="0">
+              <a:t>call </a:t>
+            </a:r>
+            <a:r>
+              <a:rPr lang="zh-CN" altLang="en-US" dirty="0">
                 <a:sym typeface="+mn-ea"/>
               </a:rPr>
               <a:t>经常做继承</a:t>
             </a:r>
             <a:r>
-              <a:rPr lang="en-US" altLang="zh-CN" dirty="0" smtClean="0">
+              <a:rPr lang="en-US" altLang="zh-CN" dirty="0">
                 <a:sym typeface="+mn-ea"/>
               </a:rPr>
               <a:t>. </a:t>
@@ -13363,30 +13276,30 @@
               <a:buAutoNum type="arabicPeriod"/>
             </a:pPr>
             <a:r>
-              <a:rPr lang="en-US" altLang="zh-CN" dirty="0" smtClean="0">
+              <a:rPr lang="en-US" altLang="zh-CN" dirty="0">
                 <a:sym typeface="+mn-ea"/>
               </a:rPr>
               <a:t>apply </a:t>
             </a:r>
             <a:r>
-              <a:rPr lang="zh-CN" altLang="en-US" dirty="0" smtClean="0">
+              <a:rPr lang="zh-CN" altLang="en-US" dirty="0">
                 <a:sym typeface="+mn-ea"/>
               </a:rPr>
               <a:t>经常跟数组有关系</a:t>
             </a:r>
             <a:r>
-              <a:rPr lang="en-US" altLang="zh-CN" dirty="0" smtClean="0">
+              <a:rPr lang="en-US" altLang="zh-CN" dirty="0">
                 <a:sym typeface="+mn-ea"/>
               </a:rPr>
               <a:t>.  </a:t>
             </a:r>
             <a:r>
-              <a:rPr lang="zh-CN" altLang="en-US" dirty="0" smtClean="0">
+              <a:rPr lang="zh-CN" altLang="en-US" dirty="0">
                 <a:sym typeface="+mn-ea"/>
               </a:rPr>
               <a:t>比如借助于数学对象实现数组最大值最小值</a:t>
             </a:r>
-            <a:endParaRPr lang="en-US" altLang="zh-CN" dirty="0" smtClean="0">
+            <a:endParaRPr lang="en-US" altLang="zh-CN" dirty="0">
               <a:sym typeface="+mn-ea"/>
             </a:endParaRPr>
           </a:p>
@@ -13398,81 +13311,75 @@
               <a:rPr lang="en-US" altLang="zh-CN" dirty="0">
                 <a:sym typeface="+mn-ea"/>
               </a:rPr>
-              <a:t>b</a:t>
-            </a:r>
-            <a:r>
-              <a:rPr lang="en-US" altLang="zh-CN" dirty="0" smtClean="0">
-                <a:sym typeface="+mn-ea"/>
-              </a:rPr>
-              <a:t>ind  </a:t>
-            </a:r>
-            <a:r>
-              <a:rPr lang="zh-CN" altLang="en-US" dirty="0" smtClean="0">
+              <a:t>bind  </a:t>
+            </a:r>
+            <a:r>
+              <a:rPr lang="zh-CN" altLang="en-US" dirty="0">
                 <a:sym typeface="+mn-ea"/>
               </a:rPr>
               <a:t>不调用函数</a:t>
             </a:r>
             <a:r>
-              <a:rPr lang="en-US" altLang="zh-CN" dirty="0" smtClean="0">
+              <a:rPr lang="en-US" altLang="zh-CN" dirty="0">
                 <a:sym typeface="+mn-ea"/>
               </a:rPr>
               <a:t>,</a:t>
             </a:r>
             <a:r>
-              <a:rPr lang="zh-CN" altLang="en-US" dirty="0" smtClean="0">
+              <a:rPr lang="zh-CN" altLang="en-US" dirty="0">
                 <a:sym typeface="+mn-ea"/>
               </a:rPr>
               <a:t>但是还想改变</a:t>
             </a:r>
             <a:r>
-              <a:rPr lang="en-US" altLang="zh-CN" dirty="0" smtClean="0">
+              <a:rPr lang="en-US" altLang="zh-CN" dirty="0">
                 <a:sym typeface="+mn-ea"/>
               </a:rPr>
               <a:t>this</a:t>
             </a:r>
             <a:r>
-              <a:rPr lang="zh-CN" altLang="en-US" dirty="0" smtClean="0">
+              <a:rPr lang="zh-CN" altLang="en-US" dirty="0">
                 <a:sym typeface="+mn-ea"/>
               </a:rPr>
               <a:t>指向</a:t>
             </a:r>
             <a:r>
-              <a:rPr lang="en-US" altLang="zh-CN" dirty="0" smtClean="0">
+              <a:rPr lang="en-US" altLang="zh-CN" dirty="0">
                 <a:sym typeface="+mn-ea"/>
               </a:rPr>
               <a:t>. </a:t>
             </a:r>
             <a:r>
-              <a:rPr lang="zh-CN" altLang="en-US" dirty="0" smtClean="0">
+              <a:rPr lang="zh-CN" altLang="en-US" dirty="0">
                 <a:sym typeface="+mn-ea"/>
               </a:rPr>
               <a:t>比如改变定时器内部的</a:t>
             </a:r>
             <a:r>
-              <a:rPr lang="en-US" altLang="zh-CN" dirty="0" smtClean="0">
+              <a:rPr lang="en-US" altLang="zh-CN" dirty="0">
                 <a:sym typeface="+mn-ea"/>
               </a:rPr>
               <a:t>this</a:t>
             </a:r>
             <a:r>
-              <a:rPr lang="zh-CN" altLang="en-US" dirty="0" smtClean="0">
+              <a:rPr lang="zh-CN" altLang="en-US" dirty="0">
                 <a:sym typeface="+mn-ea"/>
               </a:rPr>
               <a:t>指向</a:t>
             </a:r>
             <a:r>
-              <a:rPr lang="en-US" altLang="zh-CN" dirty="0" smtClean="0">
+              <a:rPr lang="en-US" altLang="zh-CN" dirty="0">
                 <a:sym typeface="+mn-ea"/>
               </a:rPr>
               <a:t>.</a:t>
             </a:r>
             <a:r>
-              <a:rPr lang="zh-CN" altLang="en-US" dirty="0" smtClean="0">
+              <a:rPr lang="zh-CN" altLang="en-US" dirty="0">
                 <a:sym typeface="+mn-ea"/>
               </a:rPr>
               <a:t> </a:t>
             </a:r>
-            <a:endParaRPr lang="en-US" altLang="zh-CN" dirty="0" smtClean="0">
+            <a:endParaRPr lang="en-US" altLang="zh-CN" dirty="0">
               <a:sym typeface="+mn-ea"/>
             </a:endParaRPr>
           </a:p>
@@ -14052,7 +13959,7 @@
           <a:lstStyle/>
           <a:p>
             <a:r>
-              <a:rPr noProof="0" smtClean="0">
+              <a:rPr noProof="0">
                 <a:solidFill>
                   <a:schemeClr val="tx1"/>
                 </a:solidFill>
@@ -14063,7 +13970,7 @@
           </a:p>
           <a:p>
             <a:r>
-              <a:rPr noProof="0" smtClean="0">
+              <a:rPr noProof="0">
                 <a:solidFill>
                   <a:schemeClr val="tx1"/>
                 </a:solidFill>
@@ -14074,7 +13981,7 @@
           </a:p>
           <a:p>
             <a:r>
-              <a:rPr noProof="0" smtClean="0">
+              <a:rPr noProof="0">
                 <a:solidFill>
                   <a:srgbClr val="FF0000"/>
                 </a:solidFill>
@@ -14082,7 +13989,7 @@
               </a:rPr>
               <a:t>严格模式</a:t>
             </a:r>
-            <a:endParaRPr noProof="0" smtClean="0">
+            <a:endParaRPr noProof="0">
               <a:solidFill>
                 <a:schemeClr val="tx1"/>
               </a:solidFill>
@@ -14091,7 +13998,7 @@
           </a:p>
           <a:p>
             <a:r>
-              <a:rPr noProof="0" smtClean="0">
+              <a:rPr noProof="0">
                 <a:solidFill>
                   <a:schemeClr val="tx1"/>
                 </a:solidFill>
@@ -14102,7 +14009,7 @@
           </a:p>
           <a:p>
             <a:r>
-              <a:rPr noProof="0" smtClean="0">
+              <a:rPr noProof="0">
                 <a:solidFill>
                   <a:schemeClr val="tx1"/>
                 </a:solidFill>
@@ -14113,7 +14020,7 @@
           </a:p>
           <a:p>
             <a:r>
-              <a:rPr noProof="0" smtClean="0">
+              <a:rPr noProof="0">
                 <a:solidFill>
                   <a:schemeClr val="tx1"/>
                 </a:solidFill>
@@ -14129,13 +14036,6 @@
   <p:clrMapOvr>
     <a:masterClrMapping/>
   </p:clrMapOvr>
-  <p:timing>
-    <p:tnLst>
-      <p:par>
-        <p:cTn id="1" dur="indefinite" restart="never" nodeType="tmRoot"/>
-      </p:par>
-    </p:tnLst>
-  </p:timing>
 </p:sld>
 </file>
 
@@ -14383,13 +14283,13 @@
           </a:lstStyle>
           <a:p>
             <a:r>
-              <a:rPr dirty="0" smtClean="0">
+              <a:rPr dirty="0">
                 <a:sym typeface="+mn-ea"/>
               </a:rPr>
               <a:t>JavaScript </a:t>
             </a:r>
             <a:r>
-              <a:rPr lang="zh-CN" dirty="0" smtClean="0">
+              <a:rPr lang="zh-CN" dirty="0">
                 <a:sym typeface="+mn-ea"/>
               </a:rPr>
               <a:t>除了提供正常模式</a:t>
@@ -14401,13 +14301,13 @@
               <a:t>外</a:t>
             </a:r>
             <a:r>
-              <a:rPr lang="zh-CN" dirty="0" smtClean="0">
+              <a:rPr lang="zh-CN" dirty="0">
                 <a:sym typeface="+mn-ea"/>
               </a:rPr>
               <a:t>，还提供了</a:t>
             </a:r>
             <a:r>
-              <a:rPr dirty="0" err="1" smtClean="0">
+              <a:rPr dirty="0" err="1">
                 <a:solidFill>
                   <a:srgbClr val="FF0000"/>
                 </a:solidFill>
@@ -14416,7 +14316,7 @@
               <a:t>严格模式（strict</a:t>
             </a:r>
             <a:r>
-              <a:rPr dirty="0" smtClean="0">
+              <a:rPr dirty="0">
                 <a:solidFill>
                   <a:srgbClr val="FF0000"/>
                 </a:solidFill>
@@ -14425,85 +14325,61 @@
               <a:t> mode）</a:t>
             </a:r>
             <a:r>
-              <a:rPr lang="zh-CN" altLang="en-US" dirty="0" smtClean="0">
+              <a:rPr lang="zh-CN" altLang="en-US" dirty="0">
                 <a:sym typeface="+mn-ea"/>
               </a:rPr>
               <a:t>。</a:t>
             </a:r>
             <a:r>
-              <a:rPr lang="en-US" altLang="zh-CN" dirty="0" smtClean="0">
+              <a:rPr lang="en-US" altLang="zh-CN" dirty="0">
                 <a:sym typeface="+mn-ea"/>
               </a:rPr>
               <a:t>ES5 </a:t>
             </a:r>
             <a:r>
-              <a:rPr lang="zh-CN" altLang="en-US" dirty="0" smtClean="0">
-                <a:sym typeface="+mn-ea"/>
-              </a:rPr>
-              <a:t>的严格</a:t>
-            </a:r>
-            <a:r>
               <a:rPr lang="zh-CN" altLang="en-US" dirty="0">
                 <a:sym typeface="+mn-ea"/>
               </a:rPr>
-              <a:t>模式是采用具有</a:t>
-            </a:r>
-            <a:r>
-              <a:rPr lang="zh-CN" altLang="en-US" dirty="0" smtClean="0">
-                <a:sym typeface="+mn-ea"/>
-              </a:rPr>
-              <a:t>限制性 </a:t>
-            </a:r>
-            <a:r>
-              <a:rPr lang="en-US" altLang="zh-CN" dirty="0" smtClean="0">
+              <a:t>的严格模式是采用具有限制性 </a:t>
+            </a:r>
+            <a:r>
+              <a:rPr lang="en-US" altLang="zh-CN" dirty="0">
                 <a:sym typeface="+mn-ea"/>
               </a:rPr>
               <a:t>JavaScript </a:t>
             </a:r>
             <a:r>
-              <a:rPr lang="zh-CN" altLang="en-US" dirty="0" smtClean="0">
-                <a:sym typeface="+mn-ea"/>
-              </a:rPr>
-              <a:t>变体</a:t>
-            </a:r>
-            <a:r>
               <a:rPr lang="zh-CN" altLang="en-US" dirty="0">
                 <a:sym typeface="+mn-ea"/>
               </a:rPr>
-              <a:t>的一种</a:t>
-            </a:r>
-            <a:r>
-              <a:rPr lang="zh-CN" altLang="en-US" dirty="0" smtClean="0">
-                <a:sym typeface="+mn-ea"/>
-              </a:rPr>
-              <a:t>方式，</a:t>
-            </a:r>
-            <a:r>
-              <a:rPr dirty="0" err="1" smtClean="0">
+              <a:t>变体的一种方式，</a:t>
+            </a:r>
+            <a:r>
+              <a:rPr dirty="0" err="1">
                 <a:sym typeface="+mn-ea"/>
               </a:rPr>
               <a:t>即在严格的条件下运行</a:t>
             </a:r>
             <a:r>
-              <a:rPr lang="en-US" dirty="0" smtClean="0">
+              <a:rPr lang="en-US" dirty="0">
                 <a:sym typeface="+mn-ea"/>
               </a:rPr>
               <a:t> </a:t>
             </a:r>
             <a:r>
-              <a:rPr lang="en-US" altLang="zh-CN" dirty="0" smtClean="0">
+              <a:rPr lang="en-US" altLang="zh-CN" dirty="0">
                 <a:sym typeface="+mn-ea"/>
               </a:rPr>
               <a:t>JS </a:t>
             </a:r>
             <a:r>
-              <a:rPr lang="zh-CN" altLang="en-US" dirty="0" smtClean="0">
+              <a:rPr lang="zh-CN" altLang="en-US" dirty="0">
                 <a:sym typeface="+mn-ea"/>
               </a:rPr>
               <a:t>代码</a:t>
             </a:r>
             <a:r>
-              <a:rPr dirty="0" smtClean="0">
+              <a:rPr dirty="0">
                 <a:sym typeface="+mn-ea"/>
               </a:rPr>
               <a:t>。</a:t>
@@ -14511,37 +14387,37 @@
           </a:p>
           <a:p>
             <a:r>
-              <a:rPr lang="zh-CN" altLang="en-US" dirty="0" smtClean="0">
+              <a:rPr lang="zh-CN" altLang="en-US" dirty="0">
                 <a:sym typeface="+mn-ea"/>
               </a:rPr>
               <a:t>严格模式在 </a:t>
             </a:r>
             <a:r>
-              <a:rPr lang="en-US" dirty="0" smtClean="0">
+              <a:rPr lang="en-US" dirty="0">
                 <a:sym typeface="+mn-ea"/>
               </a:rPr>
               <a:t>IE10 </a:t>
             </a:r>
             <a:r>
-              <a:rPr lang="zh-CN" altLang="en-US" dirty="0" smtClean="0">
+              <a:rPr lang="zh-CN" altLang="en-US" dirty="0">
                 <a:sym typeface="+mn-ea"/>
               </a:rPr>
               <a:t>以上版本的浏览器中才会被支持，</a:t>
             </a:r>
             <a:r>
-              <a:rPr lang="zh-CN" dirty="0" smtClean="0">
+              <a:rPr lang="zh-CN" dirty="0">
                 <a:sym typeface="+mn-ea"/>
               </a:rPr>
               <a:t>旧版本浏览器</a:t>
             </a:r>
             <a:r>
-              <a:rPr dirty="0" err="1" smtClean="0">
+              <a:rPr dirty="0" err="1">
                 <a:sym typeface="+mn-ea"/>
               </a:rPr>
               <a:t>中会被忽略</a:t>
             </a:r>
             <a:r>
-              <a:rPr dirty="0" smtClean="0">
+              <a:rPr dirty="0">
                 <a:sym typeface="+mn-ea"/>
               </a:rPr>
               <a:t>。</a:t>
@@ -14555,25 +14431,19 @@
               <a:t>严格模式对正常的 </a:t>
             </a:r>
             <a:r>
-              <a:rPr lang="en-US" altLang="zh-CN" dirty="0" smtClean="0">
+              <a:rPr lang="en-US" altLang="zh-CN" dirty="0">
                 <a:sym typeface="+mn-ea"/>
               </a:rPr>
               <a:t>JavaScript </a:t>
             </a:r>
             <a:r>
-              <a:rPr lang="zh-CN" altLang="en-US" dirty="0" smtClean="0">
-                <a:sym typeface="+mn-ea"/>
-              </a:rPr>
-              <a:t>语义</a:t>
-            </a:r>
-            <a:r>
               <a:rPr lang="zh-CN" altLang="en-US" dirty="0">
                 <a:sym typeface="+mn-ea"/>
               </a:rPr>
-              <a:t>做了一些更改</a:t>
-            </a:r>
-            <a:r>
-              <a:rPr lang="zh-CN" dirty="0" smtClean="0">
+              <a:t>语义做了一些更改</a:t>
+            </a:r>
+            <a:r>
+              <a:rPr lang="zh-CN" dirty="0">
                 <a:sym typeface="+mn-ea"/>
               </a:rPr>
               <a:t>： </a:t>
@@ -14585,60 +14455,60 @@
               <a:buAutoNum type="arabicPeriod"/>
             </a:pPr>
             <a:r>
-              <a:rPr lang="en-US" dirty="0" err="1" smtClean="0">
+              <a:rPr lang="en-US" dirty="0" err="1">
                 <a:sym typeface="+mn-ea"/>
               </a:rPr>
               <a:t>消除</a:t>
             </a:r>
             <a:r>
-              <a:rPr lang="zh-CN" altLang="en-US" dirty="0" smtClean="0">
+              <a:rPr lang="zh-CN" altLang="en-US" dirty="0">
                 <a:sym typeface="+mn-ea"/>
               </a:rPr>
               <a:t>了</a:t>
             </a:r>
             <a:r>
-              <a:rPr lang="en-US" dirty="0" smtClean="0">
+              <a:rPr lang="en-US" dirty="0">
                 <a:sym typeface="+mn-ea"/>
               </a:rPr>
               <a:t> </a:t>
             </a:r>
             <a:r>
-              <a:rPr lang="en-US" dirty="0" err="1" smtClean="0">
+              <a:rPr lang="en-US" dirty="0" err="1">
                 <a:sym typeface="+mn-ea"/>
               </a:rPr>
               <a:t>Javascript</a:t>
             </a:r>
             <a:r>
-              <a:rPr lang="en-US" dirty="0" smtClean="0">
+              <a:rPr lang="en-US" dirty="0">
                 <a:sym typeface="+mn-ea"/>
               </a:rPr>
               <a:t> </a:t>
             </a:r>
             <a:r>
-              <a:rPr lang="en-US" dirty="0" err="1" smtClean="0">
+              <a:rPr lang="en-US" dirty="0" err="1">
                 <a:sym typeface="+mn-ea"/>
               </a:rPr>
               <a:t>语法的一些不合理、不严谨之处，减少</a:t>
             </a:r>
             <a:r>
-              <a:rPr lang="zh-CN" altLang="en-US" dirty="0" smtClean="0">
+              <a:rPr lang="zh-CN" altLang="en-US" dirty="0">
                 <a:sym typeface="+mn-ea"/>
               </a:rPr>
               <a:t>了</a:t>
             </a:r>
             <a:r>
-              <a:rPr lang="en-US" dirty="0" err="1" smtClean="0">
+              <a:rPr lang="en-US" dirty="0" err="1">
                 <a:sym typeface="+mn-ea"/>
               </a:rPr>
               <a:t>一些怪异行为</a:t>
             </a:r>
             <a:r>
-              <a:rPr lang="zh-CN" altLang="en-US" dirty="0" smtClean="0">
+              <a:rPr lang="zh-CN" altLang="en-US" dirty="0">
                 <a:sym typeface="+mn-ea"/>
               </a:rPr>
               <a:t>。</a:t>
             </a:r>
-            <a:endParaRPr lang="en-US" dirty="0" smtClean="0">
+            <a:endParaRPr lang="en-US" dirty="0">
               <a:sym typeface="+mn-ea"/>
             </a:endParaRPr>
           </a:p>
@@ -14648,18 +14518,18 @@
               <a:buAutoNum type="arabicPeriod"/>
             </a:pPr>
             <a:r>
-              <a:rPr lang="en-US" dirty="0" err="1" smtClean="0">
+              <a:rPr lang="en-US" dirty="0" err="1">
                 <a:sym typeface="+mn-ea"/>
               </a:rPr>
               <a:t>消除代码运行的一些不安全之处，保证代码运行的安全</a:t>
             </a:r>
             <a:r>
-              <a:rPr lang="zh-CN" altLang="en-US" dirty="0" smtClean="0">
+              <a:rPr lang="zh-CN" altLang="en-US" dirty="0">
                 <a:sym typeface="+mn-ea"/>
               </a:rPr>
               <a:t>。</a:t>
             </a:r>
-            <a:endParaRPr lang="en-US" dirty="0" smtClean="0">
+            <a:endParaRPr lang="en-US" dirty="0">
               <a:sym typeface="+mn-ea"/>
             </a:endParaRPr>
           </a:p>
@@ -14669,18 +14539,18 @@
               <a:buAutoNum type="arabicPeriod"/>
             </a:pPr>
             <a:r>
-              <a:rPr lang="en-US" dirty="0" err="1" smtClean="0">
+              <a:rPr lang="en-US" dirty="0" err="1">
                 <a:sym typeface="+mn-ea"/>
               </a:rPr>
               <a:t>提高编译器效率，增加运行速度</a:t>
             </a:r>
             <a:r>
-              <a:rPr lang="zh-CN" altLang="en-US" dirty="0" smtClean="0">
+              <a:rPr lang="zh-CN" altLang="en-US" dirty="0">
                 <a:sym typeface="+mn-ea"/>
               </a:rPr>
               <a:t>。</a:t>
             </a:r>
-            <a:endParaRPr lang="en-US" dirty="0" smtClean="0">
+            <a:endParaRPr lang="en-US" dirty="0">
               <a:sym typeface="+mn-ea"/>
             </a:endParaRPr>
           </a:p>
@@ -14690,102 +14560,74 @@
               <a:buAutoNum type="arabicPeriod"/>
             </a:pPr>
             <a:r>
-              <a:rPr lang="zh-CN" altLang="en-US" dirty="0" smtClean="0">
-                <a:sym typeface="+mn-ea"/>
-              </a:rPr>
-              <a:t>禁用</a:t>
-            </a:r>
-            <a:r>
               <a:rPr lang="zh-CN" altLang="en-US" dirty="0">
                 <a:sym typeface="+mn-ea"/>
               </a:rPr>
-              <a:t>了</a:t>
-            </a:r>
-            <a:r>
-              <a:rPr lang="zh-CN" altLang="en-US" dirty="0" smtClean="0">
-                <a:sym typeface="+mn-ea"/>
-              </a:rPr>
-              <a:t>在 </a:t>
-            </a:r>
-            <a:r>
-              <a:rPr lang="en-US" altLang="zh-CN" dirty="0" err="1" smtClean="0">
+              <a:t>禁用了在 </a:t>
+            </a:r>
+            <a:r>
+              <a:rPr lang="en-US" altLang="zh-CN" dirty="0" err="1">
                 <a:sym typeface="+mn-ea"/>
               </a:rPr>
               <a:t>ECMAScript</a:t>
             </a:r>
             <a:r>
-              <a:rPr lang="en-US" altLang="zh-CN" dirty="0" smtClean="0">
+              <a:rPr lang="en-US" altLang="zh-CN" dirty="0">
                 <a:sym typeface="+mn-ea"/>
               </a:rPr>
               <a:t> </a:t>
             </a:r>
             <a:r>
-              <a:rPr lang="zh-CN" altLang="en-US" dirty="0" smtClean="0">
-                <a:sym typeface="+mn-ea"/>
-              </a:rPr>
-              <a:t>的</a:t>
-            </a:r>
-            <a:r>
               <a:rPr lang="zh-CN" altLang="en-US" dirty="0">
                 <a:sym typeface="+mn-ea"/>
               </a:rPr>
-              <a:t>未来版本中可能会定义的一些</a:t>
-            </a:r>
-            <a:r>
-              <a:rPr lang="zh-CN" altLang="en-US" dirty="0" smtClean="0">
-                <a:sym typeface="+mn-ea"/>
-              </a:rPr>
-              <a:t>语法，</a:t>
-            </a:r>
-            <a:r>
-              <a:rPr lang="en-US" dirty="0" err="1" smtClean="0">
+              <a:t>的未来版本中可能会定义的一些语法，</a:t>
+            </a:r>
+            <a:r>
+              <a:rPr lang="en-US" dirty="0" err="1">
                 <a:sym typeface="+mn-ea"/>
               </a:rPr>
               <a:t>为未来新版本的</a:t>
             </a:r>
             <a:r>
-              <a:rPr lang="en-US" dirty="0" smtClean="0">
+              <a:rPr lang="en-US" dirty="0">
                 <a:sym typeface="+mn-ea"/>
               </a:rPr>
               <a:t> </a:t>
             </a:r>
             <a:r>
-              <a:rPr lang="en-US" dirty="0" err="1" smtClean="0">
+              <a:rPr lang="en-US" dirty="0" err="1">
                 <a:sym typeface="+mn-ea"/>
               </a:rPr>
               <a:t>Javascript</a:t>
             </a:r>
             <a:r>
-              <a:rPr lang="en-US" dirty="0" smtClean="0">
+              <a:rPr lang="en-US" dirty="0">
                 <a:sym typeface="+mn-ea"/>
               </a:rPr>
               <a:t> </a:t>
             </a:r>
             <a:r>
-              <a:rPr lang="en-US" dirty="0" err="1" smtClean="0">
+              <a:rPr lang="en-US" dirty="0" err="1">
                 <a:sym typeface="+mn-ea"/>
               </a:rPr>
               <a:t>做好铺垫</a:t>
             </a:r>
             <a:r>
-              <a:rPr lang="en-US" dirty="0" smtClean="0">
+              <a:rPr lang="en-US" dirty="0">
                 <a:sym typeface="+mn-ea"/>
               </a:rPr>
               <a:t>。</a:t>
             </a:r>
             <a:r>
-              <a:rPr lang="zh-CN" altLang="en-US" dirty="0" smtClean="0">
+              <a:rPr lang="zh-CN" altLang="en-US" dirty="0">
                 <a:sym typeface="+mn-ea"/>
               </a:rPr>
               <a:t>比如</a:t>
             </a:r>
             <a:r>
-              <a:rPr lang="zh-CN" altLang="en-US" dirty="0" smtClean="0"/>
-              <a:t>一些</a:t>
-            </a:r>
-            <a:r>
               <a:rPr lang="zh-CN" altLang="en-US" dirty="0"/>
-              <a:t>保留字如：</a:t>
+              <a:t>一些保留字如：</a:t>
             </a:r>
             <a:r>
               <a:rPr lang="en-US" altLang="zh-CN" dirty="0"/>
@@ -14803,7 +14645,7 @@
               <a:rPr lang="zh-CN" altLang="en-US" dirty="0"/>
               <a:t>不能做变量名</a:t>
             </a:r>
-            <a:endParaRPr lang="en-US" dirty="0" smtClean="0">
+            <a:endParaRPr lang="en-US" dirty="0">
               <a:sym typeface="+mn-ea"/>
             </a:endParaRPr>
           </a:p>
@@ -15467,40 +15309,46 @@
           </a:lstStyle>
           <a:p>
             <a:r>
-              <a:rPr lang="zh-CN" smtClean="0">
+              <a:rPr lang="zh-CN" dirty="0">
                 <a:sym typeface="+mn-ea"/>
               </a:rPr>
               <a:t>因为</a:t>
             </a:r>
             <a:r>
-              <a:rPr lang="en-US" altLang="zh-CN">
+              <a:rPr lang="en-US" altLang="zh-CN" dirty="0">
                 <a:sym typeface="+mn-ea"/>
               </a:rPr>
               <a:t>"use strict"</a:t>
             </a:r>
             <a:r>
-              <a:rPr lang="zh-CN" smtClean="0">
+              <a:rPr lang="zh-CN" dirty="0">
                 <a:sym typeface="+mn-ea"/>
               </a:rPr>
               <a:t>加了引号，所以</a:t>
             </a:r>
             <a:r>
-              <a:rPr smtClean="0">
+              <a:rPr dirty="0" err="1">
                 <a:sym typeface="+mn-ea"/>
               </a:rPr>
               <a:t>老版本的浏览器会把它当作一行普通字符串</a:t>
             </a:r>
             <a:r>
-              <a:rPr lang="zh-CN" smtClean="0">
+              <a:rPr lang="zh-CN" dirty="0">
                 <a:sym typeface="+mn-ea"/>
               </a:rPr>
               <a:t>而</a:t>
             </a:r>
             <a:r>
-              <a:rPr smtClean="0">
-                <a:sym typeface="+mn-ea"/>
-              </a:rPr>
-              <a:t>忽略。</a:t>
+              <a:rPr dirty="0" err="1">
+                <a:sym typeface="+mn-ea"/>
+              </a:rPr>
+              <a:t>忽略</a:t>
+            </a:r>
+            <a:r>
+              <a:rPr dirty="0">
+                <a:sym typeface="+mn-ea"/>
+              </a:rPr>
+              <a:t>。</a:t>
             </a:r>
           </a:p>
         </p:txBody>
@@ -15526,18 +15374,13 @@
           <a:lstStyle/>
           <a:p>
             <a:r>
-              <a:rPr lang="en-US" altLang="zh-CN" dirty="0" smtClean="0"/>
+              <a:rPr lang="en-US" altLang="zh-CN" dirty="0"/>
               <a:t>3.2 </a:t>
             </a:r>
             <a:r>
               <a:rPr lang="zh-CN" altLang="en-US" dirty="0"/>
-              <a:t>开启</a:t>
-            </a:r>
-            <a:r>
-              <a:rPr lang="zh-CN" altLang="en-US" dirty="0" smtClean="0"/>
-              <a:t>严格模式</a:t>
-            </a:r>
-            <a:endParaRPr lang="zh-CN" altLang="en-US" dirty="0"/>
+              <a:t>开启严格模式</a:t>
+            </a:r>
           </a:p>
         </p:txBody>
       </p:sp>
@@ -15569,14 +15412,14 @@
               </a:lnSpc>
             </a:pPr>
             <a:r>
-              <a:rPr lang="zh-CN" altLang="en-US" sz="1050">
+              <a:rPr lang="zh-CN" altLang="en-US" sz="1050" dirty="0">
                 <a:latin typeface="微软雅黑" panose="020B0503020204020204" pitchFamily="34" charset="-122"/>
                 <a:ea typeface="微软雅黑" panose="020B0503020204020204" pitchFamily="34" charset="-122"/>
               </a:rPr>
               <a:t>严格模式可以应用到</a:t>
             </a:r>
             <a:r>
-              <a:rPr lang="zh-CN" altLang="en-US" sz="1050">
+              <a:rPr lang="zh-CN" altLang="en-US" sz="1050" dirty="0">
                 <a:solidFill>
                   <a:srgbClr val="FF0000"/>
                 </a:solidFill>
@@ -15586,14 +15429,14 @@
               <a:t>整个脚本</a:t>
             </a:r>
             <a:r>
-              <a:rPr lang="zh-CN" altLang="en-US" sz="1050">
+              <a:rPr lang="zh-CN" altLang="en-US" sz="1050" dirty="0">
                 <a:latin typeface="微软雅黑" panose="020B0503020204020204" pitchFamily="34" charset="-122"/>
                 <a:ea typeface="微软雅黑" panose="020B0503020204020204" pitchFamily="34" charset="-122"/>
               </a:rPr>
               <a:t>或</a:t>
             </a:r>
             <a:r>
-              <a:rPr lang="zh-CN" altLang="en-US" sz="1050">
+              <a:rPr lang="zh-CN" altLang="en-US" sz="1050" dirty="0">
                 <a:solidFill>
                   <a:srgbClr val="FF0000"/>
                 </a:solidFill>
@@ -15603,48 +15446,41 @@
               <a:t>个别函数</a:t>
             </a:r>
             <a:r>
-              <a:rPr lang="zh-CN" altLang="en-US" sz="1050">
+              <a:rPr lang="zh-CN" altLang="en-US" sz="1050" dirty="0">
                 <a:latin typeface="微软雅黑" panose="020B0503020204020204" pitchFamily="34" charset="-122"/>
                 <a:ea typeface="微软雅黑" panose="020B0503020204020204" pitchFamily="34" charset="-122"/>
               </a:rPr>
-              <a:t>中</a:t>
-            </a:r>
-            <a:r>
-              <a:rPr lang="zh-CN" altLang="en-US" sz="1050" smtClean="0">
+              <a:t>中。因此在使用时，我们可以将严格模式分为</a:t>
+            </a:r>
+            <a:r>
+              <a:rPr lang="zh-CN" altLang="en-US" sz="1050" dirty="0">
+                <a:solidFill>
+                  <a:srgbClr val="FF0000"/>
+                </a:solidFill>
                 <a:latin typeface="微软雅黑" panose="020B0503020204020204" pitchFamily="34" charset="-122"/>
                 <a:ea typeface="微软雅黑" panose="020B0503020204020204" pitchFamily="34" charset="-122"/>
               </a:rPr>
-              <a:t>。因此在使用时，我们可以将严格模式分为</a:t>
-            </a:r>
-            <a:r>
-              <a:rPr lang="zh-CN" altLang="en-US" sz="1050" smtClean="0">
+              <a:t>为脚本开启严格模式</a:t>
+            </a:r>
+            <a:r>
+              <a:rPr lang="zh-CN" altLang="en-US" sz="1050" dirty="0">
+                <a:latin typeface="微软雅黑" panose="020B0503020204020204" pitchFamily="34" charset="-122"/>
+                <a:ea typeface="微软雅黑" panose="020B0503020204020204" pitchFamily="34" charset="-122"/>
+              </a:rPr>
+              <a:t>和</a:t>
+            </a:r>
+            <a:r>
+              <a:rPr lang="zh-CN" altLang="en-US" sz="1050" dirty="0">
                 <a:solidFill>
                   <a:srgbClr val="FF0000"/>
                 </a:solidFill>
                 <a:latin typeface="微软雅黑" panose="020B0503020204020204" pitchFamily="34" charset="-122"/>
                 <a:ea typeface="微软雅黑" panose="020B0503020204020204" pitchFamily="34" charset="-122"/>
               </a:rPr>
-              <a:t>为脚本开启严格模式</a:t>
-            </a:r>
-            <a:r>
-              <a:rPr lang="zh-CN" altLang="en-US" sz="1050" smtClean="0">
-                <a:latin typeface="微软雅黑" panose="020B0503020204020204" pitchFamily="34" charset="-122"/>
-                <a:ea typeface="微软雅黑" panose="020B0503020204020204" pitchFamily="34" charset="-122"/>
-              </a:rPr>
-              <a:t>和</a:t>
-            </a:r>
-            <a:r>
-              <a:rPr lang="zh-CN" altLang="en-US" sz="1050" smtClean="0">
-                <a:solidFill>
-                  <a:srgbClr val="FF0000"/>
-                </a:solidFill>
-                <a:latin typeface="微软雅黑" panose="020B0503020204020204" pitchFamily="34" charset="-122"/>
-                <a:ea typeface="微软雅黑" panose="020B0503020204020204" pitchFamily="34" charset="-122"/>
-              </a:rPr>
               <a:t>为函数开启严格模式</a:t>
             </a:r>
             <a:r>
-              <a:rPr lang="zh-CN" altLang="en-US" sz="1050" smtClean="0">
+              <a:rPr lang="zh-CN" altLang="en-US" sz="1050" dirty="0">
                 <a:solidFill>
                   <a:schemeClr val="tx1">
                     <a:lumMod val="85000"/>
@@ -15656,16 +15492,6 @@
               </a:rPr>
               <a:t>两种情况。</a:t>
             </a:r>
-            <a:endParaRPr lang="zh-CN" altLang="en-US" sz="1050">
-              <a:solidFill>
-                <a:schemeClr val="tx1">
-                  <a:lumMod val="85000"/>
-                  <a:lumOff val="15000"/>
-                </a:schemeClr>
-              </a:solidFill>
-              <a:latin typeface="微软雅黑" panose="020B0503020204020204" pitchFamily="34" charset="-122"/>
-              <a:ea typeface="微软雅黑" panose="020B0503020204020204" pitchFamily="34" charset="-122"/>
-            </a:endParaRPr>
           </a:p>
         </p:txBody>
       </p:sp>
@@ -15750,31 +15576,7 @@
                 <a:cs typeface="Courier New" panose="02070309020205020404" pitchFamily="49" charset="0"/>
                 <a:sym typeface="+mn-ea"/>
               </a:rPr>
-              <a:t>　　</a:t>
-            </a:r>
-            <a:r>
-              <a:rPr sz="1050" noProof="1" smtClean="0">
-                <a:solidFill>
-                  <a:prstClr val="black"/>
-                </a:solidFill>
-                <a:latin typeface="Courier New" panose="02070309020205020404" pitchFamily="49" charset="0"/>
-                <a:ea typeface="微软雅黑" panose="020B0503020204020204" pitchFamily="34" charset="-122"/>
-                <a:cs typeface="Courier New" panose="02070309020205020404" pitchFamily="49" charset="0"/>
-                <a:sym typeface="+mn-ea"/>
-              </a:rPr>
-              <a:t>"</a:t>
-            </a:r>
-            <a:r>
-              <a:rPr sz="1050" noProof="1">
-                <a:solidFill>
-                  <a:prstClr val="black"/>
-                </a:solidFill>
-                <a:latin typeface="Courier New" panose="02070309020205020404" pitchFamily="49" charset="0"/>
-                <a:ea typeface="微软雅黑" panose="020B0503020204020204" pitchFamily="34" charset="-122"/>
-                <a:cs typeface="Courier New" panose="02070309020205020404" pitchFamily="49" charset="0"/>
-                <a:sym typeface="+mn-ea"/>
-              </a:rPr>
-              <a:t>use strict";</a:t>
+              <a:t>　　"use strict";</a:t>
             </a:r>
           </a:p>
           <a:p>
@@ -15796,31 +15598,7 @@
                 <a:cs typeface="Courier New" panose="02070309020205020404" pitchFamily="49" charset="0"/>
                 <a:sym typeface="+mn-ea"/>
               </a:rPr>
-              <a:t>　　</a:t>
-            </a:r>
-            <a:r>
-              <a:rPr sz="1050" noProof="1" smtClean="0">
-                <a:solidFill>
-                  <a:prstClr val="black"/>
-                </a:solidFill>
-                <a:latin typeface="Courier New" panose="02070309020205020404" pitchFamily="49" charset="0"/>
-                <a:ea typeface="微软雅黑" panose="020B0503020204020204" pitchFamily="34" charset="-122"/>
-                <a:cs typeface="Courier New" panose="02070309020205020404" pitchFamily="49" charset="0"/>
-                <a:sym typeface="+mn-ea"/>
-              </a:rPr>
-              <a:t>console.log</a:t>
-            </a:r>
-            <a:r>
-              <a:rPr sz="1050" noProof="1">
-                <a:solidFill>
-                  <a:prstClr val="black"/>
-                </a:solidFill>
-                <a:latin typeface="Courier New" panose="02070309020205020404" pitchFamily="49" charset="0"/>
-                <a:ea typeface="微软雅黑" panose="020B0503020204020204" pitchFamily="34" charset="-122"/>
-                <a:cs typeface="Courier New" panose="02070309020205020404" pitchFamily="49" charset="0"/>
-                <a:sym typeface="+mn-ea"/>
-              </a:rPr>
-              <a:t>("这是严格模式。");</a:t>
+              <a:t>　　console.log("这是严格模式。");</a:t>
             </a:r>
           </a:p>
           <a:p>
@@ -16037,81 +15815,72 @@
           </a:lstStyle>
           <a:p>
             <a:r>
-              <a:rPr lang="zh-CN" altLang="en-US">
+              <a:rPr lang="zh-CN" altLang="en-US" dirty="0">
                 <a:sym typeface="+mn-ea"/>
               </a:rPr>
               <a:t>为整个脚本文件开启严格模式，需要</a:t>
             </a:r>
             <a:r>
-              <a:rPr lang="zh-CN" altLang="en-US">
+              <a:rPr lang="zh-CN" altLang="en-US" dirty="0">
                 <a:solidFill>
                   <a:srgbClr val="FF0000"/>
                 </a:solidFill>
                 <a:sym typeface="+mn-ea"/>
               </a:rPr>
-              <a:t>在所有语句之前放一个特定</a:t>
-            </a:r>
-            <a:r>
-              <a:rPr lang="zh-CN" altLang="en-US" smtClean="0">
+              <a:t>在所有语句之前放一个特定语句</a:t>
+            </a:r>
+            <a:r>
+              <a:rPr lang="en-US" altLang="zh-CN" dirty="0">
                 <a:solidFill>
                   <a:srgbClr val="FF0000"/>
                 </a:solidFill>
                 <a:sym typeface="+mn-ea"/>
               </a:rPr>
-              <a:t>语句</a:t>
-            </a:r>
-            <a:r>
-              <a:rPr lang="en-US" altLang="zh-CN" smtClean="0">
+              <a:t>“</a:t>
+            </a:r>
+            <a:r>
+              <a:rPr lang="en-US" dirty="0">
                 <a:solidFill>
                   <a:srgbClr val="FF0000"/>
                 </a:solidFill>
                 <a:sym typeface="+mn-ea"/>
               </a:rPr>
-              <a:t>“</a:t>
-            </a:r>
-            <a:r>
-              <a:rPr lang="en-US" smtClean="0">
+              <a:t>use strict”;（</a:t>
+            </a:r>
+            <a:r>
+              <a:rPr lang="zh-CN" altLang="en-US" dirty="0">
                 <a:solidFill>
                   <a:srgbClr val="FF0000"/>
                 </a:solidFill>
                 <a:sym typeface="+mn-ea"/>
               </a:rPr>
-              <a:t>use strict”;（</a:t>
-            </a:r>
-            <a:r>
-              <a:rPr lang="zh-CN" altLang="en-US" smtClean="0">
+              <a:t>或</a:t>
+            </a:r>
+            <a:r>
+              <a:rPr lang="en-US" altLang="zh-CN" dirty="0">
                 <a:solidFill>
                   <a:srgbClr val="FF0000"/>
                 </a:solidFill>
                 <a:sym typeface="+mn-ea"/>
               </a:rPr>
-              <a:t>或</a:t>
-            </a:r>
-            <a:r>
-              <a:rPr lang="en-US" altLang="zh-CN" smtClean="0">
+              <a:t>‘</a:t>
+            </a:r>
+            <a:r>
+              <a:rPr lang="en-US" dirty="0">
                 <a:solidFill>
                   <a:srgbClr val="FF0000"/>
                 </a:solidFill>
                 <a:sym typeface="+mn-ea"/>
               </a:rPr>
-              <a:t>‘</a:t>
-            </a:r>
-            <a:r>
-              <a:rPr lang="en-US" smtClean="0">
-                <a:solidFill>
-                  <a:srgbClr val="FF0000"/>
-                </a:solidFill>
-                <a:sym typeface="+mn-ea"/>
-              </a:rPr>
               <a:t>use strict’;）</a:t>
             </a:r>
             <a:r>
-              <a:rPr lang="zh-CN" altLang="en-US" smtClean="0">
+              <a:rPr lang="zh-CN" altLang="en-US" dirty="0">
                 <a:sym typeface="+mn-ea"/>
               </a:rPr>
               <a:t>。</a:t>
             </a:r>
-            <a:endParaRPr smtClean="0">
+            <a:endParaRPr dirty="0">
               <a:sym typeface="+mn-ea"/>
             </a:endParaRPr>
           </a:p>
@@ -16315,7 +16084,7 @@
               <a:t>1</a:t>
             </a:r>
             <a:r>
-              <a:rPr lang="en-US" sz="1400" b="1" smtClean="0">
+              <a:rPr lang="en-US" sz="1400" b="1">
                 <a:solidFill>
                   <a:schemeClr val="tx1"/>
                 </a:solidFill>
@@ -16323,7 +16092,7 @@
               <a:t>. </a:t>
             </a:r>
             <a:r>
-              <a:rPr lang="zh-CN" altLang="en-US" sz="1400" b="1" smtClean="0">
+              <a:rPr lang="zh-CN" altLang="en-US" sz="1400" b="1">
                 <a:solidFill>
                   <a:schemeClr val="tx1"/>
                 </a:solidFill>
@@ -16331,7 +16100,7 @@
               <a:t>为</a:t>
             </a:r>
             <a:r>
-              <a:rPr lang="zh-CN" altLang="en-US" sz="1400" b="1" smtClean="0">
+              <a:rPr lang="zh-CN" altLang="en-US" sz="1400" b="1">
                 <a:sym typeface="+mn-ea"/>
               </a:rPr>
               <a:t>脚本开启严格模式</a:t>
@@ -16696,22 +16465,13 @@
           <a:lstStyle/>
           <a:p>
             <a:r>
-              <a:rPr lang="en-US" altLang="zh-CN" dirty="0" smtClean="0"/>
+              <a:rPr lang="en-US" altLang="zh-CN" dirty="0"/>
               <a:t>3.2 </a:t>
             </a:r>
             <a:r>
-              <a:rPr lang="zh-CN" altLang="en-US" dirty="0" smtClean="0"/>
-              <a:t>开启</a:t>
-            </a:r>
-            <a:r>
               <a:rPr lang="zh-CN" altLang="en-US" dirty="0"/>
-              <a:t>严格</a:t>
-            </a:r>
-            <a:r>
-              <a:rPr lang="zh-CN" altLang="en-US" dirty="0" smtClean="0"/>
-              <a:t>模式</a:t>
-            </a:r>
-            <a:endParaRPr lang="zh-CN" altLang="en-US" dirty="0"/>
+              <a:t>开启严格模式</a:t>
+            </a:r>
           </a:p>
         </p:txBody>
       </p:sp>
@@ -16790,50 +16550,40 @@
                 <a:latin typeface="微软雅黑" panose="020B0503020204020204" pitchFamily="34" charset="-122"/>
                 <a:ea typeface="微软雅黑" panose="020B0503020204020204" pitchFamily="34" charset="-122"/>
               </a:rPr>
-              <a:t>中</a:t>
-            </a:r>
-            <a:r>
-              <a:rPr lang="zh-CN" altLang="en-US" sz="1050" smtClean="0">
+              <a:t>中。因此在使用时，我们可以将严格模式分为</a:t>
+            </a:r>
+            <a:r>
+              <a:rPr lang="zh-CN" altLang="en-US" sz="1050">
+                <a:solidFill>
+                  <a:srgbClr val="FF0000"/>
+                </a:solidFill>
+                <a:latin typeface="微软雅黑" panose="020B0503020204020204" pitchFamily="34" charset="-122"/>
+                <a:ea typeface="微软雅黑" panose="020B0503020204020204" pitchFamily="34" charset="-122"/>
+              </a:rPr>
+              <a:t>为脚本开启严格模式</a:t>
+            </a:r>
+            <a:r>
+              <a:rPr lang="zh-CN" altLang="en-US" sz="1050">
                 <a:solidFill>
                   <a:prstClr val="black"/>
                 </a:solidFill>
                 <a:latin typeface="微软雅黑" panose="020B0503020204020204" pitchFamily="34" charset="-122"/>
                 <a:ea typeface="微软雅黑" panose="020B0503020204020204" pitchFamily="34" charset="-122"/>
               </a:rPr>
-              <a:t>。因此在使用时，我们可以将严格模式分为</a:t>
-            </a:r>
-            <a:r>
-              <a:rPr lang="zh-CN" altLang="en-US" sz="1050" smtClean="0">
+              <a:t>和</a:t>
+            </a:r>
+            <a:r>
+              <a:rPr lang="zh-CN" altLang="en-US" sz="1050">
                 <a:solidFill>
                   <a:srgbClr val="FF0000"/>
                 </a:solidFill>
                 <a:latin typeface="微软雅黑" panose="020B0503020204020204" pitchFamily="34" charset="-122"/>
                 <a:ea typeface="微软雅黑" panose="020B0503020204020204" pitchFamily="34" charset="-122"/>
               </a:rPr>
-              <a:t>为脚本开启严格模式</a:t>
-            </a:r>
-            <a:r>
-              <a:rPr lang="zh-CN" altLang="en-US" sz="1050" smtClean="0">
-                <a:solidFill>
-                  <a:prstClr val="black"/>
-                </a:solidFill>
-                <a:latin typeface="微软雅黑" panose="020B0503020204020204" pitchFamily="34" charset="-122"/>
-                <a:ea typeface="微软雅黑" panose="020B0503020204020204" pitchFamily="34" charset="-122"/>
-              </a:rPr>
-              <a:t>和</a:t>
-            </a:r>
-            <a:r>
-              <a:rPr lang="zh-CN" altLang="en-US" sz="1050" smtClean="0">
-                <a:solidFill>
-                  <a:srgbClr val="FF0000"/>
-                </a:solidFill>
-                <a:latin typeface="微软雅黑" panose="020B0503020204020204" pitchFamily="34" charset="-122"/>
-                <a:ea typeface="微软雅黑" panose="020B0503020204020204" pitchFamily="34" charset="-122"/>
-              </a:rPr>
               <a:t>为函数开启严格模式</a:t>
             </a:r>
             <a:r>
-              <a:rPr lang="zh-CN" altLang="en-US" sz="1050" smtClean="0">
+              <a:rPr lang="zh-CN" altLang="en-US" sz="1050">
                 <a:solidFill>
                   <a:prstClr val="black">
                     <a:lumMod val="85000"/>
@@ -16845,16 +16595,6 @@
               </a:rPr>
               <a:t>两种情况。</a:t>
             </a:r>
-            <a:endParaRPr lang="zh-CN" altLang="en-US" sz="1050">
-              <a:solidFill>
-                <a:prstClr val="black">
-                  <a:lumMod val="85000"/>
-                  <a:lumOff val="15000"/>
-                </a:prstClr>
-              </a:solidFill>
-              <a:latin typeface="微软雅黑" panose="020B0503020204020204" pitchFamily="34" charset="-122"/>
-              <a:ea typeface="微软雅黑" panose="020B0503020204020204" pitchFamily="34" charset="-122"/>
-            </a:endParaRPr>
           </a:p>
         </p:txBody>
       </p:sp>
@@ -17056,7 +16796,7 @@
               <a:t>1</a:t>
             </a:r>
             <a:r>
-              <a:rPr lang="en-US" sz="1400" b="1" smtClean="0">
+              <a:rPr lang="en-US" sz="1400" b="1">
                 <a:solidFill>
                   <a:prstClr val="black"/>
                 </a:solidFill>
@@ -17064,7 +16804,7 @@
               <a:t>. </a:t>
             </a:r>
             <a:r>
-              <a:rPr lang="zh-CN" altLang="en-US" sz="1400" b="1" smtClean="0">
+              <a:rPr lang="zh-CN" altLang="en-US" sz="1400" b="1">
                 <a:solidFill>
                   <a:prstClr val="black"/>
                 </a:solidFill>
@@ -17072,7 +16812,7 @@
               <a:t>为</a:t>
             </a:r>
             <a:r>
-              <a:rPr lang="zh-CN" altLang="en-US" sz="1400" b="1" smtClean="0">
+              <a:rPr lang="zh-CN" altLang="en-US" sz="1400" b="1">
                 <a:solidFill>
                   <a:prstClr val="black">
                     <a:lumMod val="85000"/>
@@ -17110,7 +16850,7 @@
         </p:spPr>
         <p:txBody>
           <a:bodyPr>
-            <a:normAutofit lnSpcReduction="10000"/>
+            <a:normAutofit/>
           </a:bodyPr>
           <a:lstStyle>
             <a:lvl1pPr marL="0" indent="0" algn="l" defTabSz="685800" rtl="0" eaLnBrk="1" latinLnBrk="0" hangingPunct="1">
@@ -17281,67 +17021,79 @@
           </a:lstStyle>
           <a:p>
             <a:r>
-              <a:rPr lang="zh-CN" smtClean="0">
+              <a:rPr lang="zh-CN" dirty="0">
                 <a:sym typeface="+mn-ea"/>
               </a:rPr>
               <a:t>有的</a:t>
             </a:r>
             <a:r>
-              <a:rPr lang="en-US" altLang="zh-CN" smtClean="0">
+              <a:rPr lang="en-US" altLang="zh-CN" dirty="0">
                 <a:sym typeface="+mn-ea"/>
               </a:rPr>
               <a:t> script </a:t>
             </a:r>
             <a:r>
-              <a:rPr lang="zh-CN" altLang="en-US" smtClean="0">
+              <a:rPr lang="zh-CN" altLang="en-US" dirty="0">
                 <a:sym typeface="+mn-ea"/>
               </a:rPr>
               <a:t>基本是严格模式，有的 </a:t>
             </a:r>
             <a:r>
-              <a:rPr lang="en-US" altLang="zh-CN" smtClean="0">
+              <a:rPr lang="en-US" altLang="zh-CN" dirty="0">
                 <a:sym typeface="+mn-ea"/>
               </a:rPr>
               <a:t>script </a:t>
             </a:r>
             <a:r>
-              <a:rPr lang="zh-CN" altLang="en-US" smtClean="0">
+              <a:rPr lang="zh-CN" altLang="en-US" dirty="0">
                 <a:sym typeface="+mn-ea"/>
               </a:rPr>
               <a:t>脚本是正常模式，这样</a:t>
             </a:r>
             <a:r>
-              <a:rPr smtClean="0">
-                <a:sym typeface="+mn-ea"/>
-              </a:rPr>
-              <a:t>不利于文件合并，</a:t>
-            </a:r>
-            <a:r>
-              <a:rPr lang="zh-CN" smtClean="0">
+              <a:rPr dirty="0" err="1">
+                <a:sym typeface="+mn-ea"/>
+              </a:rPr>
+              <a:t>不利于文件合并</a:t>
+            </a:r>
+            <a:r>
+              <a:rPr dirty="0">
+                <a:sym typeface="+mn-ea"/>
+              </a:rPr>
+              <a:t>，</a:t>
+            </a:r>
+            <a:r>
+              <a:rPr lang="zh-CN" dirty="0">
                 <a:sym typeface="+mn-ea"/>
               </a:rPr>
               <a:t>所以可以</a:t>
             </a:r>
             <a:r>
-              <a:rPr smtClean="0">
-                <a:sym typeface="+mn-ea"/>
-              </a:rPr>
-              <a:t>将整个脚本文件放在一个立即执行的匿名函数之中。</a:t>
-            </a:r>
-            <a:r>
-              <a:rPr lang="zh-CN" smtClean="0">
+              <a:rPr dirty="0" err="1">
+                <a:sym typeface="+mn-ea"/>
+              </a:rPr>
+              <a:t>将整个脚本文件放在一个立即执行的匿名函数之中</a:t>
+            </a:r>
+            <a:r>
+              <a:rPr dirty="0">
+                <a:sym typeface="+mn-ea"/>
+              </a:rPr>
+              <a:t>。</a:t>
+            </a:r>
+            <a:r>
+              <a:rPr lang="zh-CN" dirty="0">
                 <a:sym typeface="+mn-ea"/>
               </a:rPr>
               <a:t>这样独立创建一个作用域而不影响其他</a:t>
             </a:r>
             <a:r>
-              <a:rPr lang="en-US" altLang="zh-CN" smtClean="0">
+              <a:rPr lang="en-US" altLang="zh-CN" dirty="0">
                 <a:sym typeface="+mn-ea"/>
               </a:rPr>
               <a:t> script </a:t>
             </a:r>
             <a:r>
-              <a:rPr lang="zh-CN" altLang="en-US" smtClean="0">
+              <a:rPr lang="zh-CN" altLang="en-US" dirty="0">
                 <a:sym typeface="+mn-ea"/>
               </a:rPr>
               <a:t>脚本文件。</a:t>
@@ -17413,44 +17165,7 @@
               </a:rPr>
               <a:t>&lt;script&gt;</a:t>
             </a:r>
-          </a:p>
-          <a:p>
-            <a:pPr marL="109855" defTabSz="914400" eaLnBrk="0" fontAlgn="base" hangingPunct="0">
-              <a:lnSpc>
-                <a:spcPct val="150000"/>
-              </a:lnSpc>
-              <a:spcBef>
-                <a:spcPct val="0"/>
-              </a:spcBef>
-              <a:spcAft>
-                <a:spcPct val="0"/>
-              </a:spcAft>
-            </a:pPr>
-            <a:r>
-              <a:rPr sz="1050" noProof="1">
-                <a:solidFill>
-                  <a:prstClr val="black"/>
-                </a:solidFill>
-                <a:latin typeface="Courier New" panose="02070309020205020404" pitchFamily="49" charset="0"/>
-                <a:ea typeface="微软雅黑" panose="020B0503020204020204" pitchFamily="34" charset="-122"/>
-                <a:cs typeface="Courier New" panose="02070309020205020404" pitchFamily="49" charset="0"/>
-                <a:sym typeface="+mn-ea"/>
-              </a:rPr>
-              <a:t>  (function </a:t>
-            </a:r>
-            <a:r>
-              <a:rPr sz="1050" noProof="1" smtClean="0">
-                <a:solidFill>
-                  <a:prstClr val="black"/>
-                </a:solidFill>
-                <a:latin typeface="Courier New" panose="02070309020205020404" pitchFamily="49" charset="0"/>
-                <a:ea typeface="微软雅黑" panose="020B0503020204020204" pitchFamily="34" charset="-122"/>
-                <a:cs typeface="Courier New" panose="02070309020205020404" pitchFamily="49" charset="0"/>
-                <a:sym typeface="+mn-ea"/>
-              </a:rPr>
-              <a:t>(){</a:t>
-            </a:r>
-            <a:endParaRPr sz="1050" noProof="1">
+            <a:endParaRPr lang="en-US" sz="1050" noProof="1">
               <a:solidFill>
                 <a:prstClr val="black"/>
               </a:solidFill>
@@ -17473,6 +17188,18 @@
               </a:spcAft>
             </a:pPr>
             <a:r>
+              <a:rPr lang="en-US" sz="1050" noProof="1">
+                <a:solidFill>
+                  <a:prstClr val="black"/>
+                </a:solidFill>
+                <a:latin typeface="Courier New" panose="02070309020205020404" pitchFamily="49" charset="0"/>
+                <a:ea typeface="微软雅黑" panose="020B0503020204020204" pitchFamily="34" charset="-122"/>
+                <a:cs typeface="Courier New" panose="02070309020205020404" pitchFamily="49" charset="0"/>
+                <a:sym typeface="+mn-ea"/>
+              </a:rPr>
+              <a:t>    </a:t>
+            </a:r>
+            <a:r>
               <a:rPr sz="1050" noProof="1">
                 <a:solidFill>
                   <a:prstClr val="black"/>
@@ -17482,21 +17209,9 @@
                 <a:cs typeface="Courier New" panose="02070309020205020404" pitchFamily="49" charset="0"/>
                 <a:sym typeface="+mn-ea"/>
               </a:rPr>
-              <a:t>　　　　"use strict</a:t>
-            </a:r>
-            <a:r>
-              <a:rPr sz="1050" noProof="1" smtClean="0">
-                <a:solidFill>
-                  <a:prstClr val="black"/>
-                </a:solidFill>
-                <a:latin typeface="Courier New" panose="02070309020205020404" pitchFamily="49" charset="0"/>
-                <a:ea typeface="微软雅黑" panose="020B0503020204020204" pitchFamily="34" charset="-122"/>
-                <a:cs typeface="Courier New" panose="02070309020205020404" pitchFamily="49" charset="0"/>
-                <a:sym typeface="+mn-ea"/>
-              </a:rPr>
-              <a:t>";</a:t>
-            </a:r>
-            <a:endParaRPr sz="1050" noProof="1">
+              <a:t>(function (){</a:t>
+            </a:r>
+            <a:endParaRPr lang="en-US" sz="1050" noProof="1">
               <a:solidFill>
                 <a:prstClr val="black"/>
               </a:solidFill>
@@ -17519,6 +17234,18 @@
               </a:spcAft>
             </a:pPr>
             <a:r>
+              <a:rPr lang="en-US" sz="1050" noProof="1">
+                <a:solidFill>
+                  <a:prstClr val="black"/>
+                </a:solidFill>
+                <a:latin typeface="Courier New" panose="02070309020205020404" pitchFamily="49" charset="0"/>
+                <a:ea typeface="微软雅黑" panose="020B0503020204020204" pitchFamily="34" charset="-122"/>
+                <a:cs typeface="Courier New" panose="02070309020205020404" pitchFamily="49" charset="0"/>
+                <a:sym typeface="+mn-ea"/>
+              </a:rPr>
+              <a:t>        </a:t>
+            </a:r>
+            <a:r>
               <a:rPr sz="1050" noProof="1">
                 <a:solidFill>
                   <a:prstClr val="black"/>
@@ -17528,33 +17255,9 @@
                 <a:cs typeface="Courier New" panose="02070309020205020404" pitchFamily="49" charset="0"/>
                 <a:sym typeface="+mn-ea"/>
               </a:rPr>
-              <a:t>       </a:t>
-            </a:r>
-            <a:r>
-              <a:rPr lang="en-US" sz="1050" noProof="1">
-                <a:solidFill>
-                  <a:prstClr val="black"/>
-                </a:solidFill>
-                <a:latin typeface="Courier New" panose="02070309020205020404" pitchFamily="49" charset="0"/>
-                <a:ea typeface="微软雅黑" panose="020B0503020204020204" pitchFamily="34" charset="-122"/>
-                <a:cs typeface="Courier New" panose="02070309020205020404" pitchFamily="49" charset="0"/>
-                <a:sym typeface="+mn-ea"/>
-              </a:rPr>
-              <a:t>var num = 10</a:t>
-            </a:r>
-            <a:r>
-              <a:rPr lang="en-US" sz="1050" noProof="1" smtClean="0">
-                <a:solidFill>
-                  <a:prstClr val="black"/>
-                </a:solidFill>
-                <a:latin typeface="Courier New" panose="02070309020205020404" pitchFamily="49" charset="0"/>
-                <a:ea typeface="微软雅黑" panose="020B0503020204020204" pitchFamily="34" charset="-122"/>
-                <a:cs typeface="Courier New" panose="02070309020205020404" pitchFamily="49" charset="0"/>
-                <a:sym typeface="+mn-ea"/>
-              </a:rPr>
-              <a:t>;</a:t>
-            </a:r>
-            <a:endParaRPr sz="1050" noProof="1">
+              <a:t>"use strict";</a:t>
+            </a:r>
+            <a:endParaRPr lang="en-US" sz="1050" noProof="1">
               <a:solidFill>
                 <a:prstClr val="black"/>
               </a:solidFill>
@@ -17577,7 +17280,7 @@
               </a:spcAft>
             </a:pPr>
             <a:r>
-              <a:rPr sz="1050" noProof="1">
+              <a:rPr lang="en-US" sz="1050" noProof="1">
                 <a:solidFill>
                   <a:prstClr val="black"/>
                 </a:solidFill>
@@ -17586,41 +17289,8 @@
                 <a:cs typeface="Courier New" panose="02070309020205020404" pitchFamily="49" charset="0"/>
                 <a:sym typeface="+mn-ea"/>
               </a:rPr>
-              <a:t>　　　　</a:t>
-            </a:r>
-            <a:r>
-              <a:rPr lang="en-US" sz="1050" noProof="1">
-                <a:solidFill>
-                  <a:prstClr val="black"/>
-                </a:solidFill>
-                <a:latin typeface="Courier New" panose="02070309020205020404" pitchFamily="49" charset="0"/>
-                <a:ea typeface="微软雅黑" panose="020B0503020204020204" pitchFamily="34" charset="-122"/>
-                <a:cs typeface="Courier New" panose="02070309020205020404" pitchFamily="49" charset="0"/>
-                <a:sym typeface="+mn-ea"/>
-              </a:rPr>
-              <a:t>function fn() </a:t>
-            </a:r>
-            <a:r>
-              <a:rPr lang="en-US" sz="1050" noProof="1" smtClean="0">
-                <a:solidFill>
-                  <a:prstClr val="black"/>
-                </a:solidFill>
-                <a:latin typeface="Courier New" panose="02070309020205020404" pitchFamily="49" charset="0"/>
-                <a:ea typeface="微软雅黑" panose="020B0503020204020204" pitchFamily="34" charset="-122"/>
-                <a:cs typeface="Courier New" panose="02070309020205020404" pitchFamily="49" charset="0"/>
-                <a:sym typeface="+mn-ea"/>
-              </a:rPr>
-              <a:t>{}</a:t>
-            </a:r>
-            <a:endParaRPr sz="1050" noProof="1">
-              <a:solidFill>
-                <a:prstClr val="black"/>
-              </a:solidFill>
-              <a:latin typeface="Courier New" panose="02070309020205020404" pitchFamily="49" charset="0"/>
-              <a:ea typeface="微软雅黑" panose="020B0503020204020204" pitchFamily="34" charset="-122"/>
-              <a:cs typeface="Courier New" panose="02070309020205020404" pitchFamily="49" charset="0"/>
-              <a:sym typeface="+mn-ea"/>
-            </a:endParaRPr>
+              <a:t>        var num = 10;</a:t>
+            </a:r>
           </a:p>
           <a:p>
             <a:pPr marL="109855" defTabSz="914400" eaLnBrk="0" fontAlgn="base" hangingPunct="0">
@@ -17635,6 +17305,43 @@
               </a:spcAft>
             </a:pPr>
             <a:r>
+              <a:rPr lang="en-US" sz="1050" noProof="1">
+                <a:solidFill>
+                  <a:prstClr val="black"/>
+                </a:solidFill>
+                <a:latin typeface="Courier New" panose="02070309020205020404" pitchFamily="49" charset="0"/>
+                <a:ea typeface="微软雅黑" panose="020B0503020204020204" pitchFamily="34" charset="-122"/>
+                <a:cs typeface="Courier New" panose="02070309020205020404" pitchFamily="49" charset="0"/>
+                <a:sym typeface="+mn-ea"/>
+              </a:rPr>
+              <a:t>        function fn() {}</a:t>
+            </a:r>
+          </a:p>
+          <a:p>
+            <a:pPr marL="109855" defTabSz="914400" eaLnBrk="0" fontAlgn="base" hangingPunct="0">
+              <a:lnSpc>
+                <a:spcPct val="150000"/>
+              </a:lnSpc>
+              <a:spcBef>
+                <a:spcPct val="0"/>
+              </a:spcBef>
+              <a:spcAft>
+                <a:spcPct val="0"/>
+              </a:spcAft>
+            </a:pPr>
+            <a:r>
+              <a:rPr lang="en-US" sz="1050" noProof="1">
+                <a:solidFill>
+                  <a:prstClr val="black"/>
+                </a:solidFill>
+                <a:latin typeface="Courier New" panose="02070309020205020404" pitchFamily="49" charset="0"/>
+                <a:ea typeface="微软雅黑" panose="020B0503020204020204" pitchFamily="34" charset="-122"/>
+                <a:cs typeface="Courier New" panose="02070309020205020404" pitchFamily="49" charset="0"/>
+                <a:sym typeface="+mn-ea"/>
+              </a:rPr>
+              <a:t>    </a:t>
+            </a:r>
+            <a:r>
               <a:rPr sz="1050" noProof="1">
                 <a:solidFill>
                   <a:prstClr val="black"/>
@@ -17644,7 +17351,19 @@
                 <a:cs typeface="Courier New" panose="02070309020205020404" pitchFamily="49" charset="0"/>
                 <a:sym typeface="+mn-ea"/>
               </a:rPr>
-              <a:t>　  })();</a:t>
+              <a:t>})()</a:t>
+            </a:r>
+            <a:r>
+              <a:rPr lang="en-US" sz="1050" noProof="1">
+                <a:solidFill>
+                  <a:prstClr val="black"/>
+                </a:solidFill>
+                <a:latin typeface="Courier New" panose="02070309020205020404" pitchFamily="49" charset="0"/>
+                <a:ea typeface="微软雅黑" panose="020B0503020204020204" pitchFamily="34" charset="-122"/>
+                <a:cs typeface="Courier New" panose="02070309020205020404" pitchFamily="49" charset="0"/>
+                <a:sym typeface="+mn-ea"/>
+              </a:rPr>
+              <a:t>;</a:t>
             </a:r>
           </a:p>
           <a:p>
@@ -17841,22 +17560,13 @@
           <a:lstStyle/>
           <a:p>
             <a:r>
-              <a:rPr lang="en-US" altLang="zh-CN" dirty="0" smtClean="0"/>
+              <a:rPr lang="en-US" altLang="zh-CN" dirty="0"/>
               <a:t>3.2 </a:t>
             </a:r>
             <a:r>
-              <a:rPr lang="zh-CN" altLang="en-US" dirty="0" smtClean="0"/>
-              <a:t>开启</a:t>
-            </a:r>
-            <a:r>
               <a:rPr lang="zh-CN" altLang="en-US" dirty="0"/>
-              <a:t>严格</a:t>
-            </a:r>
-            <a:r>
-              <a:rPr lang="zh-CN" altLang="en-US" dirty="0" smtClean="0"/>
-              <a:t>模式</a:t>
-            </a:r>
-            <a:endParaRPr lang="zh-CN" altLang="en-US" dirty="0"/>
+              <a:t>开启严格模式</a:t>
+            </a:r>
           </a:p>
         </p:txBody>
       </p:sp>
@@ -17935,50 +17645,40 @@
                 <a:latin typeface="微软雅黑" panose="020B0503020204020204" pitchFamily="34" charset="-122"/>
                 <a:ea typeface="微软雅黑" panose="020B0503020204020204" pitchFamily="34" charset="-122"/>
               </a:rPr>
-              <a:t>中</a:t>
-            </a:r>
-            <a:r>
-              <a:rPr lang="zh-CN" altLang="en-US" sz="1050" smtClean="0">
+              <a:t>中。因此在使用时，我们可以将严格模式分为</a:t>
+            </a:r>
+            <a:r>
+              <a:rPr lang="zh-CN" altLang="en-US" sz="1050">
+                <a:solidFill>
+                  <a:srgbClr val="FF0000"/>
+                </a:solidFill>
+                <a:latin typeface="微软雅黑" panose="020B0503020204020204" pitchFamily="34" charset="-122"/>
+                <a:ea typeface="微软雅黑" panose="020B0503020204020204" pitchFamily="34" charset="-122"/>
+              </a:rPr>
+              <a:t>为脚本开启严格模式</a:t>
+            </a:r>
+            <a:r>
+              <a:rPr lang="zh-CN" altLang="en-US" sz="1050">
                 <a:solidFill>
                   <a:prstClr val="black"/>
                 </a:solidFill>
                 <a:latin typeface="微软雅黑" panose="020B0503020204020204" pitchFamily="34" charset="-122"/>
                 <a:ea typeface="微软雅黑" panose="020B0503020204020204" pitchFamily="34" charset="-122"/>
               </a:rPr>
-              <a:t>。因此在使用时，我们可以将严格模式分为</a:t>
-            </a:r>
-            <a:r>
-              <a:rPr lang="zh-CN" altLang="en-US" sz="1050" smtClean="0">
+              <a:t>和</a:t>
+            </a:r>
+            <a:r>
+              <a:rPr lang="zh-CN" altLang="en-US" sz="1050">
                 <a:solidFill>
                   <a:srgbClr val="FF0000"/>
                 </a:solidFill>
                 <a:latin typeface="微软雅黑" panose="020B0503020204020204" pitchFamily="34" charset="-122"/>
                 <a:ea typeface="微软雅黑" panose="020B0503020204020204" pitchFamily="34" charset="-122"/>
               </a:rPr>
-              <a:t>为脚本开启严格模式</a:t>
-            </a:r>
-            <a:r>
-              <a:rPr lang="zh-CN" altLang="en-US" sz="1050" smtClean="0">
-                <a:solidFill>
-                  <a:prstClr val="black"/>
-                </a:solidFill>
-                <a:latin typeface="微软雅黑" panose="020B0503020204020204" pitchFamily="34" charset="-122"/>
-                <a:ea typeface="微软雅黑" panose="020B0503020204020204" pitchFamily="34" charset="-122"/>
-              </a:rPr>
-              <a:t>和</a:t>
-            </a:r>
-            <a:r>
-              <a:rPr lang="zh-CN" altLang="en-US" sz="1050" smtClean="0">
-                <a:solidFill>
-                  <a:srgbClr val="FF0000"/>
-                </a:solidFill>
-                <a:latin typeface="微软雅黑" panose="020B0503020204020204" pitchFamily="34" charset="-122"/>
-                <a:ea typeface="微软雅黑" panose="020B0503020204020204" pitchFamily="34" charset="-122"/>
-              </a:rPr>
               <a:t>为函数开启严格模式</a:t>
             </a:r>
             <a:r>
-              <a:rPr lang="zh-CN" altLang="en-US" sz="1050" smtClean="0">
+              <a:rPr lang="zh-CN" altLang="en-US" sz="1050">
                 <a:solidFill>
                   <a:prstClr val="black">
                     <a:lumMod val="85000"/>
@@ -17990,16 +17690,6 @@
               </a:rPr>
               <a:t>两种情况。</a:t>
             </a:r>
-            <a:endParaRPr lang="zh-CN" altLang="en-US" sz="1050">
-              <a:solidFill>
-                <a:prstClr val="black">
-                  <a:lumMod val="85000"/>
-                  <a:lumOff val="15000"/>
-                </a:prstClr>
-              </a:solidFill>
-              <a:latin typeface="微软雅黑" panose="020B0503020204020204" pitchFamily="34" charset="-122"/>
-              <a:ea typeface="微软雅黑" panose="020B0503020204020204" pitchFamily="34" charset="-122"/>
-            </a:endParaRPr>
           </a:p>
         </p:txBody>
       </p:sp>
@@ -18193,7 +17883,7 @@
           </a:lstStyle>
           <a:p>
             <a:r>
-              <a:rPr lang="en-US" altLang="zh-CN" sz="1400" b="1" smtClean="0">
+              <a:rPr lang="en-US" altLang="zh-CN" sz="1400" b="1">
                 <a:solidFill>
                   <a:prstClr val="black"/>
                 </a:solidFill>
@@ -18201,7 +17891,7 @@
               <a:t>2</a:t>
             </a:r>
             <a:r>
-              <a:rPr lang="en-US" sz="1400" b="1" smtClean="0">
+              <a:rPr lang="en-US" sz="1400" b="1">
                 <a:solidFill>
                   <a:prstClr val="black"/>
                 </a:solidFill>
@@ -18209,7 +17899,7 @@
               <a:t>. </a:t>
             </a:r>
             <a:r>
-              <a:rPr lang="zh-CN" altLang="en-US" sz="1400" b="1" smtClean="0">
+              <a:rPr lang="zh-CN" altLang="en-US" sz="1400" b="1">
                 <a:solidFill>
                   <a:prstClr val="black"/>
                 </a:solidFill>
@@ -18226,19 +17916,7 @@
                 </a:solidFill>
                 <a:sym typeface="+mn-ea"/>
               </a:rPr>
-              <a:t>函数</a:t>
-            </a:r>
-            <a:r>
-              <a:rPr lang="zh-CN" altLang="en-US" sz="1400" b="1" smtClean="0">
-                <a:solidFill>
-                  <a:prstClr val="black">
-                    <a:lumMod val="85000"/>
-                    <a:lumOff val="15000"/>
-                  </a:prstClr>
-                </a:solidFill>
-                <a:sym typeface="+mn-ea"/>
-              </a:rPr>
-              <a:t>开启严格模式</a:t>
+              <a:t>函数开启严格模式</a:t>
             </a:r>
             <a:endParaRPr lang="zh-CN" altLang="en-US" sz="1400" b="1">
               <a:solidFill>
@@ -18438,7 +18116,7 @@
           </a:lstStyle>
           <a:p>
             <a:r>
-              <a:rPr lang="zh-CN" altLang="en-US">
+              <a:rPr lang="zh-CN" altLang="en-US" dirty="0">
                 <a:solidFill>
                   <a:prstClr val="black">
                     <a:lumMod val="85000"/>
@@ -18447,22 +18125,10 @@
                 </a:solidFill>
                 <a:sym typeface="+mn-ea"/>
               </a:rPr>
-              <a:t>要给某个函数开启严格模式</a:t>
-            </a:r>
-            <a:r>
-              <a:rPr lang="zh-CN" altLang="en-US" smtClean="0">
-                <a:solidFill>
-                  <a:prstClr val="black">
-                    <a:lumMod val="85000"/>
-                    <a:lumOff val="15000"/>
-                  </a:prstClr>
-                </a:solidFill>
-                <a:sym typeface="+mn-ea"/>
-              </a:rPr>
-              <a:t>，需要</a:t>
-            </a:r>
-            <a:r>
-              <a:rPr lang="zh-CN" altLang="en-US" smtClean="0">
+              <a:t>要给某个函数开启严格模式，需要</a:t>
+            </a:r>
+            <a:r>
+              <a:rPr lang="zh-CN" altLang="en-US" dirty="0">
                 <a:solidFill>
                   <a:srgbClr val="FF0000"/>
                 </a:solidFill>
@@ -18471,70 +18137,43 @@
               <a:t>把</a:t>
             </a:r>
             <a:r>
-              <a:rPr lang="en-US" altLang="zh-CN" smtClean="0">
+              <a:rPr lang="en-US" altLang="zh-CN" dirty="0">
                 <a:solidFill>
                   <a:srgbClr val="FF0000"/>
                 </a:solidFill>
                 <a:sym typeface="+mn-ea"/>
               </a:rPr>
-              <a:t>“use strict”;  </a:t>
-            </a:r>
-            <a:r>
-              <a:rPr lang="en-US" altLang="zh-CN">
+              <a:t>“use strict”;  (</a:t>
+            </a:r>
+            <a:r>
+              <a:rPr lang="zh-CN" altLang="en-US" dirty="0">
                 <a:solidFill>
                   <a:srgbClr val="FF0000"/>
                 </a:solidFill>
                 <a:sym typeface="+mn-ea"/>
               </a:rPr>
-              <a:t>(</a:t>
-            </a:r>
-            <a:r>
-              <a:rPr lang="zh-CN" altLang="en-US">
+              <a:t>或 </a:t>
+            </a:r>
+            <a:r>
+              <a:rPr lang="en-US" altLang="zh-CN" dirty="0">
                 <a:solidFill>
                   <a:srgbClr val="FF0000"/>
                 </a:solidFill>
                 <a:sym typeface="+mn-ea"/>
               </a:rPr>
-              <a:t>或 </a:t>
-            </a:r>
-            <a:r>
-              <a:rPr lang="en-US" altLang="zh-CN" smtClean="0">
+              <a:t>'use strict'; ) </a:t>
+            </a:r>
+            <a:r>
+              <a:rPr lang="zh-CN" altLang="en-US" dirty="0">
                 <a:solidFill>
                   <a:srgbClr val="FF0000"/>
                 </a:solidFill>
                 <a:sym typeface="+mn-ea"/>
               </a:rPr>
-              <a:t>'use strict'; ) </a:t>
-            </a:r>
-            <a:r>
-              <a:rPr lang="zh-CN" altLang="en-US" smtClean="0">
-                <a:solidFill>
-                  <a:srgbClr val="FF0000"/>
-                </a:solidFill>
-                <a:sym typeface="+mn-ea"/>
-              </a:rPr>
-              <a:t>声明放</a:t>
-            </a:r>
-            <a:r>
-              <a:rPr lang="zh-CN" altLang="en-US">
-                <a:solidFill>
-                  <a:srgbClr val="FF0000"/>
-                </a:solidFill>
-                <a:sym typeface="+mn-ea"/>
-              </a:rPr>
-              <a:t>在函数体所有语句</a:t>
-            </a:r>
-            <a:r>
-              <a:rPr lang="zh-CN" altLang="en-US" smtClean="0">
-                <a:solidFill>
-                  <a:srgbClr val="FF0000"/>
-                </a:solidFill>
-                <a:sym typeface="+mn-ea"/>
-              </a:rPr>
-              <a:t>之前</a:t>
-            </a:r>
-            <a:r>
-              <a:rPr lang="zh-CN" altLang="en-US" smtClean="0">
+              <a:t>声明放在函数体所有语句之前</a:t>
+            </a:r>
+            <a:r>
+              <a:rPr lang="zh-CN" altLang="en-US" dirty="0">
                 <a:solidFill>
                   <a:prstClr val="black">
                     <a:lumMod val="85000"/>
@@ -18892,37 +18531,37 @@
           </a:lstStyle>
           <a:p>
             <a:r>
-              <a:rPr smtClean="0">
+              <a:rPr dirty="0">
                 <a:sym typeface="+mn-ea"/>
               </a:rPr>
               <a:t>将</a:t>
             </a:r>
             <a:r>
-              <a:rPr lang="en-US" smtClean="0">
+              <a:rPr lang="en-US" dirty="0">
                 <a:sym typeface="+mn-ea"/>
               </a:rPr>
               <a:t> </a:t>
             </a:r>
             <a:r>
-              <a:rPr smtClean="0">
+              <a:rPr dirty="0">
                 <a:sym typeface="+mn-ea"/>
               </a:rPr>
               <a:t>"use strict"</a:t>
             </a:r>
             <a:r>
-              <a:rPr lang="en-US" smtClean="0">
+              <a:rPr lang="en-US" dirty="0">
                 <a:sym typeface="+mn-ea"/>
               </a:rPr>
               <a:t> </a:t>
             </a:r>
             <a:r>
-              <a:rPr smtClean="0">
+              <a:rPr dirty="0" err="1">
                 <a:sym typeface="+mn-ea"/>
               </a:rPr>
               <a:t>放在函数体的</a:t>
             </a:r>
             <a:r>
-              <a:rPr smtClean="0">
+              <a:rPr dirty="0" err="1">
                 <a:solidFill>
                   <a:srgbClr val="FF0000"/>
                 </a:solidFill>
@@ -18931,34 +18570,52 @@
               <a:t>第一行</a:t>
             </a:r>
             <a:r>
-              <a:rPr smtClean="0">
+              <a:rPr dirty="0" err="1">
                 <a:sym typeface="+mn-ea"/>
               </a:rPr>
               <a:t>，则整个函数以</a:t>
             </a:r>
             <a:r>
-              <a:rPr lang="en-US" smtClean="0">
+              <a:rPr lang="en-US" dirty="0">
                 <a:sym typeface="+mn-ea"/>
               </a:rPr>
               <a:t> </a:t>
             </a:r>
             <a:r>
-              <a:rPr smtClean="0">
-                <a:sym typeface="+mn-ea"/>
-              </a:rPr>
-              <a:t>"严格模式"</a:t>
-            </a:r>
-            <a:r>
-              <a:rPr lang="en-US" smtClean="0">
+              <a:rPr dirty="0">
+                <a:sym typeface="+mn-ea"/>
+              </a:rPr>
+              <a:t>"</a:t>
+            </a:r>
+            <a:r>
+              <a:rPr dirty="0" err="1">
+                <a:sym typeface="+mn-ea"/>
+              </a:rPr>
+              <a:t>严格模式</a:t>
+            </a:r>
+            <a:r>
+              <a:rPr dirty="0">
+                <a:sym typeface="+mn-ea"/>
+              </a:rPr>
+              <a:t>"</a:t>
+            </a:r>
+            <a:r>
+              <a:rPr lang="en-US" dirty="0">
                 <a:sym typeface="+mn-ea"/>
               </a:rPr>
               <a:t> </a:t>
             </a:r>
             <a:r>
-              <a:rPr smtClean="0">
-                <a:sym typeface="+mn-ea"/>
-              </a:rPr>
-              <a:t>运行。</a:t>
+              <a:rPr dirty="0" err="1">
+                <a:sym typeface="+mn-ea"/>
+              </a:rPr>
+              <a:t>运行</a:t>
+            </a:r>
+            <a:r>
+              <a:rPr dirty="0">
+                <a:sym typeface="+mn-ea"/>
+              </a:rPr>
+              <a:t>。</a:t>
             </a:r>
           </a:p>
         </p:txBody>
@@ -19394,31 +19051,31 @@
           </a:lstStyle>
           <a:p>
             <a:r>
-              <a:rPr smtClean="0">
+              <a:rPr>
                 <a:sym typeface="+mn-ea"/>
               </a:rPr>
               <a:t>严格模式对</a:t>
             </a:r>
             <a:r>
-              <a:rPr lang="en-US" smtClean="0">
+              <a:rPr lang="en-US">
                 <a:sym typeface="+mn-ea"/>
               </a:rPr>
               <a:t> </a:t>
             </a:r>
             <a:r>
-              <a:rPr smtClean="0">
+              <a:rPr>
                 <a:sym typeface="+mn-ea"/>
               </a:rPr>
               <a:t>Javascript</a:t>
             </a:r>
             <a:r>
-              <a:rPr lang="en-US" smtClean="0">
+              <a:rPr lang="en-US">
                 <a:sym typeface="+mn-ea"/>
               </a:rPr>
               <a:t> </a:t>
             </a:r>
             <a:r>
-              <a:rPr smtClean="0">
+              <a:rPr>
                 <a:sym typeface="+mn-ea"/>
               </a:rPr>
               <a:t>的语法和行为，都做了一些改变。</a:t>
@@ -19616,7 +19273,7 @@
           </a:lstStyle>
           <a:p>
             <a:r>
-              <a:rPr lang="en-US" sz="1400" b="1" smtClean="0">
+              <a:rPr lang="en-US" sz="1400" b="1">
                 <a:solidFill>
                   <a:schemeClr val="tx1"/>
                 </a:solidFill>
@@ -19624,7 +19281,7 @@
               <a:t>1. </a:t>
             </a:r>
             <a:r>
-              <a:rPr lang="zh-CN" altLang="en-US" sz="1400" b="1" smtClean="0">
+              <a:rPr lang="zh-CN" altLang="en-US" sz="1400" b="1">
                 <a:solidFill>
                   <a:schemeClr val="tx1"/>
                 </a:solidFill>
@@ -19840,25 +19497,25 @@
               <a:buAutoNum type="circleNumDbPlain"/>
             </a:pPr>
             <a:r>
-              <a:rPr dirty="0" err="1" smtClean="0">
+              <a:rPr dirty="0" err="1">
                 <a:sym typeface="+mn-ea"/>
               </a:rPr>
               <a:t>在正常模式中，如果一个变量没有声明就赋值，默认是全局变量。严格模式禁止这种用法，变量都必须先用var</a:t>
             </a:r>
             <a:r>
-              <a:rPr lang="en-US" dirty="0" smtClean="0">
+              <a:rPr lang="en-US" dirty="0">
                 <a:sym typeface="+mn-ea"/>
               </a:rPr>
               <a:t> </a:t>
             </a:r>
             <a:r>
-              <a:rPr dirty="0" err="1" smtClean="0">
+              <a:rPr dirty="0" err="1">
                 <a:sym typeface="+mn-ea"/>
               </a:rPr>
               <a:t>命令声明，然后再使用</a:t>
             </a:r>
             <a:r>
-              <a:rPr dirty="0" smtClean="0">
+              <a:rPr dirty="0">
                 <a:sym typeface="+mn-ea"/>
               </a:rPr>
               <a:t>。</a:t>
@@ -19873,22 +19530,16 @@
               <a:rPr lang="zh-CN" altLang="en-US" dirty="0">
                 <a:sym typeface="+mn-ea"/>
               </a:rPr>
-              <a:t>严禁删除已经声明变量。</a:t>
-            </a:r>
-            <a:r>
-              <a:rPr lang="zh-CN" altLang="en-US" dirty="0" smtClean="0">
-                <a:sym typeface="+mn-ea"/>
-              </a:rPr>
-              <a:t>例如，</a:t>
-            </a:r>
-            <a:r>
-              <a:rPr lang="en-US" altLang="zh-CN" dirty="0" smtClean="0">
+              <a:t>严禁删除已经声明变量。例如，</a:t>
+            </a:r>
+            <a:r>
+              <a:rPr lang="en-US" altLang="zh-CN" dirty="0">
                 <a:sym typeface="+mn-ea"/>
               </a:rPr>
               <a:t>delete x; </a:t>
             </a:r>
             <a:r>
-              <a:rPr lang="zh-CN" altLang="en-US" dirty="0" smtClean="0">
+              <a:rPr lang="zh-CN" altLang="en-US" dirty="0">
                 <a:sym typeface="+mn-ea"/>
               </a:rPr>
               <a:t>语法是错误的。</a:t>
@@ -20410,7 +20061,7 @@
               <a:buAutoNum type="circleNumDbPlain"/>
             </a:pPr>
             <a:r>
-              <a:rPr lang="zh-CN" altLang="en-US" dirty="0" smtClean="0">
+              <a:rPr lang="zh-CN" altLang="en-US" dirty="0">
                 <a:sym typeface="+mn-ea"/>
               </a:rPr>
               <a:t>以前在全局作用域函数中的 this 指向 window 对象。</a:t>
@@ -20422,7 +20073,7 @@
               <a:buAutoNum type="circleNumDbPlain"/>
             </a:pPr>
             <a:r>
-              <a:rPr lang="zh-CN" altLang="en-US" dirty="0" smtClean="0">
+              <a:rPr lang="zh-CN" altLang="en-US" dirty="0">
                 <a:solidFill>
                   <a:srgbClr val="FF0000"/>
                 </a:solidFill>
@@ -20431,7 +20082,7 @@
               <a:t>严格模式下</a:t>
             </a:r>
             <a:r>
-              <a:rPr dirty="0" err="1" smtClean="0">
+              <a:rPr dirty="0" err="1">
                 <a:solidFill>
                   <a:srgbClr val="FF0000"/>
                 </a:solidFill>
@@ -20440,7 +20091,7 @@
               <a:t>全局作用域中函数中的</a:t>
             </a:r>
             <a:r>
-              <a:rPr lang="en-US" dirty="0" smtClean="0">
+              <a:rPr lang="en-US" dirty="0">
                 <a:solidFill>
                   <a:srgbClr val="FF0000"/>
                 </a:solidFill>
@@ -20449,7 +20100,7 @@
               <a:t> </a:t>
             </a:r>
             <a:r>
-              <a:rPr dirty="0" smtClean="0">
+              <a:rPr dirty="0">
                 <a:solidFill>
                   <a:srgbClr val="FF0000"/>
                 </a:solidFill>
@@ -20467,7 +20118,7 @@
               <a:t> </a:t>
             </a:r>
             <a:r>
-              <a:rPr lang="zh-CN" altLang="en-US" dirty="0" smtClean="0">
+              <a:rPr lang="zh-CN" altLang="en-US" dirty="0">
                 <a:solidFill>
                   <a:srgbClr val="FF0000"/>
                 </a:solidFill>
@@ -20476,7 +20127,7 @@
               <a:t>是 </a:t>
             </a:r>
             <a:r>
-              <a:rPr lang="en-US" altLang="zh-CN" dirty="0" smtClean="0">
+              <a:rPr lang="en-US" altLang="zh-CN" dirty="0">
                 <a:solidFill>
                   <a:srgbClr val="FF0000"/>
                 </a:solidFill>
@@ -20485,7 +20136,7 @@
               <a:t>undefined</a:t>
             </a:r>
             <a:r>
-              <a:rPr lang="zh-CN" altLang="en-US" dirty="0" smtClean="0">
+              <a:rPr lang="zh-CN" altLang="en-US" dirty="0">
                 <a:solidFill>
                   <a:srgbClr val="FF0000"/>
                 </a:solidFill>
@@ -20493,7 +20144,7 @@
               </a:rPr>
               <a:t>。</a:t>
             </a:r>
-            <a:endParaRPr dirty="0" smtClean="0">
+            <a:endParaRPr dirty="0">
               <a:sym typeface="+mn-ea"/>
             </a:endParaRPr>
           </a:p>
@@ -20503,67 +20154,67 @@
               <a:buAutoNum type="circleNumDbPlain"/>
             </a:pPr>
             <a:r>
-              <a:rPr lang="zh-CN" altLang="en-US" dirty="0" smtClean="0">
+              <a:rPr lang="zh-CN" altLang="en-US" dirty="0">
                 <a:sym typeface="+mn-ea"/>
               </a:rPr>
               <a:t>以前</a:t>
             </a:r>
             <a:r>
-              <a:rPr lang="en-US" dirty="0" err="1" smtClean="0">
+              <a:rPr lang="en-US" dirty="0" err="1">
                 <a:sym typeface="+mn-ea"/>
               </a:rPr>
               <a:t>构造函数时</a:t>
             </a:r>
             <a:r>
-              <a:rPr lang="zh-CN" altLang="en-US" dirty="0" smtClean="0">
+              <a:rPr lang="zh-CN" altLang="en-US" dirty="0">
                 <a:sym typeface="+mn-ea"/>
               </a:rPr>
               <a:t>不加 </a:t>
             </a:r>
             <a:r>
-              <a:rPr lang="en-US" dirty="0" smtClean="0">
+              <a:rPr lang="en-US" dirty="0">
                 <a:sym typeface="+mn-ea"/>
               </a:rPr>
               <a:t>new</a:t>
             </a:r>
             <a:r>
-              <a:rPr lang="zh-CN" altLang="en-US" dirty="0" smtClean="0">
+              <a:rPr lang="zh-CN" altLang="en-US" dirty="0">
                 <a:sym typeface="+mn-ea"/>
               </a:rPr>
               <a:t>也可以</a:t>
             </a:r>
             <a:r>
-              <a:rPr lang="en-US" dirty="0" smtClean="0">
+              <a:rPr lang="en-US" dirty="0">
                 <a:sym typeface="+mn-ea"/>
               </a:rPr>
               <a:t> </a:t>
             </a:r>
             <a:r>
-              <a:rPr lang="zh-CN" altLang="en-US" dirty="0" smtClean="0">
+              <a:rPr lang="zh-CN" altLang="en-US" dirty="0">
                 <a:sym typeface="+mn-ea"/>
               </a:rPr>
               <a:t>调用</a:t>
             </a:r>
             <a:r>
-              <a:rPr lang="en-US" altLang="zh-CN" dirty="0" smtClean="0">
+              <a:rPr lang="en-US" altLang="zh-CN" dirty="0">
                 <a:sym typeface="+mn-ea"/>
               </a:rPr>
               <a:t>,</a:t>
             </a:r>
             <a:r>
-              <a:rPr lang="zh-CN" altLang="en-US" dirty="0" smtClean="0">
+              <a:rPr lang="zh-CN" altLang="en-US" dirty="0">
                 <a:sym typeface="+mn-ea"/>
               </a:rPr>
               <a:t>当普通函数</a:t>
             </a:r>
             <a:r>
-              <a:rPr lang="en-US" dirty="0" smtClean="0">
+              <a:rPr lang="en-US" dirty="0">
                 <a:sym typeface="+mn-ea"/>
               </a:rPr>
               <a:t>，this </a:t>
             </a:r>
             <a:r>
-              <a:rPr lang="en-US" dirty="0" err="1" smtClean="0">
+              <a:rPr lang="en-US" dirty="0" err="1">
                 <a:sym typeface="+mn-ea"/>
               </a:rPr>
               <a:t>指向全局对象</a:t>
@@ -20578,37 +20229,37 @@
               <a:buAutoNum type="circleNumDbPlain"/>
             </a:pPr>
             <a:r>
-              <a:rPr lang="zh-CN" altLang="en-US" dirty="0" smtClean="0">
+              <a:rPr lang="zh-CN" altLang="en-US" dirty="0">
                 <a:sym typeface="+mn-ea"/>
               </a:rPr>
               <a:t>严格模式下</a:t>
             </a:r>
             <a:r>
-              <a:rPr lang="en-US" altLang="zh-CN" dirty="0" smtClean="0">
+              <a:rPr lang="en-US" altLang="zh-CN" dirty="0">
                 <a:sym typeface="+mn-ea"/>
               </a:rPr>
               <a:t>,</a:t>
             </a:r>
             <a:r>
-              <a:rPr lang="zh-CN" altLang="en-US" dirty="0" smtClean="0">
+              <a:rPr lang="zh-CN" altLang="en-US" dirty="0">
                 <a:sym typeface="+mn-ea"/>
               </a:rPr>
               <a:t>如果 构造函数不加</a:t>
             </a:r>
             <a:r>
-              <a:rPr lang="en-US" altLang="zh-CN" dirty="0" smtClean="0">
+              <a:rPr lang="en-US" altLang="zh-CN" dirty="0">
                 <a:sym typeface="+mn-ea"/>
               </a:rPr>
               <a:t>new</a:t>
             </a:r>
             <a:r>
-              <a:rPr lang="zh-CN" altLang="en-US" dirty="0" smtClean="0">
+              <a:rPr lang="zh-CN" altLang="en-US" dirty="0">
                 <a:sym typeface="+mn-ea"/>
               </a:rPr>
               <a:t>调用</a:t>
             </a:r>
             <a:r>
-              <a:rPr lang="en-US" altLang="zh-CN" dirty="0" smtClean="0">
+              <a:rPr lang="en-US" altLang="zh-CN" dirty="0">
                 <a:sym typeface="+mn-ea"/>
               </a:rPr>
               <a:t>, </a:t>
@@ -20627,13 +20278,9 @@
             </a:r>
             <a:r>
               <a:rPr lang="zh-CN" altLang="en-US" dirty="0"/>
-              <a:t>如果给他赋值则 会报</a:t>
-            </a:r>
-            <a:r>
-              <a:rPr lang="zh-CN" altLang="en-US" dirty="0" smtClean="0"/>
-              <a:t>错</a:t>
-            </a:r>
-            <a:endParaRPr lang="en-US" dirty="0" smtClean="0">
+              <a:t>如果给他赋值则 会报错</a:t>
+            </a:r>
+            <a:endParaRPr lang="en-US" dirty="0">
               <a:sym typeface="+mn-ea"/>
             </a:endParaRPr>
           </a:p>
@@ -20643,13 +20290,13 @@
               <a:buAutoNum type="circleNumDbPlain"/>
             </a:pPr>
             <a:r>
-              <a:rPr lang="en-US" altLang="zh-CN" dirty="0" smtClean="0">
+              <a:rPr lang="en-US" altLang="zh-CN" dirty="0">
                 <a:sym typeface="+mn-ea"/>
               </a:rPr>
               <a:t>new </a:t>
             </a:r>
             <a:r>
-              <a:rPr lang="zh-CN" altLang="en-US" dirty="0" smtClean="0">
+              <a:rPr lang="zh-CN" altLang="en-US" dirty="0">
                 <a:sym typeface="+mn-ea"/>
               </a:rPr>
               <a:t>实例化的构造函数指向创建的对象实例。</a:t>
@@ -20661,36 +20308,36 @@
               <a:buAutoNum type="circleNumDbPlain"/>
             </a:pPr>
             <a:r>
-              <a:rPr lang="zh-CN" altLang="en-US" dirty="0" smtClean="0">
+              <a:rPr lang="zh-CN" altLang="en-US" dirty="0">
                 <a:sym typeface="+mn-ea"/>
               </a:rPr>
               <a:t>定时器 </a:t>
             </a:r>
             <a:r>
-              <a:rPr lang="en-US" altLang="zh-CN" dirty="0" smtClean="0">
+              <a:rPr lang="en-US" altLang="zh-CN" dirty="0">
                 <a:sym typeface="+mn-ea"/>
               </a:rPr>
               <a:t>this </a:t>
             </a:r>
             <a:r>
-              <a:rPr lang="zh-CN" altLang="en-US" dirty="0" smtClean="0">
+              <a:rPr lang="zh-CN" altLang="en-US" dirty="0">
                 <a:sym typeface="+mn-ea"/>
               </a:rPr>
               <a:t>还是指向 </a:t>
             </a:r>
             <a:r>
-              <a:rPr lang="en-US" altLang="zh-CN" dirty="0" smtClean="0">
+              <a:rPr lang="en-US" altLang="zh-CN" dirty="0">
                 <a:sym typeface="+mn-ea"/>
               </a:rPr>
               <a:t>window </a:t>
             </a:r>
             <a:r>
-              <a:rPr lang="zh-CN" altLang="en-US" dirty="0" smtClean="0">
+              <a:rPr lang="zh-CN" altLang="en-US" dirty="0">
                 <a:sym typeface="+mn-ea"/>
               </a:rPr>
               <a:t>。</a:t>
             </a:r>
-            <a:endParaRPr lang="en-US" altLang="zh-CN" dirty="0" smtClean="0">
+            <a:endParaRPr lang="en-US" altLang="zh-CN" dirty="0">
               <a:sym typeface="+mn-ea"/>
             </a:endParaRPr>
           </a:p>
@@ -20700,7 +20347,7 @@
               <a:buAutoNum type="circleNumDbPlain"/>
             </a:pPr>
             <a:r>
-              <a:rPr lang="zh-CN" altLang="en-US" dirty="0" smtClean="0">
+              <a:rPr lang="zh-CN" altLang="en-US" dirty="0">
                 <a:sym typeface="+mn-ea"/>
               </a:rPr>
               <a:t>事件、对象还是指向调用者。</a:t>
@@ -20898,31 +20545,31 @@
           </a:lstStyle>
           <a:p>
             <a:r>
-              <a:rPr smtClean="0">
+              <a:rPr>
                 <a:sym typeface="+mn-ea"/>
               </a:rPr>
               <a:t>严格模式对</a:t>
             </a:r>
             <a:r>
-              <a:rPr lang="en-US" smtClean="0">
+              <a:rPr lang="en-US">
                 <a:sym typeface="+mn-ea"/>
               </a:rPr>
               <a:t> </a:t>
             </a:r>
             <a:r>
-              <a:rPr smtClean="0">
+              <a:rPr>
                 <a:sym typeface="+mn-ea"/>
               </a:rPr>
               <a:t>Javascript</a:t>
             </a:r>
             <a:r>
-              <a:rPr lang="en-US" smtClean="0">
+              <a:rPr lang="en-US">
                 <a:sym typeface="+mn-ea"/>
               </a:rPr>
               <a:t> </a:t>
             </a:r>
             <a:r>
-              <a:rPr smtClean="0">
+              <a:rPr>
                 <a:sym typeface="+mn-ea"/>
               </a:rPr>
               <a:t>的语法和行为，都做了一些改变。</a:t>
@@ -21149,21 +20796,8 @@
                   <a:schemeClr val="tx1"/>
                 </a:solidFill>
               </a:rPr>
-              <a:t>指向</a:t>
-            </a:r>
-            <a:r>
-              <a:rPr lang="zh-CN" altLang="en-US" sz="1400" b="1" smtClean="0">
-                <a:solidFill>
-                  <a:schemeClr val="tx1"/>
-                </a:solidFill>
-              </a:rPr>
-              <a:t>问题</a:t>
-            </a:r>
-            <a:endParaRPr lang="zh-CN" altLang="en-US" sz="1400" b="1">
-              <a:solidFill>
-                <a:schemeClr val="tx1"/>
-              </a:solidFill>
-            </a:endParaRPr>
+              <a:t>指向问题</a:t>
+            </a:r>
           </a:p>
         </p:txBody>
       </p:sp>
@@ -21829,13 +21463,13 @@
               <a:buAutoNum type="circleNumDbPlain"/>
             </a:pPr>
             <a:r>
-              <a:rPr dirty="0" err="1" smtClean="0">
+              <a:rPr dirty="0" err="1">
                 <a:sym typeface="+mn-ea"/>
               </a:rPr>
               <a:t>函数不能有重名的</a:t>
             </a:r>
             <a:r>
-              <a:rPr dirty="0" err="1" smtClean="0">
+              <a:rPr dirty="0" err="1">
                 <a:solidFill>
                   <a:srgbClr val="FF0000"/>
                 </a:solidFill>
@@ -21844,7 +21478,7 @@
               <a:t>参数</a:t>
             </a:r>
             <a:r>
-              <a:rPr lang="zh-CN" altLang="en-US" dirty="0" smtClean="0">
+              <a:rPr lang="zh-CN" altLang="en-US" dirty="0">
                 <a:solidFill>
                   <a:srgbClr val="FF0000"/>
                 </a:solidFill>
@@ -21852,7 +21486,7 @@
               </a:rPr>
               <a:t>。</a:t>
             </a:r>
-            <a:endParaRPr dirty="0" smtClean="0">
+            <a:endParaRPr dirty="0">
               <a:solidFill>
                 <a:srgbClr val="FF0000"/>
               </a:solidFill>
@@ -21865,7 +21499,7 @@
               <a:buAutoNum type="circleNumDbPlain"/>
             </a:pPr>
             <a:r>
-              <a:rPr lang="en-US" dirty="0" err="1" smtClean="0">
+              <a:rPr lang="en-US" dirty="0" err="1">
                 <a:solidFill>
                   <a:schemeClr val="tx1"/>
                 </a:solidFill>
@@ -21874,7 +21508,7 @@
               <a:t>函数必须声明在顶层</a:t>
             </a:r>
             <a:r>
-              <a:rPr lang="en-US" altLang="zh-CN" dirty="0" smtClean="0">
+              <a:rPr lang="en-US" altLang="zh-CN" dirty="0">
                 <a:solidFill>
                   <a:schemeClr val="tx1"/>
                 </a:solidFill>
@@ -21883,7 +21517,7 @@
               <a:t>.</a:t>
             </a:r>
             <a:r>
-              <a:rPr lang="zh-CN" altLang="en-US" dirty="0" smtClean="0">
+              <a:rPr lang="zh-CN" altLang="en-US" dirty="0">
                 <a:solidFill>
                   <a:schemeClr val="tx1"/>
                 </a:solidFill>
@@ -21892,7 +21526,7 @@
               <a:t>新版本的 </a:t>
             </a:r>
             <a:r>
-              <a:rPr lang="en-US" altLang="zh-CN" dirty="0" smtClean="0">
+              <a:rPr lang="en-US" altLang="zh-CN" dirty="0">
                 <a:solidFill>
                   <a:schemeClr val="tx1"/>
                 </a:solidFill>
@@ -21901,7 +21535,7 @@
               <a:t>JavaScript </a:t>
             </a:r>
             <a:r>
-              <a:rPr lang="zh-CN" altLang="en-US" dirty="0" smtClean="0">
+              <a:rPr lang="zh-CN" altLang="en-US" dirty="0">
                 <a:solidFill>
                   <a:schemeClr val="tx1"/>
                 </a:solidFill>
@@ -21919,34 +21553,16 @@
               <a:t> ES6 </a:t>
             </a:r>
             <a:r>
-              <a:rPr lang="zh-CN" altLang="en-US" dirty="0" smtClean="0">
-                <a:solidFill>
-                  <a:schemeClr val="tx1"/>
-                </a:solidFill>
-                <a:sym typeface="+mn-ea"/>
-              </a:rPr>
-              <a:t>中已引入</a:t>
-            </a:r>
-            <a:r>
               <a:rPr lang="zh-CN" altLang="en-US" dirty="0">
                 <a:solidFill>
                   <a:schemeClr val="tx1"/>
                 </a:solidFill>
                 <a:sym typeface="+mn-ea"/>
               </a:rPr>
-              <a:t>）。为了与新版本</a:t>
-            </a:r>
-            <a:r>
-              <a:rPr lang="zh-CN" altLang="en-US" dirty="0" smtClean="0">
-                <a:solidFill>
-                  <a:schemeClr val="tx1"/>
-                </a:solidFill>
-                <a:sym typeface="+mn-ea"/>
-              </a:rPr>
-              <a:t>接轨，不允许在非函数的代码块内声明函数。</a:t>
-            </a:r>
-            <a:r>
-              <a:rPr lang="zh-CN" dirty="0" smtClean="0">
+              <a:t>中已引入）。为了与新版本接轨，不允许在非函数的代码块内声明函数。</a:t>
+            </a:r>
+            <a:r>
+              <a:rPr lang="zh-CN" dirty="0">
                 <a:sym typeface="+mn-ea"/>
               </a:rPr>
               <a:t> </a:t>
@@ -22144,31 +21760,31 @@
           </a:lstStyle>
           <a:p>
             <a:r>
-              <a:rPr smtClean="0">
+              <a:rPr>
                 <a:sym typeface="+mn-ea"/>
               </a:rPr>
               <a:t>严格模式对</a:t>
             </a:r>
             <a:r>
-              <a:rPr lang="en-US" smtClean="0">
+              <a:rPr lang="en-US">
                 <a:sym typeface="+mn-ea"/>
               </a:rPr>
               <a:t> </a:t>
             </a:r>
             <a:r>
-              <a:rPr smtClean="0">
+              <a:rPr>
                 <a:sym typeface="+mn-ea"/>
               </a:rPr>
               <a:t>Javascript</a:t>
             </a:r>
             <a:r>
-              <a:rPr lang="en-US" smtClean="0">
+              <a:rPr lang="en-US">
                 <a:sym typeface="+mn-ea"/>
               </a:rPr>
               <a:t> </a:t>
             </a:r>
             <a:r>
-              <a:rPr smtClean="0">
+              <a:rPr>
                 <a:sym typeface="+mn-ea"/>
               </a:rPr>
               <a:t>的语法和行为，都做了一些改变。</a:t>
@@ -22606,7 +22222,7 @@
           </a:lstStyle>
           <a:p>
             <a:r>
-              <a:rPr lang="zh-CN" dirty="0" smtClean="0">
+              <a:rPr lang="zh-CN" dirty="0">
                 <a:solidFill>
                   <a:srgbClr val="FF0000"/>
                 </a:solidFill>
@@ -22621,16 +22237,7 @@
                 </a:solidFill>
                 <a:sym typeface="+mn-ea"/>
               </a:rPr>
-              <a:t>https://developer.mozilla.org/zh-CN/docs/Web/JavaScript/Reference/Strict_</a:t>
-            </a:r>
-            <a:r>
-              <a:rPr lang="zh-CN" altLang="en-US" dirty="0" smtClean="0">
-                <a:solidFill>
-                  <a:srgbClr val="FF0000"/>
-                </a:solidFill>
-                <a:sym typeface="+mn-ea"/>
-              </a:rPr>
-              <a:t>mode</a:t>
+              <a:t>https://developer.mozilla.org/zh-CN/docs/Web/JavaScript/Reference/Strict_mode</a:t>
             </a:r>
             <a:endParaRPr lang="zh-CN" altLang="en-US" dirty="0">
               <a:solidFill>
@@ -22866,7 +22473,7 @@
           <a:lstStyle/>
           <a:p>
             <a:r>
-              <a:rPr noProof="0" smtClean="0">
+              <a:rPr noProof="0">
                 <a:solidFill>
                   <a:srgbClr val="FF0000"/>
                 </a:solidFill>
@@ -22874,7 +22481,7 @@
               </a:rPr>
               <a:t>函数的定义和调用</a:t>
             </a:r>
-            <a:endParaRPr noProof="0" smtClean="0">
+            <a:endParaRPr noProof="0">
               <a:solidFill>
                 <a:schemeClr val="tx1"/>
               </a:solidFill>
@@ -22883,7 +22490,7 @@
           </a:p>
           <a:p>
             <a:r>
-              <a:rPr noProof="0" smtClean="0">
+              <a:rPr noProof="0">
                 <a:solidFill>
                   <a:schemeClr val="tx1"/>
                 </a:solidFill>
@@ -22894,7 +22501,7 @@
           </a:p>
           <a:p>
             <a:r>
-              <a:rPr noProof="0" smtClean="0">
+              <a:rPr noProof="0">
                 <a:solidFill>
                   <a:schemeClr val="tx1"/>
                 </a:solidFill>
@@ -22905,7 +22512,7 @@
           </a:p>
           <a:p>
             <a:r>
-              <a:rPr noProof="0" smtClean="0">
+              <a:rPr noProof="0">
                 <a:solidFill>
                   <a:schemeClr val="tx1"/>
                 </a:solidFill>
@@ -22916,7 +22523,7 @@
           </a:p>
           <a:p>
             <a:r>
-              <a:rPr noProof="0" smtClean="0">
+              <a:rPr noProof="0">
                 <a:solidFill>
                   <a:schemeClr val="tx1"/>
                 </a:solidFill>
@@ -22927,7 +22534,7 @@
           </a:p>
           <a:p>
             <a:r>
-              <a:rPr noProof="0" smtClean="0">
+              <a:rPr noProof="0">
                 <a:solidFill>
                   <a:schemeClr val="tx1"/>
                 </a:solidFill>
@@ -22943,13 +22550,6 @@
   <p:clrMapOvr>
     <a:masterClrMapping/>
   </p:clrMapOvr>
-  <p:timing>
-    <p:tnLst>
-      <p:par>
-        <p:cTn id="1" dur="indefinite" restart="never" nodeType="tmRoot"/>
-      </p:par>
-    </p:tnLst>
-  </p:timing>
 </p:sld>
 </file>
 
@@ -22993,7 +22593,7 @@
           <a:lstStyle/>
           <a:p>
             <a:r>
-              <a:rPr noProof="0" smtClean="0">
+              <a:rPr noProof="0">
                 <a:solidFill>
                   <a:schemeClr val="tx1"/>
                 </a:solidFill>
@@ -23004,7 +22604,7 @@
           </a:p>
           <a:p>
             <a:r>
-              <a:rPr noProof="0" smtClean="0">
+              <a:rPr noProof="0">
                 <a:solidFill>
                   <a:schemeClr val="tx1"/>
                 </a:solidFill>
@@ -23015,7 +22615,7 @@
           </a:p>
           <a:p>
             <a:r>
-              <a:rPr noProof="0" smtClean="0">
+              <a:rPr noProof="0">
                 <a:solidFill>
                   <a:schemeClr val="tx1"/>
                 </a:solidFill>
@@ -23026,7 +22626,7 @@
           </a:p>
           <a:p>
             <a:r>
-              <a:rPr noProof="0" smtClean="0">
+              <a:rPr noProof="0">
                 <a:solidFill>
                   <a:srgbClr val="FF0000"/>
                 </a:solidFill>
@@ -23034,7 +22634,7 @@
               </a:rPr>
               <a:t>高阶函数</a:t>
             </a:r>
-            <a:endParaRPr noProof="0" smtClean="0">
+            <a:endParaRPr noProof="0">
               <a:solidFill>
                 <a:schemeClr val="tx1"/>
               </a:solidFill>
@@ -23043,7 +22643,7 @@
           </a:p>
           <a:p>
             <a:r>
-              <a:rPr noProof="0" smtClean="0">
+              <a:rPr noProof="0">
                 <a:solidFill>
                   <a:schemeClr val="tx1"/>
                 </a:solidFill>
@@ -23054,7 +22654,7 @@
           </a:p>
           <a:p>
             <a:r>
-              <a:rPr noProof="0" smtClean="0">
+              <a:rPr noProof="0">
                 <a:solidFill>
                   <a:schemeClr val="tx1"/>
                 </a:solidFill>
@@ -23070,13 +22670,6 @@
   <p:clrMapOvr>
     <a:masterClrMapping/>
   </p:clrMapOvr>
-  <p:timing>
-    <p:tnLst>
-      <p:par>
-        <p:cTn id="1" dur="indefinite" restart="never" nodeType="tmRoot"/>
-      </p:par>
-    </p:tnLst>
-  </p:timing>
 </p:sld>
 </file>
 
@@ -23338,13 +22931,7 @@
               <a:rPr lang="zh-CN" altLang="en-US">
                 <a:sym typeface="+mn-ea"/>
               </a:rPr>
-              <a:t>是对其他函数进行操作的函数</a:t>
-            </a:r>
-            <a:r>
-              <a:rPr lang="zh-CN" altLang="en-US" smtClean="0">
-                <a:sym typeface="+mn-ea"/>
-              </a:rPr>
-              <a:t>，它</a:t>
+              <a:t>是对其他函数进行操作的函数，它</a:t>
             </a:r>
             <a:r>
               <a:rPr lang="zh-CN" altLang="en-US">
@@ -23368,24 +22955,15 @@
                 </a:solidFill>
                 <a:sym typeface="+mn-ea"/>
               </a:rPr>
-              <a:t>将函数</a:t>
-            </a:r>
-            <a:r>
-              <a:rPr lang="zh-CN" altLang="en-US" smtClean="0">
-                <a:solidFill>
-                  <a:srgbClr val="FF0000"/>
-                </a:solidFill>
-                <a:sym typeface="+mn-ea"/>
-              </a:rPr>
-              <a:t>作为返回值输出</a:t>
-            </a:r>
-            <a:r>
-              <a:rPr lang="zh-CN" altLang="en-US" smtClean="0">
+              <a:t>将函数作为返回值输出</a:t>
+            </a:r>
+            <a:r>
+              <a:rPr lang="zh-CN" altLang="en-US">
                 <a:sym typeface="+mn-ea"/>
               </a:rPr>
               <a:t>。</a:t>
             </a:r>
-            <a:endParaRPr lang="en-US" smtClean="0">
+            <a:endParaRPr lang="en-US">
               <a:sym typeface="+mn-ea"/>
             </a:endParaRPr>
           </a:p>
@@ -23581,44 +23159,36 @@
           </a:lstStyle>
           <a:p>
             <a:r>
-              <a:rPr lang="zh-CN" altLang="en-US" dirty="0" smtClean="0"/>
+              <a:rPr lang="zh-CN" altLang="en-US" dirty="0"/>
               <a:t>此时</a:t>
             </a:r>
             <a:r>
-              <a:rPr lang="en-US" altLang="zh-CN" dirty="0" err="1" smtClean="0"/>
+              <a:rPr lang="en-US" altLang="zh-CN" dirty="0" err="1"/>
               <a:t>fn</a:t>
             </a:r>
             <a:r>
-              <a:rPr lang="en-US" altLang="zh-CN" dirty="0" smtClean="0"/>
+              <a:rPr lang="en-US" altLang="zh-CN" dirty="0"/>
               <a:t> </a:t>
             </a:r>
             <a:r>
-              <a:rPr lang="zh-CN" altLang="en-US" dirty="0" smtClean="0"/>
+              <a:rPr lang="zh-CN" altLang="en-US" dirty="0"/>
               <a:t>就是一个高阶函数</a:t>
             </a:r>
-            <a:endParaRPr lang="en-US" altLang="zh-CN" dirty="0" smtClean="0"/>
-          </a:p>
-          <a:p>
-            <a:r>
-              <a:rPr lang="zh-CN" altLang="en-US" dirty="0" smtClean="0"/>
-              <a:t>函数</a:t>
-            </a:r>
+            <a:endParaRPr lang="en-US" altLang="zh-CN" dirty="0"/>
+          </a:p>
+          <a:p>
             <a:r>
               <a:rPr lang="zh-CN" altLang="en-US" dirty="0"/>
-              <a:t>也是一种数据类型，同样可以作为参数，传递给另外一个参数使用。 最典型的就是作为回调函数</a:t>
-            </a:r>
-            <a:r>
-              <a:rPr lang="zh-CN" altLang="en-US" dirty="0" smtClean="0"/>
-              <a:t>。</a:t>
-            </a:r>
-            <a:endParaRPr lang="en-US" altLang="zh-CN" dirty="0" smtClean="0"/>
-          </a:p>
-          <a:p>
-            <a:r>
-              <a:rPr lang="zh-CN" altLang="en-US" dirty="0" smtClean="0"/>
+              <a:t>函数也是一种数据类型，同样可以作为参数，传递给另外一个参数使用。 最典型的就是作为回调函数。</a:t>
+            </a:r>
+            <a:endParaRPr lang="en-US" altLang="zh-CN" dirty="0"/>
+          </a:p>
+          <a:p>
+            <a:r>
+              <a:rPr lang="zh-CN" altLang="en-US" dirty="0"/>
               <a:t>同理函数也可以作为返回值传递回来</a:t>
             </a:r>
-            <a:endParaRPr lang="en-US" altLang="zh-CN" dirty="0" smtClean="0"/>
+            <a:endParaRPr lang="en-US" altLang="zh-CN" dirty="0"/>
           </a:p>
           <a:p>
             <a:endParaRPr lang="zh-CN" altLang="en-US" dirty="0"/>
@@ -23687,29 +23257,8 @@
                 <a:cs typeface="Courier New" panose="02070309020205020404" pitchFamily="49" charset="0"/>
                 <a:sym typeface="+mn-ea"/>
               </a:rPr>
-              <a:t>&lt;script</a:t>
-            </a:r>
-            <a:r>
-              <a:rPr sz="1050" noProof="1" smtClean="0">
-                <a:solidFill>
-                  <a:prstClr val="black"/>
-                </a:solidFill>
-                <a:latin typeface="Courier New" panose="02070309020205020404" pitchFamily="49" charset="0"/>
-                <a:ea typeface="微软雅黑" panose="020B0503020204020204" pitchFamily="34" charset="-122"/>
-                <a:cs typeface="Courier New" panose="02070309020205020404" pitchFamily="49" charset="0"/>
-                <a:sym typeface="+mn-ea"/>
-              </a:rPr>
-              <a:t>&gt;</a:t>
-            </a:r>
-            <a:endParaRPr sz="1050" noProof="1">
-              <a:solidFill>
-                <a:prstClr val="black"/>
-              </a:solidFill>
-              <a:latin typeface="Courier New" panose="02070309020205020404" pitchFamily="49" charset="0"/>
-              <a:ea typeface="微软雅黑" panose="020B0503020204020204" pitchFamily="34" charset="-122"/>
-              <a:cs typeface="Courier New" panose="02070309020205020404" pitchFamily="49" charset="0"/>
-              <a:sym typeface="+mn-ea"/>
-            </a:endParaRPr>
+              <a:t>&lt;script&gt;</a:t>
+            </a:r>
           </a:p>
           <a:p>
             <a:pPr marL="109855" defTabSz="914400" eaLnBrk="0" fontAlgn="base" hangingPunct="0">
@@ -23724,7 +23273,7 @@
               </a:spcAft>
             </a:pPr>
             <a:r>
-              <a:rPr lang="en-US" sz="1050" noProof="1" smtClean="0">
+              <a:rPr lang="en-US" sz="1050" noProof="1">
                 <a:solidFill>
                   <a:prstClr val="black"/>
                 </a:solidFill>
@@ -23749,7 +23298,7 @@
               </a:spcAft>
             </a:pPr>
             <a:r>
-              <a:rPr lang="en-US" sz="1050" noProof="1" smtClean="0">
+              <a:rPr lang="en-US" sz="1050" noProof="1">
                 <a:solidFill>
                   <a:prstClr val="black"/>
                 </a:solidFill>
@@ -23760,15 +23309,6 @@
               </a:rPr>
               <a:t>  callback&amp;&amp;callback();</a:t>
             </a:r>
-            <a:endParaRPr lang="en-US" sz="1050" noProof="1">
-              <a:solidFill>
-                <a:prstClr val="black"/>
-              </a:solidFill>
-              <a:latin typeface="Courier New" panose="02070309020205020404" pitchFamily="49" charset="0"/>
-              <a:ea typeface="微软雅黑" panose="020B0503020204020204" pitchFamily="34" charset="-122"/>
-              <a:cs typeface="Courier New" panose="02070309020205020404" pitchFamily="49" charset="0"/>
-              <a:sym typeface="+mn-ea"/>
-            </a:endParaRPr>
           </a:p>
           <a:p>
             <a:pPr marL="109855" defTabSz="914400" eaLnBrk="0" fontAlgn="base" hangingPunct="0">
@@ -23783,7 +23323,7 @@
               </a:spcAft>
             </a:pPr>
             <a:r>
-              <a:rPr lang="en-US" sz="1050" noProof="1" smtClean="0">
+              <a:rPr lang="en-US" sz="1050" noProof="1">
                 <a:solidFill>
                   <a:prstClr val="black"/>
                 </a:solidFill>
@@ -23794,15 +23334,6 @@
               </a:rPr>
               <a:t>}</a:t>
             </a:r>
-            <a:endParaRPr lang="en-US" sz="1050" noProof="1">
-              <a:solidFill>
-                <a:prstClr val="black"/>
-              </a:solidFill>
-              <a:latin typeface="Courier New" panose="02070309020205020404" pitchFamily="49" charset="0"/>
-              <a:ea typeface="微软雅黑" panose="020B0503020204020204" pitchFamily="34" charset="-122"/>
-              <a:cs typeface="Courier New" panose="02070309020205020404" pitchFamily="49" charset="0"/>
-              <a:sym typeface="+mn-ea"/>
-            </a:endParaRPr>
           </a:p>
           <a:p>
             <a:pPr marL="109855" defTabSz="914400" eaLnBrk="0" fontAlgn="base" hangingPunct="0">
@@ -23817,7 +23348,7 @@
               </a:spcAft>
             </a:pPr>
             <a:r>
-              <a:rPr lang="en-US" sz="1050" noProof="1" smtClean="0">
+              <a:rPr lang="en-US" sz="1050" noProof="1">
                 <a:solidFill>
                   <a:prstClr val="black"/>
                 </a:solidFill>
@@ -23826,31 +23357,7 @@
                 <a:cs typeface="Courier New" panose="02070309020205020404" pitchFamily="49" charset="0"/>
                 <a:sym typeface="+mn-ea"/>
               </a:rPr>
-              <a:t>fn(function</a:t>
-            </a:r>
-            <a:r>
-              <a:rPr lang="en-US" sz="1050" noProof="1">
-                <a:solidFill>
-                  <a:prstClr val="black"/>
-                </a:solidFill>
-                <a:latin typeface="Courier New" panose="02070309020205020404" pitchFamily="49" charset="0"/>
-                <a:ea typeface="微软雅黑" panose="020B0503020204020204" pitchFamily="34" charset="-122"/>
-                <a:cs typeface="Courier New" panose="02070309020205020404" pitchFamily="49" charset="0"/>
-                <a:sym typeface="+mn-ea"/>
-              </a:rPr>
-              <a:t>(){alert('hi</a:t>
-            </a:r>
-            <a:r>
-              <a:rPr lang="en-US" sz="1050" noProof="1" smtClean="0">
-                <a:solidFill>
-                  <a:prstClr val="black"/>
-                </a:solidFill>
-                <a:latin typeface="Courier New" panose="02070309020205020404" pitchFamily="49" charset="0"/>
-                <a:ea typeface="微软雅黑" panose="020B0503020204020204" pitchFamily="34" charset="-122"/>
-                <a:cs typeface="Courier New" panose="02070309020205020404" pitchFamily="49" charset="0"/>
-                <a:sym typeface="+mn-ea"/>
-              </a:rPr>
-              <a:t>')}</a:t>
+              <a:t>fn(function(){alert('hi')}</a:t>
             </a:r>
             <a:endParaRPr sz="1050" noProof="1">
               <a:solidFill>
@@ -23951,29 +23458,8 @@
                 <a:cs typeface="Courier New" panose="02070309020205020404" pitchFamily="49" charset="0"/>
                 <a:sym typeface="+mn-ea"/>
               </a:rPr>
-              <a:t>&lt;script</a:t>
-            </a:r>
-            <a:r>
-              <a:rPr sz="1050" noProof="1" smtClean="0">
-                <a:solidFill>
-                  <a:prstClr val="black"/>
-                </a:solidFill>
-                <a:latin typeface="Courier New" panose="02070309020205020404" pitchFamily="49" charset="0"/>
-                <a:ea typeface="微软雅黑" panose="020B0503020204020204" pitchFamily="34" charset="-122"/>
-                <a:cs typeface="Courier New" panose="02070309020205020404" pitchFamily="49" charset="0"/>
-                <a:sym typeface="+mn-ea"/>
-              </a:rPr>
-              <a:t>&gt;</a:t>
-            </a:r>
-            <a:endParaRPr sz="1050" noProof="1">
-              <a:solidFill>
-                <a:prstClr val="black"/>
-              </a:solidFill>
-              <a:latin typeface="Courier New" panose="02070309020205020404" pitchFamily="49" charset="0"/>
-              <a:ea typeface="微软雅黑" panose="020B0503020204020204" pitchFamily="34" charset="-122"/>
-              <a:cs typeface="Courier New" panose="02070309020205020404" pitchFamily="49" charset="0"/>
-              <a:sym typeface="+mn-ea"/>
-            </a:endParaRPr>
+              <a:t>&lt;script&gt;</a:t>
+            </a:r>
           </a:p>
           <a:p>
             <a:pPr marL="109855" defTabSz="914400" eaLnBrk="0" fontAlgn="base" hangingPunct="0">
@@ -23988,7 +23474,7 @@
               </a:spcAft>
             </a:pPr>
             <a:r>
-              <a:rPr lang="en-US" sz="1050" noProof="1" smtClean="0">
+              <a:rPr lang="en-US" sz="1050" noProof="1">
                 <a:solidFill>
                   <a:prstClr val="black"/>
                 </a:solidFill>
@@ -24022,19 +23508,7 @@
                 <a:cs typeface="Courier New" panose="02070309020205020404" pitchFamily="49" charset="0"/>
                 <a:sym typeface="+mn-ea"/>
               </a:rPr>
-              <a:t> </a:t>
-            </a:r>
-            <a:r>
-              <a:rPr lang="en-US" sz="1050" noProof="1" smtClean="0">
-                <a:solidFill>
-                  <a:prstClr val="black"/>
-                </a:solidFill>
-                <a:latin typeface="Courier New" panose="02070309020205020404" pitchFamily="49" charset="0"/>
-                <a:ea typeface="微软雅黑" panose="020B0503020204020204" pitchFamily="34" charset="-122"/>
-                <a:cs typeface="Courier New" panose="02070309020205020404" pitchFamily="49" charset="0"/>
-                <a:sym typeface="+mn-ea"/>
-              </a:rPr>
-              <a:t>   return function() {}</a:t>
+              <a:t>    return function() {}</a:t>
             </a:r>
           </a:p>
           <a:p>
@@ -24050,7 +23524,7 @@
               </a:spcAft>
             </a:pPr>
             <a:r>
-              <a:rPr lang="en-US" sz="1050" noProof="1" smtClean="0">
+              <a:rPr lang="en-US" sz="1050" noProof="1">
                 <a:solidFill>
                   <a:prstClr val="black"/>
                 </a:solidFill>
@@ -24061,15 +23535,6 @@
               </a:rPr>
               <a:t>}</a:t>
             </a:r>
-            <a:endParaRPr lang="en-US" sz="1050" noProof="1">
-              <a:solidFill>
-                <a:prstClr val="black"/>
-              </a:solidFill>
-              <a:latin typeface="Courier New" panose="02070309020205020404" pitchFamily="49" charset="0"/>
-              <a:ea typeface="微软雅黑" panose="020B0503020204020204" pitchFamily="34" charset="-122"/>
-              <a:cs typeface="Courier New" panose="02070309020205020404" pitchFamily="49" charset="0"/>
-              <a:sym typeface="+mn-ea"/>
-            </a:endParaRPr>
           </a:p>
           <a:p>
             <a:pPr marL="109855" defTabSz="914400" eaLnBrk="0" fontAlgn="base" hangingPunct="0">
@@ -24093,19 +23558,7 @@
                 <a:cs typeface="Courier New" panose="02070309020205020404" pitchFamily="49" charset="0"/>
                 <a:sym typeface="+mn-ea"/>
               </a:rPr>
-              <a:t> </a:t>
-            </a:r>
-            <a:r>
-              <a:rPr lang="en-US" sz="1050" noProof="1" smtClean="0">
-                <a:solidFill>
-                  <a:prstClr val="black"/>
-                </a:solidFill>
-                <a:latin typeface="Courier New" panose="02070309020205020404" pitchFamily="49" charset="0"/>
-                <a:ea typeface="微软雅黑" panose="020B0503020204020204" pitchFamily="34" charset="-122"/>
-                <a:cs typeface="Courier New" panose="02070309020205020404" pitchFamily="49" charset="0"/>
-                <a:sym typeface="+mn-ea"/>
-              </a:rPr>
-              <a:t>fn();</a:t>
+              <a:t> fn();</a:t>
             </a:r>
             <a:endParaRPr sz="1050" noProof="1">
               <a:solidFill>
@@ -24691,7 +24144,7 @@
           </a:p>
           <a:p>
             <a:r>
-              <a:rPr lang="en-US" altLang="zh-CN" smtClean="0">
+              <a:rPr lang="en-US" altLang="zh-CN">
                 <a:solidFill>
                   <a:schemeClr val="tx1"/>
                 </a:solidFill>
@@ -24702,7 +24155,7 @@
           </a:p>
           <a:p>
             <a:r>
-              <a:rPr lang="zh-CN" altLang="en-US" smtClean="0">
+              <a:rPr lang="zh-CN" altLang="en-US">
                 <a:solidFill>
                   <a:schemeClr val="tx1"/>
                 </a:solidFill>
@@ -24713,7 +24166,7 @@
           </a:p>
           <a:p>
             <a:r>
-              <a:rPr lang="zh-CN" altLang="en-US" smtClean="0">
+              <a:rPr lang="zh-CN" altLang="en-US">
                 <a:solidFill>
                   <a:schemeClr val="tx1"/>
                 </a:solidFill>
@@ -24724,7 +24177,7 @@
           </a:p>
           <a:p>
             <a:r>
-              <a:rPr lang="zh-CN" altLang="en-US" smtClean="0">
+              <a:rPr lang="zh-CN" altLang="en-US">
                 <a:solidFill>
                   <a:srgbClr val="FF0000"/>
                 </a:solidFill>
@@ -24735,7 +24188,7 @@
           </a:p>
           <a:p>
             <a:r>
-              <a:rPr lang="zh-CN" altLang="en-US" smtClean="0">
+              <a:rPr lang="zh-CN" altLang="en-US">
                 <a:solidFill>
                   <a:schemeClr val="tx1"/>
                 </a:solidFill>
@@ -24751,13 +24204,6 @@
   <p:clrMapOvr>
     <a:masterClrMapping/>
   </p:clrMapOvr>
-  <p:timing>
-    <p:tnLst>
-      <p:par>
-        <p:cTn id="1" dur="indefinite" restart="never" nodeType="tmRoot"/>
-      </p:par>
-    </p:tnLst>
-  </p:timing>
 </p:sld>
 </file>
 
@@ -25007,24 +24453,20 @@
           </a:lstStyle>
           <a:p>
             <a:r>
-              <a:rPr dirty="0" err="1" smtClean="0"/>
+              <a:rPr dirty="0" err="1"/>
               <a:t>变量</a:t>
             </a:r>
             <a:r>
-              <a:rPr lang="zh-CN" dirty="0" smtClean="0"/>
+              <a:rPr lang="zh-CN" dirty="0"/>
               <a:t>根据作用域</a:t>
             </a:r>
             <a:r>
-              <a:rPr lang="zh-CN" altLang="en-US" dirty="0" smtClean="0"/>
+              <a:rPr lang="zh-CN" altLang="en-US" dirty="0"/>
               <a:t>的</a:t>
             </a:r>
             <a:r>
-              <a:rPr lang="zh-CN" dirty="0" smtClean="0"/>
-              <a:t>不同</a:t>
-            </a:r>
-            <a:r>
               <a:rPr lang="zh-CN" dirty="0"/>
-              <a:t>分为</a:t>
+              <a:t>不同分为</a:t>
             </a:r>
             <a:r>
               <a:rPr dirty="0" err="1"/>
@@ -25074,21 +24516,8 @@
             </a:r>
             <a:r>
               <a:rPr lang="zh-CN" altLang="en-US" dirty="0"/>
-              <a:t>当函数执行完毕，本作用域内</a:t>
-            </a:r>
-            <a:r>
-              <a:rPr lang="zh-CN" altLang="en-US" dirty="0" smtClean="0"/>
-              <a:t>的局部变量</a:t>
-            </a:r>
-            <a:r>
-              <a:rPr lang="zh-CN" altLang="en-US" dirty="0"/>
-              <a:t>会销毁</a:t>
-            </a:r>
-            <a:r>
-              <a:rPr lang="zh-CN" altLang="en-US" dirty="0" smtClean="0"/>
-              <a:t>。</a:t>
-            </a:r>
-            <a:endParaRPr lang="zh-CN" altLang="en-US" dirty="0"/>
+              <a:t>当函数执行完毕，本作用域内的局部变量会销毁。</a:t>
+            </a:r>
           </a:p>
         </p:txBody>
       </p:sp>
@@ -25605,7 +25034,7 @@
           </a:lstStyle>
           <a:p>
             <a:r>
-              <a:rPr lang="zh-CN" altLang="en-US" dirty="0" smtClean="0">
+              <a:rPr lang="zh-CN" altLang="en-US" dirty="0">
                 <a:solidFill>
                   <a:srgbClr val="FF0000"/>
                 </a:solidFill>
@@ -25631,7 +25060,7 @@
               <a:t>closure</a:t>
             </a:r>
             <a:r>
-              <a:rPr lang="zh-CN" altLang="en-US" dirty="0" smtClean="0">
+              <a:rPr lang="zh-CN" altLang="en-US" dirty="0">
                 <a:solidFill>
                   <a:srgbClr val="FF0000"/>
                 </a:solidFill>
@@ -25640,12 +25069,8 @@
               <a:t>）</a:t>
             </a:r>
             <a:r>
-              <a:rPr lang="zh-CN" altLang="en-US" dirty="0" smtClean="0"/>
-              <a:t>指</a:t>
-            </a:r>
-            <a:r>
               <a:rPr lang="zh-CN" altLang="en-US" dirty="0"/>
-              <a:t>有权</a:t>
+              <a:t>指有权</a:t>
             </a:r>
             <a:r>
               <a:rPr lang="zh-CN" altLang="en-US" dirty="0">
@@ -25695,15 +25120,7 @@
           <a:p>
             <a:r>
               <a:rPr lang="zh-CN" altLang="en-US" dirty="0"/>
-              <a:t>简单理解就是 </a:t>
-            </a:r>
-            <a:r>
-              <a:rPr lang="zh-CN" altLang="en-US" dirty="0" smtClean="0"/>
-              <a:t>，一个作用域可以</a:t>
-            </a:r>
-            <a:r>
-              <a:rPr lang="zh-CN" altLang="en-US" dirty="0"/>
-              <a:t>访问另外一个函数内部的局部变量。 </a:t>
+              <a:t>简单理解就是 ，一个作用域可以访问另外一个函数内部的局部变量。 </a:t>
             </a:r>
           </a:p>
         </p:txBody>
@@ -25770,10 +25187,23 @@
                 <a:cs typeface="Courier New" panose="02070309020205020404" pitchFamily="49" charset="0"/>
                 <a:sym typeface="+mn-ea"/>
               </a:rPr>
-              <a:t>&lt;script</a:t>
-            </a:r>
-            <a:r>
-              <a:rPr sz="1050" noProof="1" smtClean="0">
+              <a:t>&lt;script&gt;</a:t>
+            </a:r>
+          </a:p>
+          <a:p>
+            <a:pPr marL="109855" defTabSz="914400" eaLnBrk="0" fontAlgn="base" hangingPunct="0">
+              <a:lnSpc>
+                <a:spcPct val="150000"/>
+              </a:lnSpc>
+              <a:spcBef>
+                <a:spcPct val="0"/>
+              </a:spcBef>
+              <a:spcAft>
+                <a:spcPct val="0"/>
+              </a:spcAft>
+            </a:pPr>
+            <a:r>
+              <a:rPr lang="en-US" sz="1050" noProof="1">
                 <a:solidFill>
                   <a:prstClr val="black"/>
                 </a:solidFill>
@@ -25782,7 +25212,79 @@
                 <a:cs typeface="Courier New" panose="02070309020205020404" pitchFamily="49" charset="0"/>
                 <a:sym typeface="+mn-ea"/>
               </a:rPr>
-              <a:t>&gt;</a:t>
+              <a:t> </a:t>
+            </a:r>
+            <a:r>
+              <a:rPr sz="1050" noProof="1">
+                <a:solidFill>
+                  <a:prstClr val="black"/>
+                </a:solidFill>
+                <a:latin typeface="Courier New" panose="02070309020205020404" pitchFamily="49" charset="0"/>
+                <a:ea typeface="微软雅黑" panose="020B0503020204020204" pitchFamily="34" charset="-122"/>
+                <a:cs typeface="Courier New" panose="02070309020205020404" pitchFamily="49" charset="0"/>
+                <a:sym typeface="+mn-ea"/>
+              </a:rPr>
+              <a:t>function f</a:t>
+            </a:r>
+            <a:r>
+              <a:rPr lang="en-US" sz="1050" noProof="1">
+                <a:solidFill>
+                  <a:prstClr val="black"/>
+                </a:solidFill>
+                <a:latin typeface="Courier New" panose="02070309020205020404" pitchFamily="49" charset="0"/>
+                <a:ea typeface="微软雅黑" panose="020B0503020204020204" pitchFamily="34" charset="-122"/>
+                <a:cs typeface="Courier New" panose="02070309020205020404" pitchFamily="49" charset="0"/>
+                <a:sym typeface="+mn-ea"/>
+              </a:rPr>
+              <a:t>n</a:t>
+            </a:r>
+            <a:r>
+              <a:rPr sz="1050" noProof="1">
+                <a:solidFill>
+                  <a:prstClr val="black"/>
+                </a:solidFill>
+                <a:latin typeface="Courier New" panose="02070309020205020404" pitchFamily="49" charset="0"/>
+                <a:ea typeface="微软雅黑" panose="020B0503020204020204" pitchFamily="34" charset="-122"/>
+                <a:cs typeface="Courier New" panose="02070309020205020404" pitchFamily="49" charset="0"/>
+                <a:sym typeface="+mn-ea"/>
+              </a:rPr>
+              <a:t>1(){</a:t>
+            </a:r>
+            <a:r>
+              <a:rPr lang="en-US" sz="1050" noProof="1">
+                <a:solidFill>
+                  <a:prstClr val="black"/>
+                </a:solidFill>
+                <a:latin typeface="Courier New" panose="02070309020205020404" pitchFamily="49" charset="0"/>
+                <a:ea typeface="微软雅黑" panose="020B0503020204020204" pitchFamily="34" charset="-122"/>
+                <a:cs typeface="Courier New" panose="02070309020205020404" pitchFamily="49" charset="0"/>
+                <a:sym typeface="+mn-ea"/>
+              </a:rPr>
+              <a:t>    </a:t>
+            </a:r>
+            <a:r>
+              <a:rPr lang="en-US" altLang="zh-CN" sz="1050" noProof="1">
+                <a:solidFill>
+                  <a:prstClr val="black"/>
+                </a:solidFill>
+                <a:latin typeface="Courier New" panose="02070309020205020404" pitchFamily="49" charset="0"/>
+                <a:ea typeface="微软雅黑" panose="020B0503020204020204" pitchFamily="34" charset="-122"/>
+                <a:cs typeface="Courier New" panose="02070309020205020404" pitchFamily="49" charset="0"/>
+                <a:sym typeface="+mn-ea"/>
+              </a:rPr>
+              <a:t>// fn1 </a:t>
+            </a:r>
+            <a:r>
+              <a:rPr lang="zh-CN" altLang="en-US" sz="1050" noProof="1">
+                <a:solidFill>
+                  <a:prstClr val="black"/>
+                </a:solidFill>
+                <a:latin typeface="Courier New" panose="02070309020205020404" pitchFamily="49" charset="0"/>
+                <a:ea typeface="微软雅黑" panose="020B0503020204020204" pitchFamily="34" charset="-122"/>
+                <a:cs typeface="Courier New" panose="02070309020205020404" pitchFamily="49" charset="0"/>
+                <a:sym typeface="+mn-ea"/>
+              </a:rPr>
+              <a:t>就是闭包函数</a:t>
             </a:r>
             <a:endParaRPr sz="1050" noProof="1">
               <a:solidFill>
@@ -25807,6 +25309,18 @@
               </a:spcAft>
             </a:pPr>
             <a:r>
+              <a:rPr sz="1050" noProof="1">
+                <a:solidFill>
+                  <a:prstClr val="black"/>
+                </a:solidFill>
+                <a:latin typeface="Courier New" panose="02070309020205020404" pitchFamily="49" charset="0"/>
+                <a:ea typeface="微软雅黑" panose="020B0503020204020204" pitchFamily="34" charset="-122"/>
+                <a:cs typeface="Courier New" panose="02070309020205020404" pitchFamily="49" charset="0"/>
+                <a:sym typeface="+mn-ea"/>
+              </a:rPr>
+              <a:t>　　　　var </a:t>
+            </a:r>
+            <a:r>
               <a:rPr lang="en-US" sz="1050" noProof="1">
                 <a:solidFill>
                   <a:prstClr val="black"/>
@@ -25816,7 +25330,7 @@
                 <a:cs typeface="Courier New" panose="02070309020205020404" pitchFamily="49" charset="0"/>
                 <a:sym typeface="+mn-ea"/>
               </a:rPr>
-              <a:t> </a:t>
+              <a:t>num = 10</a:t>
             </a:r>
             <a:r>
               <a:rPr sz="1050" noProof="1">
@@ -25828,101 +25342,8 @@
                 <a:cs typeface="Courier New" panose="02070309020205020404" pitchFamily="49" charset="0"/>
                 <a:sym typeface="+mn-ea"/>
               </a:rPr>
-              <a:t>function f</a:t>
-            </a:r>
-            <a:r>
-              <a:rPr lang="en-US" sz="1050" noProof="1">
-                <a:solidFill>
-                  <a:prstClr val="black"/>
-                </a:solidFill>
-                <a:latin typeface="Courier New" panose="02070309020205020404" pitchFamily="49" charset="0"/>
-                <a:ea typeface="微软雅黑" panose="020B0503020204020204" pitchFamily="34" charset="-122"/>
-                <a:cs typeface="Courier New" panose="02070309020205020404" pitchFamily="49" charset="0"/>
-                <a:sym typeface="+mn-ea"/>
-              </a:rPr>
-              <a:t>n</a:t>
-            </a:r>
-            <a:r>
-              <a:rPr sz="1050" noProof="1">
-                <a:solidFill>
-                  <a:prstClr val="black"/>
-                </a:solidFill>
-                <a:latin typeface="Courier New" panose="02070309020205020404" pitchFamily="49" charset="0"/>
-                <a:ea typeface="微软雅黑" panose="020B0503020204020204" pitchFamily="34" charset="-122"/>
-                <a:cs typeface="Courier New" panose="02070309020205020404" pitchFamily="49" charset="0"/>
-                <a:sym typeface="+mn-ea"/>
-              </a:rPr>
-              <a:t>1</a:t>
-            </a:r>
-            <a:r>
-              <a:rPr sz="1050" noProof="1" smtClean="0">
-                <a:solidFill>
-                  <a:prstClr val="black"/>
-                </a:solidFill>
-                <a:latin typeface="Courier New" panose="02070309020205020404" pitchFamily="49" charset="0"/>
-                <a:ea typeface="微软雅黑" panose="020B0503020204020204" pitchFamily="34" charset="-122"/>
-                <a:cs typeface="Courier New" panose="02070309020205020404" pitchFamily="49" charset="0"/>
-                <a:sym typeface="+mn-ea"/>
-              </a:rPr>
-              <a:t>(){</a:t>
-            </a:r>
-            <a:r>
-              <a:rPr lang="en-US" sz="1050" noProof="1" smtClean="0">
-                <a:solidFill>
-                  <a:prstClr val="black"/>
-                </a:solidFill>
-                <a:latin typeface="Courier New" panose="02070309020205020404" pitchFamily="49" charset="0"/>
-                <a:ea typeface="微软雅黑" panose="020B0503020204020204" pitchFamily="34" charset="-122"/>
-                <a:cs typeface="Courier New" panose="02070309020205020404" pitchFamily="49" charset="0"/>
-                <a:sym typeface="+mn-ea"/>
-              </a:rPr>
-              <a:t>    </a:t>
-            </a:r>
-            <a:r>
-              <a:rPr lang="en-US" altLang="zh-CN" sz="1050" noProof="1">
-                <a:solidFill>
-                  <a:prstClr val="black"/>
-                </a:solidFill>
-                <a:latin typeface="Courier New" panose="02070309020205020404" pitchFamily="49" charset="0"/>
-                <a:ea typeface="微软雅黑" panose="020B0503020204020204" pitchFamily="34" charset="-122"/>
-                <a:cs typeface="Courier New" panose="02070309020205020404" pitchFamily="49" charset="0"/>
-                <a:sym typeface="+mn-ea"/>
-              </a:rPr>
-              <a:t>// fn1 </a:t>
-            </a:r>
-            <a:r>
-              <a:rPr lang="zh-CN" altLang="en-US" sz="1050" noProof="1">
-                <a:solidFill>
-                  <a:prstClr val="black"/>
-                </a:solidFill>
-                <a:latin typeface="Courier New" panose="02070309020205020404" pitchFamily="49" charset="0"/>
-                <a:ea typeface="微软雅黑" panose="020B0503020204020204" pitchFamily="34" charset="-122"/>
-                <a:cs typeface="Courier New" panose="02070309020205020404" pitchFamily="49" charset="0"/>
-                <a:sym typeface="+mn-ea"/>
-              </a:rPr>
-              <a:t>就是</a:t>
-            </a:r>
-            <a:r>
-              <a:rPr lang="zh-CN" altLang="en-US" sz="1050" noProof="1" smtClean="0">
-                <a:solidFill>
-                  <a:prstClr val="black"/>
-                </a:solidFill>
-                <a:latin typeface="Courier New" panose="02070309020205020404" pitchFamily="49" charset="0"/>
-                <a:ea typeface="微软雅黑" panose="020B0503020204020204" pitchFamily="34" charset="-122"/>
-                <a:cs typeface="Courier New" panose="02070309020205020404" pitchFamily="49" charset="0"/>
-                <a:sym typeface="+mn-ea"/>
-              </a:rPr>
-              <a:t>闭包函数</a:t>
-            </a:r>
-            <a:endParaRPr sz="1050" noProof="1">
-              <a:solidFill>
-                <a:prstClr val="black"/>
-              </a:solidFill>
-              <a:latin typeface="Courier New" panose="02070309020205020404" pitchFamily="49" charset="0"/>
-              <a:ea typeface="微软雅黑" panose="020B0503020204020204" pitchFamily="34" charset="-122"/>
-              <a:cs typeface="Courier New" panose="02070309020205020404" pitchFamily="49" charset="0"/>
-              <a:sym typeface="+mn-ea"/>
-            </a:endParaRPr>
+              <a:t>;</a:t>
+            </a:r>
           </a:p>
           <a:p>
             <a:pPr marL="109855" defTabSz="914400" eaLnBrk="0" fontAlgn="base" hangingPunct="0">
@@ -25946,7 +25367,7 @@
                 <a:cs typeface="Courier New" panose="02070309020205020404" pitchFamily="49" charset="0"/>
                 <a:sym typeface="+mn-ea"/>
               </a:rPr>
-              <a:t>　　　　var </a:t>
+              <a:t>　　　　function f</a:t>
             </a:r>
             <a:r>
               <a:rPr lang="en-US" sz="1050" noProof="1">
@@ -25958,10 +25379,10 @@
                 <a:cs typeface="Courier New" panose="02070309020205020404" pitchFamily="49" charset="0"/>
                 <a:sym typeface="+mn-ea"/>
               </a:rPr>
-              <a:t>num = 10</a:t>
-            </a:r>
-            <a:r>
-              <a:rPr sz="1050" noProof="1" smtClean="0">
+              <a:t>n</a:t>
+            </a:r>
+            <a:r>
+              <a:rPr sz="1050" noProof="1">
                 <a:solidFill>
                   <a:prstClr val="black"/>
                 </a:solidFill>
@@ -25970,87 +25391,8 @@
                 <a:cs typeface="Courier New" panose="02070309020205020404" pitchFamily="49" charset="0"/>
                 <a:sym typeface="+mn-ea"/>
               </a:rPr>
-              <a:t>;</a:t>
-            </a:r>
-            <a:endParaRPr sz="1050" noProof="1">
-              <a:solidFill>
-                <a:prstClr val="black"/>
-              </a:solidFill>
-              <a:latin typeface="Courier New" panose="02070309020205020404" pitchFamily="49" charset="0"/>
-              <a:ea typeface="微软雅黑" panose="020B0503020204020204" pitchFamily="34" charset="-122"/>
-              <a:cs typeface="Courier New" panose="02070309020205020404" pitchFamily="49" charset="0"/>
-              <a:sym typeface="+mn-ea"/>
-            </a:endParaRPr>
-          </a:p>
-          <a:p>
-            <a:pPr marL="109855" defTabSz="914400" eaLnBrk="0" fontAlgn="base" hangingPunct="0">
-              <a:lnSpc>
-                <a:spcPct val="150000"/>
-              </a:lnSpc>
-              <a:spcBef>
-                <a:spcPct val="0"/>
-              </a:spcBef>
-              <a:spcAft>
-                <a:spcPct val="0"/>
-              </a:spcAft>
-            </a:pPr>
-            <a:r>
-              <a:rPr sz="1050" noProof="1">
-                <a:solidFill>
-                  <a:prstClr val="black"/>
-                </a:solidFill>
-                <a:latin typeface="Courier New" panose="02070309020205020404" pitchFamily="49" charset="0"/>
-                <a:ea typeface="微软雅黑" panose="020B0503020204020204" pitchFamily="34" charset="-122"/>
-                <a:cs typeface="Courier New" panose="02070309020205020404" pitchFamily="49" charset="0"/>
-                <a:sym typeface="+mn-ea"/>
-              </a:rPr>
-              <a:t>　　　　function f</a:t>
-            </a:r>
-            <a:r>
-              <a:rPr lang="en-US" sz="1050" noProof="1">
-                <a:solidFill>
-                  <a:prstClr val="black"/>
-                </a:solidFill>
-                <a:latin typeface="Courier New" panose="02070309020205020404" pitchFamily="49" charset="0"/>
-                <a:ea typeface="微软雅黑" panose="020B0503020204020204" pitchFamily="34" charset="-122"/>
-                <a:cs typeface="Courier New" panose="02070309020205020404" pitchFamily="49" charset="0"/>
-                <a:sym typeface="+mn-ea"/>
-              </a:rPr>
-              <a:t>n</a:t>
-            </a:r>
-            <a:r>
-              <a:rPr sz="1050" noProof="1">
-                <a:solidFill>
-                  <a:prstClr val="black"/>
-                </a:solidFill>
-                <a:latin typeface="Courier New" panose="02070309020205020404" pitchFamily="49" charset="0"/>
-                <a:ea typeface="微软雅黑" panose="020B0503020204020204" pitchFamily="34" charset="-122"/>
-                <a:cs typeface="Courier New" panose="02070309020205020404" pitchFamily="49" charset="0"/>
-                <a:sym typeface="+mn-ea"/>
-              </a:rPr>
-              <a:t>2</a:t>
-            </a:r>
-            <a:r>
-              <a:rPr sz="1050" noProof="1" smtClean="0">
-                <a:solidFill>
-                  <a:prstClr val="black"/>
-                </a:solidFill>
-                <a:latin typeface="Courier New" panose="02070309020205020404" pitchFamily="49" charset="0"/>
-                <a:ea typeface="微软雅黑" panose="020B0503020204020204" pitchFamily="34" charset="-122"/>
-                <a:cs typeface="Courier New" panose="02070309020205020404" pitchFamily="49" charset="0"/>
-                <a:sym typeface="+mn-ea"/>
-              </a:rPr>
-              <a:t>(){</a:t>
-            </a:r>
-            <a:endParaRPr sz="1050" noProof="1">
-              <a:solidFill>
-                <a:prstClr val="black"/>
-              </a:solidFill>
-              <a:latin typeface="Courier New" panose="02070309020205020404" pitchFamily="49" charset="0"/>
-              <a:ea typeface="微软雅黑" panose="020B0503020204020204" pitchFamily="34" charset="-122"/>
-              <a:cs typeface="Courier New" panose="02070309020205020404" pitchFamily="49" charset="0"/>
-              <a:sym typeface="+mn-ea"/>
-            </a:endParaRPr>
+              <a:t>2(){</a:t>
+            </a:r>
           </a:p>
           <a:p>
             <a:pPr marL="109855" defTabSz="914400" eaLnBrk="0" fontAlgn="base" hangingPunct="0">
@@ -26279,11 +25621,11 @@
           <a:lstStyle/>
           <a:p>
             <a:r>
-              <a:rPr lang="en-US" altLang="zh-CN" smtClean="0"/>
+              <a:rPr lang="en-US" altLang="zh-CN"/>
               <a:t>5.2 </a:t>
             </a:r>
             <a:r>
-              <a:rPr lang="zh-CN" altLang="en-US" smtClean="0"/>
+              <a:rPr lang="zh-CN" altLang="en-US"/>
               <a:t>什么是闭包</a:t>
             </a:r>
             <a:endParaRPr lang="zh-CN" altLang="en-US" dirty="0"/>
@@ -26725,26 +26067,25 @@
               <a:t>1. </a:t>
             </a:r>
             <a:r>
-              <a:rPr lang="zh-CN" altLang="en-US" smtClean="0"/>
+              <a:rPr lang="zh-CN" altLang="en-US"/>
               <a:t>打开浏览器，按 </a:t>
             </a:r>
             <a:r>
-              <a:rPr lang="en-US" altLang="zh-CN" smtClean="0"/>
+              <a:rPr lang="en-US" altLang="zh-CN"/>
               <a:t>F12 </a:t>
             </a:r>
             <a:r>
-              <a:rPr lang="zh-CN" altLang="en-US" smtClean="0"/>
+              <a:rPr lang="zh-CN" altLang="en-US"/>
               <a:t>键启动 </a:t>
             </a:r>
             <a:r>
-              <a:rPr lang="en-US" altLang="zh-CN" smtClean="0"/>
+              <a:rPr lang="en-US" altLang="zh-CN"/>
               <a:t>chrome </a:t>
             </a:r>
             <a:r>
-              <a:rPr lang="zh-CN" altLang="en-US" smtClean="0"/>
+              <a:rPr lang="zh-CN" altLang="en-US"/>
               <a:t>调试工具。</a:t>
             </a:r>
-            <a:endParaRPr lang="zh-CN" altLang="en-US"/>
           </a:p>
           <a:p>
             <a:r>
@@ -26752,10 +26093,9 @@
               <a:t>2. </a:t>
             </a:r>
             <a:r>
-              <a:rPr lang="zh-CN" altLang="en-US" smtClean="0"/>
+              <a:rPr lang="zh-CN" altLang="en-US"/>
               <a:t>设置断点。</a:t>
             </a:r>
-            <a:endParaRPr lang="zh-CN" altLang="en-US"/>
           </a:p>
           <a:p>
             <a:r>
@@ -26763,34 +26103,25 @@
               <a:t>3. </a:t>
             </a:r>
             <a:r>
-              <a:rPr lang="zh-CN" altLang="en-US" smtClean="0"/>
+              <a:rPr lang="zh-CN" altLang="en-US"/>
               <a:t>找到 </a:t>
             </a:r>
             <a:r>
-              <a:rPr lang="en-US" altLang="zh-CN" smtClean="0"/>
+              <a:rPr lang="en-US" altLang="zh-CN"/>
               <a:t>Scope </a:t>
             </a:r>
             <a:r>
-              <a:rPr lang="zh-CN" altLang="en-US" smtClean="0"/>
+              <a:rPr lang="zh-CN" altLang="en-US"/>
               <a:t>选项（</a:t>
             </a:r>
             <a:r>
-              <a:rPr lang="en-US" altLang="zh-CN" smtClean="0"/>
+              <a:rPr lang="en-US" altLang="zh-CN"/>
               <a:t>Scope </a:t>
             </a:r>
             <a:r>
-              <a:rPr lang="zh-CN" altLang="en-US" smtClean="0"/>
-              <a:t>作用域</a:t>
-            </a:r>
-            <a:r>
               <a:rPr lang="zh-CN" altLang="en-US"/>
-              <a:t>的意思</a:t>
-            </a:r>
-            <a:r>
-              <a:rPr lang="zh-CN" altLang="en-US" smtClean="0"/>
-              <a:t>）。</a:t>
-            </a:r>
-            <a:endParaRPr lang="zh-CN" altLang="en-US"/>
+              <a:t>作用域的意思）。</a:t>
+            </a:r>
           </a:p>
           <a:p>
             <a:r>
@@ -26799,14 +26130,10 @@
             </a:r>
             <a:r>
               <a:rPr lang="zh-CN" altLang="en-US"/>
-              <a:t>当我们重新刷新页面，会进入断点调试</a:t>
-            </a:r>
-            <a:r>
-              <a:rPr lang="zh-CN" altLang="en-US" smtClean="0"/>
-              <a:t>，</a:t>
-            </a:r>
-            <a:r>
-              <a:rPr lang="en-US" altLang="zh-CN" smtClean="0"/>
+              <a:t>当我们重新刷新页面，会进入断点调试，</a:t>
+            </a:r>
+            <a:r>
+              <a:rPr lang="en-US" altLang="zh-CN"/>
               <a:t>Scope </a:t>
             </a:r>
             <a:r>
@@ -26827,13 +26154,8 @@
             </a:r>
             <a:r>
               <a:rPr lang="zh-CN" altLang="en-US"/>
-              <a:t>局部作用域</a:t>
-            </a:r>
-            <a:r>
-              <a:rPr lang="zh-CN" altLang="en-US" smtClean="0"/>
-              <a:t>）。</a:t>
-            </a:r>
-            <a:endParaRPr lang="zh-CN" altLang="en-US"/>
+              <a:t>局部作用域）。</a:t>
+            </a:r>
           </a:p>
           <a:p>
             <a:r>
@@ -26842,22 +26164,18 @@
             </a:r>
             <a:r>
               <a:rPr lang="zh-CN" altLang="en-US"/>
-              <a:t>当执行</a:t>
-            </a:r>
-            <a:r>
-              <a:rPr lang="zh-CN" altLang="en-US" smtClean="0"/>
-              <a:t>到 </a:t>
-            </a:r>
-            <a:r>
-              <a:rPr lang="en-US" altLang="zh-CN" smtClean="0"/>
+              <a:t>当执行到 </a:t>
+            </a:r>
+            <a:r>
+              <a:rPr lang="en-US" altLang="zh-CN"/>
               <a:t>fn2() </a:t>
             </a:r>
             <a:r>
-              <a:rPr lang="zh-CN" altLang="en-US" smtClean="0"/>
+              <a:rPr lang="zh-CN" altLang="en-US"/>
               <a:t>时，</a:t>
             </a:r>
             <a:r>
-              <a:rPr lang="en-US" altLang="zh-CN" smtClean="0"/>
+              <a:rPr lang="en-US" altLang="zh-CN"/>
               <a:t>Scope </a:t>
             </a:r>
             <a:r>
@@ -26869,19 +26187,19 @@
               <a:t>C</a:t>
             </a:r>
             <a:r>
-              <a:rPr smtClean="0">
+              <a:rPr>
                 <a:sym typeface="+mn-ea"/>
               </a:rPr>
               <a:t>losure </a:t>
             </a:r>
             <a:r>
-              <a:rPr lang="zh-CN" smtClean="0">
+              <a:rPr lang="zh-CN">
                 <a:sym typeface="+mn-ea"/>
               </a:rPr>
               <a:t>参数 ，这就表明产生了闭包</a:t>
             </a:r>
             <a:r>
-              <a:rPr lang="zh-CN" altLang="en-US" smtClean="0">
+              <a:rPr lang="zh-CN" altLang="en-US">
                 <a:sym typeface="+mn-ea"/>
               </a:rPr>
               <a:t>。</a:t>
@@ -26914,16 +26232,12 @@
           <a:lstStyle/>
           <a:p>
             <a:r>
-              <a:rPr lang="en-US" altLang="zh-CN" dirty="0" smtClean="0"/>
+              <a:rPr lang="en-US" altLang="zh-CN" dirty="0"/>
               <a:t>5.3 </a:t>
             </a:r>
             <a:r>
-              <a:rPr lang="zh-CN" altLang="en-US" dirty="0" smtClean="0"/>
-              <a:t>在 chrome 中</a:t>
-            </a:r>
-            <a:r>
               <a:rPr lang="zh-CN" altLang="en-US" dirty="0"/>
-              <a:t>调试闭包</a:t>
+              <a:t>在 chrome 中调试闭包</a:t>
             </a:r>
           </a:p>
         </p:txBody>
@@ -27360,31 +26674,7 @@
                 <a:cs typeface="Courier New" panose="02070309020205020404" pitchFamily="49" charset="0"/>
                 <a:sym typeface="+mn-ea"/>
               </a:rPr>
-              <a:t> function </a:t>
-            </a:r>
-            <a:r>
-              <a:rPr lang="en-US" altLang="zh-CN" sz="1050" noProof="1" smtClean="0">
-                <a:solidFill>
-                  <a:prstClr val="black"/>
-                </a:solidFill>
-                <a:latin typeface="Courier New" panose="02070309020205020404" pitchFamily="49" charset="0"/>
-                <a:ea typeface="微软雅黑" panose="020B0503020204020204" pitchFamily="34" charset="-122"/>
-                <a:cs typeface="Courier New" panose="02070309020205020404" pitchFamily="49" charset="0"/>
-                <a:sym typeface="+mn-ea"/>
-              </a:rPr>
-              <a:t>fn() </a:t>
-            </a:r>
-            <a:r>
-              <a:rPr lang="en-US" altLang="zh-CN" sz="1050" noProof="1">
-                <a:solidFill>
-                  <a:prstClr val="black"/>
-                </a:solidFill>
-                <a:latin typeface="Courier New" panose="02070309020205020404" pitchFamily="49" charset="0"/>
-                <a:ea typeface="微软雅黑" panose="020B0503020204020204" pitchFamily="34" charset="-122"/>
-                <a:cs typeface="Courier New" panose="02070309020205020404" pitchFamily="49" charset="0"/>
-                <a:sym typeface="+mn-ea"/>
-              </a:rPr>
-              <a:t>{</a:t>
+              <a:t> function fn() {</a:t>
             </a:r>
             <a:r>
               <a:rPr lang="zh-CN" altLang="en-US" sz="1050" noProof="1">
@@ -27669,29 +26959,8 @@
                 <a:cs typeface="Courier New" panose="02070309020205020404" pitchFamily="49" charset="0"/>
                 <a:sym typeface="+mn-ea"/>
               </a:rPr>
-              <a:t>  var f = </a:t>
-            </a:r>
-            <a:r>
-              <a:rPr lang="en-US" altLang="zh-CN" sz="1050" noProof="1" smtClean="0">
-                <a:solidFill>
-                  <a:prstClr val="black"/>
-                </a:solidFill>
-                <a:latin typeface="Courier New" panose="02070309020205020404" pitchFamily="49" charset="0"/>
-                <a:ea typeface="微软雅黑" panose="020B0503020204020204" pitchFamily="34" charset="-122"/>
-                <a:cs typeface="Courier New" panose="02070309020205020404" pitchFamily="49" charset="0"/>
-                <a:sym typeface="+mn-ea"/>
-              </a:rPr>
-              <a:t>fn();</a:t>
-            </a:r>
-            <a:endParaRPr lang="en-US" altLang="zh-CN" sz="1050" noProof="1">
-              <a:solidFill>
-                <a:prstClr val="black"/>
-              </a:solidFill>
-              <a:latin typeface="Courier New" panose="02070309020205020404" pitchFamily="49" charset="0"/>
-              <a:ea typeface="微软雅黑" panose="020B0503020204020204" pitchFamily="34" charset="-122"/>
-              <a:cs typeface="Courier New" panose="02070309020205020404" pitchFamily="49" charset="0"/>
-              <a:sym typeface="+mn-ea"/>
-            </a:endParaRPr>
+              <a:t>  var f = fn();</a:t>
+            </a:r>
           </a:p>
           <a:p>
             <a:pPr marL="109855" defTabSz="914400" eaLnBrk="0" fontAlgn="base" hangingPunct="0">
@@ -27715,19 +26984,7 @@
                 <a:cs typeface="Courier New" panose="02070309020205020404" pitchFamily="49" charset="0"/>
                 <a:sym typeface="+mn-ea"/>
               </a:rPr>
-              <a:t>  </a:t>
-            </a:r>
-            <a:r>
-              <a:rPr lang="en-US" altLang="zh-CN" sz="1050" noProof="1" smtClean="0">
-                <a:solidFill>
-                  <a:prstClr val="black"/>
-                </a:solidFill>
-                <a:latin typeface="Courier New" panose="02070309020205020404" pitchFamily="49" charset="0"/>
-                <a:ea typeface="微软雅黑" panose="020B0503020204020204" pitchFamily="34" charset="-122"/>
-                <a:cs typeface="Courier New" panose="02070309020205020404" pitchFamily="49" charset="0"/>
-                <a:sym typeface="+mn-ea"/>
-              </a:rPr>
-              <a:t>f()</a:t>
+              <a:t>  f()</a:t>
             </a:r>
           </a:p>
           <a:p>
@@ -27743,7 +27000,7 @@
               </a:spcAft>
             </a:pPr>
             <a:r>
-              <a:rPr lang="en-US" altLang="zh-CN" sz="1050" noProof="1" smtClean="0">
+              <a:rPr lang="en-US" altLang="zh-CN" sz="1050" noProof="1">
                 <a:solidFill>
                   <a:prstClr val="black"/>
                 </a:solidFill>
@@ -27752,19 +27009,7 @@
                 <a:cs typeface="Courier New" panose="02070309020205020404" pitchFamily="49" charset="0"/>
                 <a:sym typeface="+mn-ea"/>
               </a:rPr>
-              <a:t>&lt;/</a:t>
-            </a:r>
-            <a:r>
-              <a:rPr lang="en-US" altLang="zh-CN" sz="1050" noProof="1">
-                <a:solidFill>
-                  <a:prstClr val="black"/>
-                </a:solidFill>
-                <a:latin typeface="Courier New" panose="02070309020205020404" pitchFamily="49" charset="0"/>
-                <a:ea typeface="微软雅黑" panose="020B0503020204020204" pitchFamily="34" charset="-122"/>
-                <a:cs typeface="Courier New" panose="02070309020205020404" pitchFamily="49" charset="0"/>
-                <a:sym typeface="+mn-ea"/>
-              </a:rPr>
-              <a:t>script&gt;</a:t>
+              <a:t>&lt;/script&gt;</a:t>
             </a:r>
           </a:p>
         </p:txBody>
@@ -27790,11 +27035,11 @@
           <a:lstStyle/>
           <a:p>
             <a:r>
-              <a:rPr lang="en-US" altLang="zh-CN" smtClean="0"/>
+              <a:rPr lang="en-US" altLang="zh-CN"/>
               <a:t>5.3 </a:t>
             </a:r>
             <a:r>
-              <a:rPr lang="zh-CN" altLang="en-US" smtClean="0"/>
+              <a:rPr lang="zh-CN" altLang="en-US"/>
               <a:t>闭包的作用</a:t>
             </a:r>
             <a:endParaRPr lang="zh-CN" altLang="en-US" dirty="0"/>
@@ -27997,41 +27242,8 @@
                 </a:solidFill>
                 <a:sym typeface="+mn-ea"/>
               </a:rPr>
-              <a:t>闭包</a:t>
-            </a:r>
-            <a:r>
-              <a:rPr lang="zh-CN" altLang="en-US" b="1" smtClean="0">
-                <a:solidFill>
-                  <a:srgbClr val="FF0000"/>
-                </a:solidFill>
-                <a:sym typeface="+mn-ea"/>
-              </a:rPr>
-              <a:t>作用：延伸</a:t>
-            </a:r>
-            <a:r>
-              <a:rPr lang="zh-CN" altLang="en-US" b="1">
-                <a:solidFill>
-                  <a:srgbClr val="FF0000"/>
-                </a:solidFill>
-                <a:sym typeface="+mn-ea"/>
-              </a:rPr>
-              <a:t>变量的作用</a:t>
-            </a:r>
-            <a:r>
-              <a:rPr lang="zh-CN" altLang="en-US" b="1" smtClean="0">
-                <a:solidFill>
-                  <a:srgbClr val="FF0000"/>
-                </a:solidFill>
-                <a:sym typeface="+mn-ea"/>
-              </a:rPr>
-              <a:t>范围。</a:t>
-            </a:r>
-            <a:endParaRPr lang="zh-CN" altLang="en-US" b="1">
-              <a:solidFill>
-                <a:srgbClr val="FF0000"/>
-              </a:solidFill>
-              <a:sym typeface="+mn-ea"/>
-            </a:endParaRPr>
+              <a:t>闭包作用：延伸变量的作用范围。</a:t>
+            </a:r>
           </a:p>
         </p:txBody>
       </p:sp>
@@ -28233,10 +27445,10 @@
                   </a:prstClr>
                 </a:solidFill>
               </a:rPr>
-              <a:t>提问</a:t>
-            </a:r>
-            <a:r>
-              <a:rPr lang="zh-CN" altLang="en-US" sz="1400" b="1" dirty="0" smtClean="0">
+              <a:t>提问：我们怎么能在</a:t>
+            </a:r>
+            <a:r>
+              <a:rPr lang="en-US" altLang="zh-CN" sz="1400" b="1" dirty="0">
                 <a:solidFill>
                   <a:prstClr val="black">
                     <a:lumMod val="85000"/>
@@ -28244,10 +27456,10 @@
                   </a:prstClr>
                 </a:solidFill>
               </a:rPr>
-              <a:t>：我们</a:t>
-            </a:r>
-            <a:r>
-              <a:rPr lang="zh-CN" altLang="en-US" sz="1400" b="1" dirty="0">
+              <a:t> </a:t>
+            </a:r>
+            <a:r>
+              <a:rPr lang="en-US" altLang="zh-CN" sz="1400" b="1" dirty="0" err="1">
                 <a:solidFill>
                   <a:prstClr val="black">
                     <a:lumMod val="85000"/>
@@ -28255,10 +27467,10 @@
                   </a:prstClr>
                 </a:solidFill>
               </a:rPr>
-              <a:t>怎么能</a:t>
-            </a:r>
-            <a:r>
-              <a:rPr lang="zh-CN" altLang="en-US" sz="1400" b="1" dirty="0" smtClean="0">
+              <a:t>fn</a:t>
+            </a:r>
+            <a:r>
+              <a:rPr lang="en-US" altLang="zh-CN" sz="1400" b="1" dirty="0">
                 <a:solidFill>
                   <a:prstClr val="black">
                     <a:lumMod val="85000"/>
@@ -28266,10 +27478,10 @@
                   </a:prstClr>
                 </a:solidFill>
               </a:rPr>
-              <a:t>在</a:t>
-            </a:r>
-            <a:r>
-              <a:rPr lang="en-US" altLang="zh-CN" sz="1400" b="1" dirty="0" smtClean="0">
+              <a:t>() </a:t>
+            </a:r>
+            <a:r>
+              <a:rPr lang="zh-CN" altLang="en-US" sz="1400" b="1" dirty="0">
                 <a:solidFill>
                   <a:prstClr val="black">
                     <a:lumMod val="85000"/>
@@ -28277,10 +27489,10 @@
                   </a:prstClr>
                 </a:solidFill>
               </a:rPr>
-              <a:t> </a:t>
-            </a:r>
-            <a:r>
-              <a:rPr lang="en-US" altLang="zh-CN" sz="1400" b="1" dirty="0" err="1" smtClean="0">
+              <a:t>函数外面访问 </a:t>
+            </a:r>
+            <a:r>
+              <a:rPr lang="en-US" altLang="zh-CN" sz="1400" b="1" dirty="0" err="1">
                 <a:solidFill>
                   <a:prstClr val="black">
                     <a:lumMod val="85000"/>
@@ -28291,7 +27503,7 @@
               <a:t>fn</a:t>
             </a:r>
             <a:r>
-              <a:rPr lang="en-US" altLang="zh-CN" sz="1400" b="1" dirty="0" smtClean="0">
+              <a:rPr lang="en-US" altLang="zh-CN" sz="1400" b="1" dirty="0">
                 <a:solidFill>
                   <a:prstClr val="black">
                     <a:lumMod val="85000"/>
@@ -28310,10 +27522,10 @@
                   </a:prstClr>
                 </a:solidFill>
               </a:rPr>
-              <a:t>函数外面访问 </a:t>
-            </a:r>
-            <a:r>
-              <a:rPr lang="en-US" altLang="zh-CN" sz="1400" b="1" dirty="0" err="1" smtClean="0">
+              <a:t>中的局部变量 </a:t>
+            </a:r>
+            <a:r>
+              <a:rPr lang="en-US" altLang="zh-CN" sz="1400" b="1" dirty="0" err="1">
                 <a:solidFill>
                   <a:prstClr val="black">
                     <a:lumMod val="85000"/>
@@ -28321,10 +27533,10 @@
                   </a:prstClr>
                 </a:solidFill>
               </a:rPr>
-              <a:t>fn</a:t>
-            </a:r>
-            <a:r>
-              <a:rPr lang="en-US" altLang="zh-CN" sz="1400" b="1" dirty="0" smtClean="0">
+              <a:t>num</a:t>
+            </a:r>
+            <a:r>
+              <a:rPr lang="en-US" altLang="zh-CN" sz="1400" b="1" dirty="0">
                 <a:solidFill>
                   <a:prstClr val="black">
                     <a:lumMod val="85000"/>
@@ -28332,10 +27544,10 @@
                   </a:prstClr>
                 </a:solidFill>
               </a:rPr>
-              <a:t>() </a:t>
-            </a:r>
-            <a:r>
-              <a:rPr lang="zh-CN" altLang="en-US" sz="1400" b="1" dirty="0" smtClean="0">
+              <a:t> </a:t>
+            </a:r>
+            <a:r>
+              <a:rPr lang="zh-CN" altLang="en-US" sz="1400" b="1" dirty="0">
                 <a:solidFill>
                   <a:prstClr val="black">
                     <a:lumMod val="85000"/>
@@ -28343,51 +27555,7 @@
                   </a:prstClr>
                 </a:solidFill>
               </a:rPr>
-              <a:t>中的局部变量 </a:t>
-            </a:r>
-            <a:r>
-              <a:rPr lang="en-US" altLang="zh-CN" sz="1400" b="1" dirty="0" err="1" smtClean="0">
-                <a:solidFill>
-                  <a:prstClr val="black">
-                    <a:lumMod val="85000"/>
-                    <a:lumOff val="15000"/>
-                  </a:prstClr>
-                </a:solidFill>
-              </a:rPr>
-              <a:t>num</a:t>
-            </a:r>
-            <a:r>
-              <a:rPr lang="en-US" altLang="zh-CN" sz="1400" b="1" dirty="0" smtClean="0">
-                <a:solidFill>
-                  <a:prstClr val="black">
-                    <a:lumMod val="85000"/>
-                    <a:lumOff val="15000"/>
-                  </a:prstClr>
-                </a:solidFill>
-              </a:rPr>
-              <a:t> </a:t>
-            </a:r>
-            <a:r>
-              <a:rPr lang="zh-CN" altLang="en-US" sz="1400" b="1" dirty="0" smtClean="0">
-                <a:solidFill>
-                  <a:prstClr val="black">
-                    <a:lumMod val="85000"/>
-                    <a:lumOff val="15000"/>
-                  </a:prstClr>
-                </a:solidFill>
-              </a:rPr>
-              <a:t>呢 </a:t>
-            </a:r>
-            <a:r>
-              <a:rPr lang="zh-CN" altLang="en-US" sz="1400" b="1" dirty="0">
-                <a:solidFill>
-                  <a:prstClr val="black">
-                    <a:lumMod val="85000"/>
-                    <a:lumOff val="15000"/>
-                  </a:prstClr>
-                </a:solidFill>
-              </a:rPr>
-              <a:t>？</a:t>
+              <a:t>呢 ？</a:t>
             </a:r>
             <a:endParaRPr lang="zh-CN" altLang="en-US" sz="1400" dirty="0">
               <a:solidFill>
@@ -28421,13 +27589,6 @@
     <a:masterClrMapping/>
   </p:clrMapOvr>
   <p:transition/>
-  <p:timing>
-    <p:tnLst>
-      <p:par>
-        <p:cTn id="1" dur="indefinite" restart="never" nodeType="tmRoot"/>
-      </p:par>
-    </p:tnLst>
-  </p:timing>
 </p:sld>
 </file>
 
@@ -28682,13 +27843,8 @@
             </a:r>
             <a:r>
               <a:rPr lang="zh-CN" altLang="en-US" dirty="0"/>
-              <a:t>循环注册点击</a:t>
-            </a:r>
-            <a:r>
-              <a:rPr lang="zh-CN" altLang="en-US" dirty="0" smtClean="0"/>
-              <a:t>事件。</a:t>
-            </a:r>
-            <a:endParaRPr lang="zh-CN" altLang="en-US" dirty="0"/>
+              <a:t>循环注册点击事件。</a:t>
+            </a:r>
           </a:p>
           <a:p>
             <a:r>
@@ -28697,13 +27853,8 @@
             </a:r>
             <a:r>
               <a:rPr lang="zh-CN" altLang="en-US" dirty="0"/>
-              <a:t>循环中</a:t>
-            </a:r>
-            <a:r>
-              <a:rPr lang="zh-CN" altLang="en-US" dirty="0" smtClean="0"/>
-              <a:t>的 setTimeout()。</a:t>
-            </a:r>
-            <a:endParaRPr lang="zh-CN" altLang="en-US" dirty="0"/>
+              <a:t>循环中的 setTimeout()。</a:t>
+            </a:r>
           </a:p>
           <a:p>
             <a:r>
@@ -28711,18 +27862,9 @@
               <a:t>3. </a:t>
             </a:r>
             <a:r>
-              <a:rPr lang="zh-CN" altLang="en-US" dirty="0" smtClean="0"/>
-              <a:t>计算</a:t>
-            </a:r>
-            <a:r>
               <a:rPr lang="zh-CN" altLang="en-US" dirty="0"/>
-              <a:t>打车</a:t>
-            </a:r>
-            <a:r>
-              <a:rPr lang="zh-CN" altLang="en-US" dirty="0" smtClean="0"/>
-              <a:t>价格。</a:t>
-            </a:r>
-            <a:endParaRPr lang="zh-CN" altLang="en-US" dirty="0"/>
+              <a:t>计算打车价格。</a:t>
+            </a:r>
           </a:p>
         </p:txBody>
       </p:sp>
@@ -28747,11 +27889,11 @@
           <a:lstStyle/>
           <a:p>
             <a:r>
-              <a:rPr lang="en-US" altLang="zh-CN" smtClean="0"/>
+              <a:rPr lang="en-US" altLang="zh-CN"/>
               <a:t>5.5 </a:t>
             </a:r>
             <a:r>
-              <a:rPr lang="zh-CN" altLang="en-US" smtClean="0"/>
+              <a:rPr lang="zh-CN" altLang="en-US"/>
               <a:t>闭包案例</a:t>
             </a:r>
             <a:endParaRPr lang="zh-CN" altLang="en-US" dirty="0"/>
@@ -29193,30 +28335,18 @@
               <a:buAutoNum type="arabicPeriod"/>
             </a:pPr>
             <a:r>
-              <a:rPr lang="zh-CN" altLang="en-US" sz="1400" b="1" dirty="0" smtClean="0"/>
-              <a:t>闭包</a:t>
-            </a:r>
-            <a:r>
               <a:rPr lang="zh-CN" altLang="en-US" sz="1400" b="1" dirty="0"/>
-              <a:t>是什么？    </a:t>
-            </a:r>
-            <a:endParaRPr lang="en-US" altLang="zh-CN" sz="1400" b="1" dirty="0" smtClean="0"/>
-          </a:p>
-          <a:p>
-            <a:r>
-              <a:rPr lang="zh-CN" altLang="en-US" dirty="0" smtClean="0"/>
-              <a:t>闭包</a:t>
-            </a:r>
+              <a:t>闭包是什么？    </a:t>
+            </a:r>
+            <a:endParaRPr lang="en-US" altLang="zh-CN" sz="1400" b="1" dirty="0"/>
+          </a:p>
+          <a:p>
             <a:r>
               <a:rPr lang="zh-CN" altLang="en-US" dirty="0"/>
-              <a:t>是一个函数 </a:t>
-            </a:r>
-            <a:r>
-              <a:rPr lang="zh-CN" altLang="en-US" dirty="0" smtClean="0"/>
-              <a:t>（一个作用域可以访问另外一个函数的局部变量</a:t>
-            </a:r>
-            <a:r>
-              <a:rPr lang="zh-CN" altLang="en-US" dirty="0" smtClean="0">
+              <a:t>闭包是一个函数 （一个作用域可以访问另外一个函数的局部变量</a:t>
+            </a:r>
+            <a:r>
+              <a:rPr lang="zh-CN" altLang="en-US" dirty="0">
                 <a:solidFill>
                   <a:schemeClr val="tx1"/>
                 </a:solidFill>
@@ -29239,26 +28369,14 @@
               <a:rPr lang="zh-CN" altLang="en-US" sz="1400" b="1" dirty="0"/>
               <a:t>闭包的作用是什么？ </a:t>
             </a:r>
-            <a:endParaRPr lang="en-US" altLang="zh-CN" sz="1400" b="1" dirty="0" smtClean="0"/>
-          </a:p>
-          <a:p>
-            <a:r>
-              <a:rPr lang="zh-CN" altLang="en-US" dirty="0" smtClean="0">
-                <a:sym typeface="+mn-ea"/>
-              </a:rPr>
-              <a:t>延伸</a:t>
-            </a:r>
+            <a:endParaRPr lang="en-US" altLang="zh-CN" sz="1400" b="1" dirty="0"/>
+          </a:p>
+          <a:p>
             <a:r>
               <a:rPr lang="zh-CN" altLang="en-US" dirty="0">
                 <a:sym typeface="+mn-ea"/>
               </a:rPr>
-              <a:t>变量的作用</a:t>
-            </a:r>
-            <a:r>
-              <a:rPr lang="zh-CN" altLang="en-US" dirty="0" smtClean="0">
-                <a:sym typeface="+mn-ea"/>
-              </a:rPr>
-              <a:t>范围</a:t>
+              <a:t>延伸变量的作用范围</a:t>
             </a:r>
             <a:endParaRPr lang="zh-CN" altLang="en-US" dirty="0"/>
           </a:p>
@@ -29285,11 +28403,11 @@
           <a:lstStyle/>
           <a:p>
             <a:r>
-              <a:rPr lang="en-US" altLang="zh-CN" smtClean="0"/>
+              <a:rPr lang="en-US" altLang="zh-CN"/>
               <a:t>5.6 </a:t>
             </a:r>
             <a:r>
-              <a:rPr lang="zh-CN" altLang="en-US" smtClean="0"/>
+              <a:rPr lang="zh-CN" altLang="en-US"/>
               <a:t>闭包总结</a:t>
             </a:r>
             <a:endParaRPr lang="zh-CN" altLang="en-US" dirty="0"/>
@@ -29571,7 +28689,7 @@
           <a:lstStyle/>
           <a:p>
             <a:r>
-              <a:rPr noProof="0" smtClean="0">
+              <a:rPr noProof="0">
                 <a:solidFill>
                   <a:schemeClr val="tx1"/>
                 </a:solidFill>
@@ -29582,7 +28700,7 @@
           </a:p>
           <a:p>
             <a:r>
-              <a:rPr noProof="0" smtClean="0">
+              <a:rPr noProof="0">
                 <a:solidFill>
                   <a:schemeClr val="tx1"/>
                 </a:solidFill>
@@ -29593,7 +28711,7 @@
           </a:p>
           <a:p>
             <a:r>
-              <a:rPr noProof="0" smtClean="0">
+              <a:rPr noProof="0">
                 <a:solidFill>
                   <a:schemeClr val="tx1"/>
                 </a:solidFill>
@@ -29604,7 +28722,7 @@
           </a:p>
           <a:p>
             <a:r>
-              <a:rPr noProof="0" smtClean="0">
+              <a:rPr noProof="0">
                 <a:solidFill>
                   <a:schemeClr val="tx1"/>
                 </a:solidFill>
@@ -29615,7 +28733,7 @@
           </a:p>
           <a:p>
             <a:r>
-              <a:rPr noProof="0" smtClean="0">
+              <a:rPr noProof="0">
                 <a:solidFill>
                   <a:schemeClr val="tx1"/>
                 </a:solidFill>
@@ -29626,7 +28744,7 @@
           </a:p>
           <a:p>
             <a:r>
-              <a:rPr noProof="0" smtClean="0">
+              <a:rPr noProof="0">
                 <a:solidFill>
                   <a:srgbClr val="FF0000"/>
                 </a:solidFill>
@@ -29634,7 +28752,7 @@
               </a:rPr>
               <a:t>递归</a:t>
             </a:r>
-            <a:endParaRPr noProof="0" smtClean="0">
+            <a:endParaRPr noProof="0">
               <a:solidFill>
                 <a:schemeClr val="tx1"/>
               </a:solidFill>
@@ -29648,13 +28766,6 @@
   <p:clrMapOvr>
     <a:masterClrMapping/>
   </p:clrMapOvr>
-  <p:timing>
-    <p:tnLst>
-      <p:par>
-        <p:cTn id="1" dur="indefinite" restart="never" nodeType="tmRoot"/>
-      </p:par>
-    </p:tnLst>
-  </p:timing>
 </p:sld>
 </file>
 
@@ -29933,49 +29044,49 @@
           </a:lstStyle>
           <a:p>
             <a:r>
-              <a:rPr lang="en-US" altLang="zh-CN" dirty="0" smtClean="0">
+              <a:rPr lang="en-US" altLang="zh-CN" dirty="0">
                 <a:sym typeface="+mn-ea"/>
               </a:rPr>
               <a:t>1. </a:t>
             </a:r>
             <a:r>
-              <a:rPr lang="en-US" altLang="zh-CN" dirty="0" err="1" smtClean="0">
+              <a:rPr lang="en-US" altLang="zh-CN" dirty="0" err="1">
                 <a:sym typeface="+mn-ea"/>
               </a:rPr>
               <a:t>函数声明</a:t>
             </a:r>
             <a:r>
-              <a:rPr lang="zh-CN" altLang="en-US" dirty="0" smtClean="0">
+              <a:rPr lang="zh-CN" altLang="en-US" dirty="0">
                 <a:sym typeface="+mn-ea"/>
               </a:rPr>
               <a:t>方式 </a:t>
             </a:r>
             <a:r>
-              <a:rPr lang="en-US" altLang="zh-CN" dirty="0" smtClean="0">
+              <a:rPr lang="en-US" altLang="zh-CN" dirty="0">
                 <a:sym typeface="+mn-ea"/>
               </a:rPr>
               <a:t>function </a:t>
             </a:r>
             <a:r>
-              <a:rPr lang="zh-CN" altLang="en-US" dirty="0" smtClean="0">
+              <a:rPr lang="zh-CN" altLang="en-US" dirty="0">
                 <a:sym typeface="+mn-ea"/>
               </a:rPr>
               <a:t>关键字 </a:t>
             </a:r>
             <a:r>
-              <a:rPr lang="en-US" altLang="zh-CN" dirty="0" smtClean="0">
+              <a:rPr lang="en-US" altLang="zh-CN" dirty="0">
                 <a:sym typeface="+mn-ea"/>
               </a:rPr>
               <a:t>(</a:t>
             </a:r>
             <a:r>
-              <a:rPr lang="zh-CN" altLang="en-US" dirty="0" smtClean="0">
+              <a:rPr lang="zh-CN" altLang="en-US" dirty="0">
                 <a:sym typeface="+mn-ea"/>
               </a:rPr>
               <a:t>命名函数</a:t>
             </a:r>
             <a:r>
-              <a:rPr lang="en-US" altLang="zh-CN" dirty="0" smtClean="0">
+              <a:rPr lang="en-US" altLang="zh-CN" dirty="0">
                 <a:sym typeface="+mn-ea"/>
               </a:rPr>
               <a:t>)</a:t>
@@ -29983,31 +29094,31 @@
           </a:p>
           <a:p>
             <a:r>
-              <a:rPr lang="en-US" altLang="zh-CN" dirty="0" smtClean="0">
+              <a:rPr lang="en-US" altLang="zh-CN" dirty="0">
                 <a:sym typeface="+mn-ea"/>
               </a:rPr>
               <a:t>2. </a:t>
             </a:r>
             <a:r>
-              <a:rPr lang="en-US" altLang="zh-CN" dirty="0" err="1" smtClean="0">
+              <a:rPr lang="en-US" altLang="zh-CN" dirty="0" err="1">
                 <a:sym typeface="+mn-ea"/>
               </a:rPr>
               <a:t>函数表达式</a:t>
             </a:r>
             <a:r>
-              <a:rPr lang="en-US" altLang="zh-CN" dirty="0" smtClean="0">
+              <a:rPr lang="en-US" altLang="zh-CN" dirty="0">
                 <a:sym typeface="+mn-ea"/>
               </a:rPr>
               <a:t> (</a:t>
             </a:r>
             <a:r>
-              <a:rPr lang="zh-CN" altLang="en-US" dirty="0" smtClean="0">
+              <a:rPr lang="zh-CN" altLang="en-US" dirty="0">
                 <a:sym typeface="+mn-ea"/>
               </a:rPr>
               <a:t>匿名函数</a:t>
             </a:r>
             <a:r>
-              <a:rPr lang="en-US" altLang="zh-CN" dirty="0" smtClean="0">
+              <a:rPr lang="en-US" altLang="zh-CN" dirty="0">
                 <a:sym typeface="+mn-ea"/>
               </a:rPr>
               <a:t>)</a:t>
@@ -30015,7 +29126,7 @@
           </a:p>
           <a:p>
             <a:r>
-              <a:rPr lang="en-US" altLang="zh-CN" dirty="0" smtClean="0">
+              <a:rPr lang="en-US" altLang="zh-CN" dirty="0">
                 <a:sym typeface="+mn-ea"/>
               </a:rPr>
               <a:t>3. new Function()   </a:t>
@@ -30377,13 +29488,13 @@
               <a:buChar char="l"/>
             </a:pPr>
             <a:r>
-              <a:rPr lang="en-US" altLang="zh-CN" dirty="0" smtClean="0">
+              <a:rPr lang="en-US" altLang="zh-CN" dirty="0">
                 <a:sym typeface="+mn-ea"/>
               </a:rPr>
               <a:t>Function </a:t>
             </a:r>
             <a:r>
-              <a:rPr lang="zh-CN" altLang="en-US" dirty="0" smtClean="0">
+              <a:rPr lang="zh-CN" altLang="en-US" dirty="0">
                 <a:sym typeface="+mn-ea"/>
               </a:rPr>
               <a:t>里面参数都必须是字符串格式</a:t>
@@ -30395,7 +29506,7 @@
               <a:buChar char="l"/>
             </a:pPr>
             <a:r>
-              <a:rPr lang="zh-CN" altLang="en-US" dirty="0" smtClean="0">
+              <a:rPr lang="zh-CN" altLang="en-US" dirty="0">
                 <a:sym typeface="+mn-ea"/>
               </a:rPr>
               <a:t>第三种方式执行效率低，也不方便书写，因此较少使用</a:t>
@@ -30407,42 +29518,42 @@
               <a:buChar char="l"/>
             </a:pPr>
             <a:r>
-              <a:rPr lang="en-US" altLang="zh-CN" dirty="0" err="1" smtClean="0">
+              <a:rPr lang="en-US" altLang="zh-CN" dirty="0" err="1">
                 <a:sym typeface="+mn-ea"/>
               </a:rPr>
               <a:t>所有函数都是</a:t>
             </a:r>
             <a:r>
-              <a:rPr lang="en-US" altLang="zh-CN" dirty="0" smtClean="0">
+              <a:rPr lang="en-US" altLang="zh-CN" dirty="0">
                 <a:sym typeface="+mn-ea"/>
               </a:rPr>
               <a:t> Function </a:t>
             </a:r>
             <a:r>
-              <a:rPr lang="en-US" altLang="zh-CN" dirty="0" err="1" smtClean="0">
+              <a:rPr lang="en-US" altLang="zh-CN" dirty="0" err="1">
                 <a:sym typeface="+mn-ea"/>
               </a:rPr>
               <a:t>的实例</a:t>
             </a:r>
             <a:r>
-              <a:rPr lang="en-US" altLang="zh-CN" dirty="0" smtClean="0">
+              <a:rPr lang="en-US" altLang="zh-CN" dirty="0">
                 <a:sym typeface="+mn-ea"/>
               </a:rPr>
               <a:t>(</a:t>
             </a:r>
             <a:r>
-              <a:rPr lang="en-US" altLang="zh-CN" dirty="0" err="1" smtClean="0">
+              <a:rPr lang="en-US" altLang="zh-CN" dirty="0" err="1">
                 <a:sym typeface="+mn-ea"/>
               </a:rPr>
               <a:t>对象</a:t>
             </a:r>
             <a:r>
-              <a:rPr lang="en-US" altLang="zh-CN" dirty="0" smtClean="0">
+              <a:rPr lang="en-US" altLang="zh-CN" dirty="0">
                 <a:sym typeface="+mn-ea"/>
               </a:rPr>
               <a:t>)  </a:t>
             </a:r>
-            <a:endParaRPr lang="zh-CN" altLang="en-US" dirty="0" smtClean="0">
+            <a:endParaRPr lang="zh-CN" altLang="en-US" dirty="0">
               <a:sym typeface="+mn-ea"/>
             </a:endParaRPr>
           </a:p>
@@ -30452,7 +29563,7 @@
               <a:buChar char="l"/>
             </a:pPr>
             <a:r>
-              <a:rPr lang="zh-CN" altLang="en-US" dirty="0" smtClean="0">
+              <a:rPr lang="zh-CN" altLang="en-US" dirty="0">
                 <a:sym typeface="+mn-ea"/>
               </a:rPr>
               <a:t>函数也属于对象</a:t>
@@ -31186,13 +30297,13 @@
           </a:lstStyle>
           <a:p>
             <a:r>
-              <a:rPr lang="zh-CN" altLang="en-US" dirty="0" smtClean="0">
+              <a:rPr lang="zh-CN" altLang="en-US" dirty="0">
                 <a:sym typeface="+mn-ea"/>
               </a:rPr>
               <a:t>如果</a:t>
             </a:r>
             <a:r>
-              <a:rPr lang="zh-CN" altLang="en-US" dirty="0" smtClean="0">
+              <a:rPr lang="zh-CN" altLang="en-US" dirty="0">
                 <a:solidFill>
                   <a:srgbClr val="FF0000"/>
                 </a:solidFill>
@@ -31201,13 +30312,13 @@
               <a:t>一个函数在内部可以调用其本身</a:t>
             </a:r>
             <a:r>
-              <a:rPr lang="zh-CN" altLang="en-US" dirty="0" smtClean="0">
+              <a:rPr lang="zh-CN" altLang="en-US" dirty="0">
                 <a:sym typeface="+mn-ea"/>
               </a:rPr>
               <a:t>，那么这个函数就是</a:t>
             </a:r>
             <a:r>
-              <a:rPr lang="zh-CN" altLang="en-US" dirty="0" smtClean="0">
+              <a:rPr lang="zh-CN" altLang="en-US" dirty="0">
                 <a:solidFill>
                   <a:srgbClr val="FF0000"/>
                 </a:solidFill>
@@ -31216,31 +30327,27 @@
               <a:t>递归函数</a:t>
             </a:r>
             <a:r>
-              <a:rPr lang="zh-CN" altLang="en-US" dirty="0" smtClean="0">
+              <a:rPr lang="zh-CN" altLang="en-US" dirty="0">
                 <a:sym typeface="+mn-ea"/>
               </a:rPr>
               <a:t>。</a:t>
             </a:r>
-            <a:endParaRPr lang="en-US" altLang="zh-CN" dirty="0" smtClean="0">
+            <a:endParaRPr lang="en-US" altLang="zh-CN" dirty="0">
               <a:sym typeface="+mn-ea"/>
             </a:endParaRPr>
           </a:p>
           <a:p>
             <a:r>
-              <a:rPr lang="zh-CN" altLang="en-US" dirty="0" smtClean="0"/>
+              <a:rPr lang="zh-CN" altLang="en-US" dirty="0"/>
               <a:t>简单理解</a:t>
             </a:r>
             <a:r>
-              <a:rPr lang="en-US" altLang="zh-CN" dirty="0" smtClean="0"/>
+              <a:rPr lang="en-US" altLang="zh-CN" dirty="0"/>
               <a:t>:</a:t>
             </a:r>
             <a:r>
-              <a:rPr lang="zh-CN" altLang="en-US" dirty="0" smtClean="0"/>
-              <a:t>函数</a:t>
-            </a:r>
-            <a:r>
               <a:rPr lang="zh-CN" altLang="en-US" dirty="0"/>
-              <a:t>内部自己调用自己</a:t>
+              <a:t>函数内部自己调用自己</a:t>
             </a:r>
             <a:r>
               <a:rPr lang="en-US" altLang="zh-CN" dirty="0"/>
@@ -31248,36 +30355,32 @@
             </a:r>
             <a:r>
               <a:rPr lang="zh-CN" altLang="en-US" dirty="0"/>
-              <a:t>这个函数就是</a:t>
-            </a:r>
-            <a:r>
-              <a:rPr lang="zh-CN" altLang="en-US" dirty="0" smtClean="0"/>
-              <a:t>递归函数</a:t>
-            </a:r>
-            <a:endParaRPr lang="en-US" altLang="zh-CN" dirty="0" smtClean="0">
+              <a:t>这个函数就是递归函数</a:t>
+            </a:r>
+            <a:endParaRPr lang="en-US" altLang="zh-CN" dirty="0">
               <a:sym typeface="+mn-ea"/>
             </a:endParaRPr>
           </a:p>
           <a:p>
             <a:r>
-              <a:rPr lang="zh-CN" altLang="en-US" dirty="0" smtClean="0">
+              <a:rPr lang="zh-CN" altLang="en-US" dirty="0">
                 <a:sym typeface="+mn-ea"/>
               </a:rPr>
               <a:t>递归函数的作用和循环效果一样</a:t>
             </a:r>
-            <a:endParaRPr lang="en-US" altLang="zh-CN" dirty="0" smtClean="0">
+            <a:endParaRPr lang="en-US" altLang="zh-CN" dirty="0">
               <a:sym typeface="+mn-ea"/>
             </a:endParaRPr>
           </a:p>
           <a:p>
             <a:r>
-              <a:rPr lang="zh-CN" altLang="en-US" dirty="0" smtClean="0">
+              <a:rPr lang="zh-CN" altLang="en-US" dirty="0">
                 <a:sym typeface="+mn-ea"/>
               </a:rPr>
               <a:t>由于递归很容易发生“栈溢出”错误（stack overflow），所以</a:t>
             </a:r>
             <a:r>
-              <a:rPr lang="zh-CN" altLang="en-US" dirty="0" smtClean="0">
+              <a:rPr lang="zh-CN" altLang="en-US" dirty="0">
                 <a:solidFill>
                   <a:srgbClr val="FF0000"/>
                 </a:solidFill>
@@ -31286,7 +30389,7 @@
               <a:t>必须要加退出条件 </a:t>
             </a:r>
             <a:r>
-              <a:rPr lang="en-US" altLang="zh-CN" dirty="0" smtClean="0">
+              <a:rPr lang="en-US" altLang="zh-CN" dirty="0">
                 <a:solidFill>
                   <a:srgbClr val="FF0000"/>
                 </a:solidFill>
@@ -31295,7 +30398,7 @@
               <a:t>return</a:t>
             </a:r>
             <a:r>
-              <a:rPr lang="zh-CN" altLang="en-US" dirty="0" smtClean="0">
+              <a:rPr lang="zh-CN" altLang="en-US" dirty="0">
                 <a:sym typeface="+mn-ea"/>
               </a:rPr>
               <a:t>。</a:t>
@@ -31816,25 +30919,25 @@
           </a:lstStyle>
           <a:p>
             <a:r>
-              <a:rPr lang="en-US" altLang="zh-CN" dirty="0" smtClean="0">
+              <a:rPr lang="en-US" altLang="zh-CN" dirty="0">
                 <a:sym typeface="+mn-ea"/>
               </a:rPr>
               <a:t>1. </a:t>
             </a:r>
             <a:r>
-              <a:rPr lang="zh-CN" altLang="en-US" dirty="0" smtClean="0">
+              <a:rPr lang="zh-CN" altLang="en-US" dirty="0">
                 <a:sym typeface="+mn-ea"/>
               </a:rPr>
               <a:t>求 </a:t>
             </a:r>
             <a:r>
-              <a:rPr lang="en-US" altLang="zh-CN" dirty="0" smtClean="0">
+              <a:rPr lang="en-US" altLang="zh-CN" dirty="0">
                 <a:sym typeface="+mn-ea"/>
               </a:rPr>
               <a:t>1 * 2 *3 ... * n   </a:t>
             </a:r>
             <a:r>
-              <a:rPr lang="zh-CN" altLang="en-US" dirty="0" smtClean="0">
+              <a:rPr lang="zh-CN" altLang="en-US" dirty="0">
                 <a:sym typeface="+mn-ea"/>
               </a:rPr>
               <a:t>阶乘。</a:t>
@@ -31842,13 +30945,13 @@
           </a:p>
           <a:p>
             <a:r>
-              <a:rPr lang="en-US" altLang="zh-CN" dirty="0" smtClean="0">
+              <a:rPr lang="en-US" altLang="zh-CN" dirty="0">
                 <a:sym typeface="+mn-ea"/>
               </a:rPr>
               <a:t>2. </a:t>
             </a:r>
             <a:r>
-              <a:rPr lang="zh-CN" altLang="en-US" dirty="0" smtClean="0">
+              <a:rPr lang="zh-CN" altLang="en-US" dirty="0">
                 <a:sym typeface="+mn-ea"/>
               </a:rPr>
               <a:t>求斐波那契数列 。</a:t>
@@ -31856,13 +30959,13 @@
           </a:p>
           <a:p>
             <a:r>
-              <a:rPr lang="en-US" altLang="zh-CN" dirty="0" smtClean="0">
+              <a:rPr lang="en-US" altLang="zh-CN" dirty="0">
                 <a:sym typeface="+mn-ea"/>
               </a:rPr>
               <a:t>3. </a:t>
             </a:r>
             <a:r>
-              <a:rPr lang="zh-CN" altLang="en-US" dirty="0" smtClean="0">
+              <a:rPr lang="zh-CN" altLang="en-US" dirty="0">
                 <a:sym typeface="+mn-ea"/>
               </a:rPr>
               <a:t>根据</a:t>
@@ -31874,7 +30977,7 @@
               <a:t>id</a:t>
             </a:r>
             <a:r>
-              <a:rPr lang="zh-CN" altLang="en-US" dirty="0" smtClean="0">
+              <a:rPr lang="zh-CN" altLang="en-US" dirty="0">
                 <a:sym typeface="+mn-ea"/>
               </a:rPr>
               <a:t>返回对应的数据对象</a:t>
@@ -32345,7 +31448,7 @@
             </a:lvl9pPr>
           </a:lstStyle>
           <a:p>
-            <a:endParaRPr lang="zh-CN" altLang="en-US" dirty="0" smtClean="0">
+            <a:endParaRPr lang="zh-CN" altLang="en-US" dirty="0">
               <a:sym typeface="+mn-ea"/>
             </a:endParaRPr>
           </a:p>
@@ -32372,23 +31475,19 @@
           <a:lstStyle/>
           <a:p>
             <a:r>
-              <a:rPr lang="en-US" altLang="zh-CN" dirty="0" smtClean="0"/>
+              <a:rPr lang="en-US" altLang="zh-CN" dirty="0"/>
               <a:t>6.3 </a:t>
             </a:r>
             <a:r>
               <a:rPr lang="zh-CN" altLang="en-US" dirty="0"/>
-              <a:t>利用递归</a:t>
-            </a:r>
-            <a:r>
-              <a:rPr lang="zh-CN" altLang="en-US" dirty="0" smtClean="0"/>
-              <a:t>求</a:t>
-            </a:r>
-            <a:r>
-              <a:rPr lang="en-US" altLang="zh-CN" dirty="0" smtClean="0"/>
+              <a:t>利用递归求</a:t>
+            </a:r>
+            <a:r>
+              <a:rPr lang="en-US" altLang="zh-CN" dirty="0"/>
               <a:t>:</a:t>
             </a:r>
             <a:r>
-              <a:rPr lang="zh-CN" altLang="en-US" dirty="0" smtClean="0">
+              <a:rPr lang="zh-CN" altLang="en-US" dirty="0">
                 <a:sym typeface="+mn-ea"/>
               </a:rPr>
               <a:t>根据</a:t>
@@ -32751,7 +31850,7 @@
             </a:lvl9pPr>
           </a:lstStyle>
           <a:p>
-            <a:endParaRPr lang="zh-CN" altLang="en-US" dirty="0" smtClean="0">
+            <a:endParaRPr lang="zh-CN" altLang="en-US" dirty="0">
               <a:sym typeface="+mn-ea"/>
             </a:endParaRPr>
           </a:p>
@@ -32778,11 +31877,11 @@
           <a:lstStyle/>
           <a:p>
             <a:r>
-              <a:rPr lang="en-US" altLang="zh-CN" dirty="0" smtClean="0"/>
+              <a:rPr lang="en-US" altLang="zh-CN" dirty="0"/>
               <a:t>6.4 </a:t>
             </a:r>
             <a:r>
-              <a:rPr lang="zh-CN" altLang="en-US" dirty="0" smtClean="0"/>
+              <a:rPr lang="zh-CN" altLang="en-US" dirty="0"/>
               <a:t>浅拷贝和深拷贝</a:t>
             </a:r>
             <a:endParaRPr lang="zh-CN" altLang="en-US" dirty="0">
@@ -32984,25 +32083,25 @@
               <a:buAutoNum type="arabicPeriod"/>
             </a:pPr>
             <a:r>
-              <a:rPr lang="zh-CN" altLang="en-US" dirty="0" smtClean="0">
+              <a:rPr lang="zh-CN" altLang="en-US" dirty="0">
                 <a:sym typeface="+mn-ea"/>
               </a:rPr>
               <a:t>浅拷贝只是拷贝一层</a:t>
             </a:r>
             <a:r>
-              <a:rPr lang="en-US" altLang="zh-CN" dirty="0" smtClean="0">
+              <a:rPr lang="en-US" altLang="zh-CN" dirty="0">
                 <a:sym typeface="+mn-ea"/>
               </a:rPr>
               <a:t>, </a:t>
             </a:r>
             <a:r>
-              <a:rPr lang="zh-CN" altLang="en-US" dirty="0" smtClean="0">
+              <a:rPr lang="zh-CN" altLang="en-US" dirty="0">
                 <a:sym typeface="+mn-ea"/>
               </a:rPr>
               <a:t>更深层次对象级别的只拷贝引用</a:t>
             </a:r>
             <a:r>
-              <a:rPr lang="en-US" altLang="zh-CN" dirty="0" smtClean="0">
+              <a:rPr lang="en-US" altLang="zh-CN" dirty="0">
                 <a:sym typeface="+mn-ea"/>
               </a:rPr>
               <a:t>.</a:t>
@@ -33013,25 +32112,25 @@
               <a:buAutoNum type="arabicPeriod"/>
             </a:pPr>
             <a:r>
-              <a:rPr lang="zh-CN" altLang="en-US" dirty="0" smtClean="0">
+              <a:rPr lang="zh-CN" altLang="en-US" dirty="0">
                 <a:sym typeface="+mn-ea"/>
               </a:rPr>
               <a:t>深拷贝拷贝多层</a:t>
             </a:r>
             <a:r>
-              <a:rPr lang="en-US" altLang="zh-CN" dirty="0" smtClean="0">
+              <a:rPr lang="en-US" altLang="zh-CN" dirty="0">
                 <a:sym typeface="+mn-ea"/>
               </a:rPr>
               <a:t>, </a:t>
             </a:r>
             <a:r>
-              <a:rPr lang="zh-CN" altLang="en-US" dirty="0" smtClean="0">
+              <a:rPr lang="zh-CN" altLang="en-US" dirty="0">
                 <a:sym typeface="+mn-ea"/>
               </a:rPr>
               <a:t>每一级别的数据都会拷贝</a:t>
             </a:r>
             <a:r>
-              <a:rPr lang="en-US" altLang="zh-CN" dirty="0" smtClean="0">
+              <a:rPr lang="en-US" altLang="zh-CN" dirty="0">
                 <a:sym typeface="+mn-ea"/>
               </a:rPr>
               <a:t>.</a:t>
@@ -33062,11 +32161,11 @@
               <a:t>sources</a:t>
             </a:r>
             <a:r>
-              <a:rPr lang="en-US" altLang="zh-CN" dirty="0" smtClean="0"/>
+              <a:rPr lang="en-US" altLang="zh-CN" dirty="0"/>
               <a:t>)    </a:t>
             </a:r>
             <a:r>
-              <a:rPr lang="en-US" altLang="zh-CN" dirty="0" smtClean="0">
+              <a:rPr lang="en-US" altLang="zh-CN" dirty="0">
                 <a:sym typeface="+mn-ea"/>
               </a:rPr>
               <a:t>es6 </a:t>
@@ -33077,9 +32176,6 @@
               </a:rPr>
               <a:t>新增方法可以浅拷贝</a:t>
             </a:r>
-            <a:endParaRPr lang="zh-CN" altLang="en-US" dirty="0" smtClean="0">
-              <a:sym typeface="+mn-ea"/>
-            </a:endParaRPr>
           </a:p>
         </p:txBody>
       </p:sp>
@@ -33350,13 +32446,6 @@
   <p:clrMapOvr>
     <a:masterClrMapping/>
   </p:clrMapOvr>
-  <p:timing>
-    <p:tnLst>
-      <p:par>
-        <p:cTn id="1" dur="indefinite" restart="never" nodeType="tmRoot"/>
-      </p:par>
-    </p:tnLst>
-  </p:timing>
 </p:sld>
 </file>
 
@@ -33482,14 +32571,14 @@
           <a:p>
             <a:pPr algn="ctr"/>
             <a:r>
-              <a:rPr lang="en-US" altLang="zh-CN" dirty="0" smtClean="0"/>
+              <a:rPr lang="en-US" altLang="zh-CN" dirty="0"/>
               <a:t>Function</a:t>
             </a:r>
           </a:p>
           <a:p>
             <a:pPr algn="ctr"/>
             <a:r>
-              <a:rPr lang="en-US" altLang="zh-CN" dirty="0" smtClean="0"/>
+              <a:rPr lang="en-US" altLang="zh-CN" dirty="0"/>
               <a:t> </a:t>
             </a:r>
             <a:r>
@@ -33536,16 +32625,12 @@
           <a:p>
             <a:pPr algn="ctr"/>
             <a:r>
-              <a:rPr lang="en-US" altLang="zh-CN" dirty="0" smtClean="0"/>
+              <a:rPr lang="en-US" altLang="zh-CN" dirty="0"/>
               <a:t>f</a:t>
             </a:r>
             <a:r>
-              <a:rPr lang="zh-CN" altLang="en-US" dirty="0" smtClean="0"/>
-              <a:t>对象</a:t>
-            </a:r>
-            <a:r>
               <a:rPr lang="zh-CN" altLang="en-US" dirty="0"/>
-              <a:t>实例</a:t>
+              <a:t>对象实例</a:t>
             </a:r>
           </a:p>
         </p:txBody>
@@ -33587,11 +32672,11 @@
           <a:p>
             <a:pPr algn="ctr"/>
             <a:r>
-              <a:rPr lang="en-US" altLang="zh-CN" dirty="0" smtClean="0"/>
+              <a:rPr lang="en-US" altLang="zh-CN" dirty="0"/>
               <a:t>Function</a:t>
             </a:r>
             <a:r>
-              <a:rPr lang="zh-CN" dirty="0" smtClean="0"/>
+              <a:rPr lang="zh-CN" dirty="0"/>
               <a:t>原型对象</a:t>
             </a:r>
             <a:endParaRPr lang="en-US" altLang="zh-CN" dirty="0"/>
@@ -33721,15 +32806,7 @@
           <a:p>
             <a:r>
               <a:rPr lang="en-US" altLang="zh-CN" sz="1200" dirty="0" err="1"/>
-              <a:t>f</a:t>
-            </a:r>
-            <a:r>
-              <a:rPr lang="en-US" altLang="zh-CN" sz="1200" dirty="0" err="1" smtClean="0"/>
-              <a:t>.__</a:t>
-            </a:r>
-            <a:r>
-              <a:rPr lang="en-US" altLang="zh-CN" sz="1200" dirty="0" err="1"/>
-              <a:t>proto</a:t>
+              <a:t>f.__proto</a:t>
             </a:r>
             <a:r>
               <a:rPr lang="en-US" altLang="zh-CN" sz="1200" dirty="0"/>
@@ -33762,7 +32839,7 @@
           <a:p>
             <a:pPr algn="l"/>
             <a:r>
-              <a:rPr lang="en-US" sz="1200" dirty="0" err="1" smtClean="0"/>
+              <a:rPr lang="en-US" sz="1200" dirty="0" err="1"/>
               <a:t>Function.prototype</a:t>
             </a:r>
             <a:endParaRPr lang="en-US" sz="1200" dirty="0"/>
@@ -33826,19 +32903,19 @@
           <a:p>
             <a:pPr algn="l"/>
             <a:r>
-              <a:rPr lang="en-US" sz="1200" dirty="0" smtClean="0"/>
+              <a:rPr lang="en-US" sz="1200" dirty="0"/>
               <a:t>Function</a:t>
             </a:r>
             <a:r>
-              <a:rPr lang="zh-CN" altLang="en-US" sz="1200" dirty="0" smtClean="0"/>
+              <a:rPr lang="zh-CN" altLang="en-US" sz="1200" dirty="0"/>
               <a:t>原型对象</a:t>
             </a:r>
             <a:r>
-              <a:rPr lang="en-US" sz="1200" dirty="0" smtClean="0"/>
+              <a:rPr lang="en-US" sz="1200" dirty="0"/>
               <a:t>.</a:t>
             </a:r>
             <a:r>
-              <a:rPr lang="en-US" altLang="zh-CN" sz="1200" dirty="0" smtClean="0"/>
+              <a:rPr lang="en-US" altLang="zh-CN" sz="1200" dirty="0"/>
               <a:t>constructor</a:t>
             </a:r>
             <a:endParaRPr lang="en-US" sz="1200" dirty="0"/>
@@ -33856,13 +32933,6 @@
     <a:masterClrMapping/>
   </p:clrMapOvr>
   <p:transition/>
-  <p:timing>
-    <p:tnLst>
-      <p:par>
-        <p:cTn id="1" dur="indefinite" restart="never" nodeType="tmRoot"/>
-      </p:par>
-    </p:tnLst>
-  </p:timing>
 </p:sld>
 </file>
 
@@ -34110,99 +33180,99 @@
           </a:lstStyle>
           <a:p>
             <a:r>
-              <a:rPr dirty="0" smtClean="0">
+              <a:rPr dirty="0">
                 <a:sym typeface="+mn-ea"/>
               </a:rPr>
               <a:t>1. </a:t>
             </a:r>
             <a:r>
-              <a:rPr dirty="0" err="1" smtClean="0">
+              <a:rPr dirty="0" err="1">
                 <a:sym typeface="+mn-ea"/>
               </a:rPr>
               <a:t>普通函数</a:t>
             </a:r>
-            <a:endParaRPr dirty="0" smtClean="0">
+            <a:endParaRPr dirty="0">
               <a:sym typeface="+mn-ea"/>
             </a:endParaRPr>
           </a:p>
           <a:p>
             <a:r>
-              <a:rPr lang="en-US" dirty="0" smtClean="0">
+              <a:rPr lang="en-US" dirty="0">
                 <a:sym typeface="+mn-ea"/>
               </a:rPr>
               <a:t>2</a:t>
             </a:r>
             <a:r>
-              <a:rPr dirty="0" smtClean="0">
+              <a:rPr dirty="0">
                 <a:sym typeface="+mn-ea"/>
               </a:rPr>
               <a:t>. </a:t>
             </a:r>
             <a:r>
-              <a:rPr dirty="0" err="1" smtClean="0">
+              <a:rPr dirty="0" err="1">
                 <a:sym typeface="+mn-ea"/>
               </a:rPr>
               <a:t>对象的方法</a:t>
             </a:r>
-            <a:endParaRPr dirty="0" smtClean="0">
+            <a:endParaRPr dirty="0">
               <a:sym typeface="+mn-ea"/>
             </a:endParaRPr>
           </a:p>
           <a:p>
             <a:r>
-              <a:rPr lang="en-US" dirty="0" smtClean="0">
+              <a:rPr lang="en-US" dirty="0">
                 <a:sym typeface="+mn-ea"/>
               </a:rPr>
               <a:t>3</a:t>
             </a:r>
             <a:r>
-              <a:rPr dirty="0" smtClean="0">
+              <a:rPr dirty="0">
                 <a:sym typeface="+mn-ea"/>
               </a:rPr>
               <a:t>. </a:t>
             </a:r>
             <a:r>
-              <a:rPr dirty="0" err="1" smtClean="0">
+              <a:rPr dirty="0" err="1">
                 <a:sym typeface="+mn-ea"/>
               </a:rPr>
               <a:t>构造函数</a:t>
             </a:r>
-            <a:endParaRPr dirty="0" smtClean="0">
+            <a:endParaRPr dirty="0">
               <a:sym typeface="+mn-ea"/>
             </a:endParaRPr>
           </a:p>
           <a:p>
             <a:r>
-              <a:rPr dirty="0" smtClean="0">
+              <a:rPr dirty="0">
                 <a:sym typeface="+mn-ea"/>
               </a:rPr>
               <a:t>4. </a:t>
             </a:r>
             <a:r>
-              <a:rPr lang="zh-CN" dirty="0" smtClean="0">
+              <a:rPr lang="zh-CN" dirty="0">
                 <a:sym typeface="+mn-ea"/>
               </a:rPr>
               <a:t>绑定事件</a:t>
             </a:r>
             <a:r>
-              <a:rPr dirty="0" err="1" smtClean="0">
+              <a:rPr dirty="0" err="1">
                 <a:sym typeface="+mn-ea"/>
               </a:rPr>
               <a:t>函数</a:t>
             </a:r>
-            <a:endParaRPr dirty="0" smtClean="0">
+            <a:endParaRPr dirty="0">
               <a:sym typeface="+mn-ea"/>
             </a:endParaRPr>
           </a:p>
           <a:p>
             <a:r>
-              <a:rPr lang="en-US" dirty="0" smtClean="0">
+              <a:rPr lang="en-US" dirty="0">
                 <a:sym typeface="+mn-ea"/>
               </a:rPr>
               <a:t>5. </a:t>
             </a:r>
             <a:r>
-              <a:rPr lang="zh-CN" altLang="en-US" dirty="0" smtClean="0">
+              <a:rPr lang="zh-CN" altLang="en-US" dirty="0">
                 <a:sym typeface="+mn-ea"/>
               </a:rPr>
               <a:t>定时器函数</a:t>
@@ -34210,13 +33280,13 @@
           </a:p>
           <a:p>
             <a:r>
-              <a:rPr lang="en-US" altLang="zh-CN" dirty="0" smtClean="0">
+              <a:rPr lang="en-US" altLang="zh-CN" dirty="0">
                 <a:sym typeface="+mn-ea"/>
               </a:rPr>
               <a:t>6. </a:t>
             </a:r>
             <a:r>
-              <a:rPr lang="zh-CN" altLang="en-US" dirty="0" smtClean="0">
+              <a:rPr lang="zh-CN" altLang="en-US" dirty="0">
                 <a:sym typeface="+mn-ea"/>
               </a:rPr>
               <a:t>立即执行函数</a:t>
@@ -34245,19 +33315,17 @@
           <a:lstStyle/>
           <a:p>
             <a:r>
-              <a:rPr lang="en-US" altLang="zh-CN" smtClean="0"/>
+              <a:rPr lang="en-US" altLang="zh-CN"/>
               <a:t>1.2 </a:t>
             </a:r>
             <a:r>
-              <a:rPr smtClean="0"/>
               <a:t>函数的</a:t>
             </a:r>
             <a:r>
-              <a:rPr lang="zh-CN" altLang="en-US" smtClean="0"/>
+              <a:rPr lang="zh-CN" altLang="en-US"/>
               <a:t>调用</a:t>
             </a:r>
             <a:r>
-              <a:rPr smtClean="0"/>
               <a:t>方式</a:t>
             </a:r>
             <a:endParaRPr dirty="0"/>
@@ -34637,7 +33705,7 @@
           <a:lstStyle/>
           <a:p>
             <a:r>
-              <a:rPr noProof="0" smtClean="0">
+              <a:rPr noProof="0">
                 <a:solidFill>
                   <a:schemeClr val="tx1"/>
                 </a:solidFill>
@@ -34648,7 +33716,7 @@
           </a:p>
           <a:p>
             <a:r>
-              <a:rPr noProof="0" smtClean="0">
+              <a:rPr noProof="0">
                 <a:solidFill>
                   <a:srgbClr val="FF0000"/>
                 </a:solidFill>
@@ -34656,7 +33724,7 @@
               </a:rPr>
               <a:t>this</a:t>
             </a:r>
-            <a:endParaRPr noProof="0" smtClean="0">
+            <a:endParaRPr noProof="0">
               <a:solidFill>
                 <a:schemeClr val="tx1"/>
               </a:solidFill>
@@ -34665,7 +33733,7 @@
           </a:p>
           <a:p>
             <a:r>
-              <a:rPr noProof="0" smtClean="0">
+              <a:rPr noProof="0">
                 <a:solidFill>
                   <a:schemeClr val="tx1"/>
                 </a:solidFill>
@@ -34676,7 +33744,7 @@
           </a:p>
           <a:p>
             <a:r>
-              <a:rPr noProof="0" smtClean="0">
+              <a:rPr noProof="0">
                 <a:solidFill>
                   <a:schemeClr val="tx1"/>
                 </a:solidFill>
@@ -34687,7 +33755,7 @@
           </a:p>
           <a:p>
             <a:r>
-              <a:rPr noProof="0" smtClean="0">
+              <a:rPr noProof="0">
                 <a:solidFill>
                   <a:schemeClr val="tx1"/>
                 </a:solidFill>
@@ -34698,7 +33766,7 @@
           </a:p>
           <a:p>
             <a:r>
-              <a:rPr noProof="0" smtClean="0">
+              <a:rPr noProof="0">
                 <a:solidFill>
                   <a:schemeClr val="tx1"/>
                 </a:solidFill>
@@ -34714,13 +33782,6 @@
   <p:clrMapOvr>
     <a:masterClrMapping/>
   </p:clrMapOvr>
-  <p:timing>
-    <p:tnLst>
-      <p:par>
-        <p:cTn id="1" dur="indefinite" restart="never" nodeType="tmRoot"/>
-      </p:par>
-    </p:tnLst>
-  </p:timing>
 </p:sld>
 </file>
 
@@ -34800,23 +33861,15 @@
             </a:r>
             <a:r>
               <a:rPr lang="zh-CN" altLang="en-US"/>
-              <a:t>函数</a:t>
-            </a:r>
-            <a:r>
-              <a:rPr lang="zh-CN" altLang="en-US" smtClean="0"/>
-              <a:t>内 </a:t>
-            </a:r>
-            <a:r>
-              <a:rPr lang="en-US" altLang="zh-CN" smtClean="0"/>
+              <a:t>函数内 </a:t>
+            </a:r>
+            <a:r>
+              <a:rPr lang="en-US" altLang="zh-CN"/>
               <a:t>this </a:t>
             </a:r>
             <a:r>
-              <a:rPr lang="zh-CN" altLang="en-US" smtClean="0"/>
-              <a:t>的</a:t>
-            </a:r>
-            <a:r>
               <a:rPr lang="zh-CN" altLang="en-US"/>
-              <a:t>指向</a:t>
+              <a:t>的指向</a:t>
             </a:r>
             <a:endParaRPr lang="zh-CN" altLang="en-US" dirty="0"/>
           </a:p>
@@ -35053,7 +34106,7 @@
           </a:lstStyle>
           <a:p>
             <a:r>
-              <a:rPr lang="zh-CN" dirty="0" smtClean="0">
+              <a:rPr lang="zh-CN" dirty="0">
                 <a:solidFill>
                   <a:schemeClr val="tx1"/>
                 </a:solidFill>
@@ -35062,7 +34115,7 @@
               <a:t>这些</a:t>
             </a:r>
             <a:r>
-              <a:rPr lang="en-US" altLang="zh-CN" dirty="0" smtClean="0">
+              <a:rPr lang="en-US" altLang="zh-CN" dirty="0">
                 <a:solidFill>
                   <a:schemeClr val="tx1"/>
                 </a:solidFill>
@@ -35071,34 +34124,16 @@
               <a:t> this </a:t>
             </a:r>
             <a:r>
-              <a:rPr lang="zh-CN" altLang="en-US" dirty="0" smtClean="0">
-                <a:solidFill>
-                  <a:schemeClr val="tx1"/>
-                </a:solidFill>
-                <a:sym typeface="+mn-ea"/>
-              </a:rPr>
-              <a:t>的指向</a:t>
-            </a:r>
-            <a:r>
               <a:rPr lang="zh-CN" altLang="en-US" dirty="0">
                 <a:solidFill>
                   <a:schemeClr val="tx1"/>
                 </a:solidFill>
                 <a:sym typeface="+mn-ea"/>
               </a:rPr>
-              <a:t>，是当我们调用函数的时候确定的</a:t>
-            </a:r>
-            <a:r>
-              <a:rPr lang="zh-CN" altLang="en-US" dirty="0" smtClean="0">
-                <a:solidFill>
-                  <a:schemeClr val="tx1"/>
-                </a:solidFill>
-                <a:sym typeface="+mn-ea"/>
-              </a:rPr>
-              <a:t>。 调用方式的不同决定了</a:t>
-            </a:r>
-            <a:r>
-              <a:rPr lang="en-US" altLang="zh-CN" dirty="0" smtClean="0">
+              <a:t>的指向，是当我们调用函数的时候确定的。 调用方式的不同决定了</a:t>
+            </a:r>
+            <a:r>
+              <a:rPr lang="en-US" altLang="zh-CN" dirty="0">
                 <a:solidFill>
                   <a:schemeClr val="tx1"/>
                 </a:solidFill>
@@ -35107,7 +34142,7 @@
               <a:t>this </a:t>
             </a:r>
             <a:r>
-              <a:rPr lang="zh-CN" altLang="en-US" dirty="0" smtClean="0">
+              <a:rPr lang="zh-CN" altLang="en-US" dirty="0">
                 <a:solidFill>
                   <a:schemeClr val="tx1"/>
                 </a:solidFill>
@@ -35115,7 +34150,7 @@
               </a:rPr>
               <a:t>的指向不同</a:t>
             </a:r>
-            <a:endParaRPr lang="en-US" altLang="zh-CN" dirty="0" smtClean="0">
+            <a:endParaRPr lang="en-US" altLang="zh-CN" dirty="0">
               <a:solidFill>
                 <a:schemeClr val="tx1"/>
               </a:solidFill>
@@ -35124,7 +34159,7 @@
           </a:p>
           <a:p>
             <a:r>
-              <a:rPr lang="zh-CN" altLang="en-US" dirty="0" smtClean="0">
+              <a:rPr lang="zh-CN" altLang="en-US" dirty="0">
                 <a:solidFill>
                   <a:schemeClr val="tx1"/>
                 </a:solidFill>
@@ -35133,7 +34168,7 @@
               <a:t>一般指向我们的调用者</a:t>
             </a:r>
             <a:r>
-              <a:rPr lang="en-US" altLang="zh-CN" dirty="0" smtClean="0">
+              <a:rPr lang="en-US" altLang="zh-CN" dirty="0">
                 <a:solidFill>
                   <a:schemeClr val="tx1"/>
                 </a:solidFill>
@@ -35141,7 +34176,7 @@
               </a:rPr>
               <a:t>.</a:t>
             </a:r>
-            <a:endParaRPr lang="zh-CN" altLang="en-US" dirty="0" smtClean="0">
+            <a:endParaRPr lang="zh-CN" altLang="en-US" dirty="0">
               <a:solidFill>
                 <a:schemeClr val="tx1"/>
               </a:solidFill>
@@ -35156,13 +34191,6 @@
     <a:masterClrMapping/>
   </p:clrMapOvr>
   <p:transition/>
-  <p:timing>
-    <p:tnLst>
-      <p:par>
-        <p:cTn id="1" dur="indefinite" restart="never" nodeType="tmRoot"/>
-      </p:par>
-    </p:tnLst>
-  </p:timing>
 </p:sld>
 </file>
 
@@ -35406,7 +34434,7 @@
           </a:lstStyle>
           <a:p>
             <a:r>
-              <a:rPr lang="zh-CN" altLang="en-US" smtClean="0">
+              <a:rPr lang="zh-CN" altLang="en-US">
                 <a:solidFill>
                   <a:prstClr val="black">
                     <a:lumMod val="85000"/>
@@ -35415,10 +34443,10 @@
                 </a:solidFill>
                 <a:sym typeface="+mn-ea"/>
               </a:rPr>
-              <a:t>JavaScript 为我们专门提供了一些函数方法来帮我们更优雅的处理函数内部 this 的指向问题，常用的</a:t>
-            </a:r>
-            <a:r>
-              <a:rPr lang="zh-CN" altLang="en-US">
+              <a:t>JavaScript 为我们专门提供了一些函数方法来帮我们更优雅的处理函数内部 this 的指向问题，常用的有 </a:t>
+            </a:r>
+            <a:r>
+              <a:rPr lang="en-US" altLang="zh-CN">
                 <a:solidFill>
                   <a:prstClr val="black">
                     <a:lumMod val="85000"/>
@@ -35427,10 +34455,10 @@
                 </a:solidFill>
                 <a:sym typeface="+mn-ea"/>
               </a:rPr>
-              <a:t>有</a:t>
-            </a:r>
-            <a:r>
-              <a:rPr lang="zh-CN" altLang="en-US" smtClean="0">
+              <a:t>bind()</a:t>
+            </a:r>
+            <a:r>
+              <a:rPr lang="zh-CN" altLang="en-US">
                 <a:solidFill>
                   <a:prstClr val="black">
                     <a:lumMod val="85000"/>
@@ -35439,10 +34467,10 @@
                 </a:solidFill>
                 <a:sym typeface="+mn-ea"/>
               </a:rPr>
-              <a:t> </a:t>
-            </a:r>
-            <a:r>
-              <a:rPr lang="en-US" altLang="zh-CN" smtClean="0">
+              <a:t>、</a:t>
+            </a:r>
+            <a:r>
+              <a:rPr lang="en-US" altLang="zh-CN">
                 <a:solidFill>
                   <a:prstClr val="black">
                     <a:lumMod val="85000"/>
@@ -35451,10 +34479,10 @@
                 </a:solidFill>
                 <a:sym typeface="+mn-ea"/>
               </a:rPr>
-              <a:t>bind()</a:t>
-            </a:r>
-            <a:r>
-              <a:rPr lang="zh-CN" altLang="en-US" smtClean="0">
+              <a:t>call()</a:t>
+            </a:r>
+            <a:r>
+              <a:rPr lang="zh-CN" altLang="en-US">
                 <a:solidFill>
                   <a:prstClr val="black">
                     <a:lumMod val="85000"/>
@@ -35466,7 +34494,7 @@
               <a:t>、</a:t>
             </a:r>
             <a:r>
-              <a:rPr lang="en-US" altLang="zh-CN" smtClean="0">
+              <a:rPr lang="en-US" altLang="zh-CN">
                 <a:solidFill>
                   <a:prstClr val="black">
                     <a:lumMod val="85000"/>
@@ -35475,34 +34503,10 @@
                 </a:solidFill>
                 <a:sym typeface="+mn-ea"/>
               </a:rPr>
-              <a:t>call()</a:t>
-            </a:r>
-            <a:r>
-              <a:rPr lang="zh-CN" altLang="en-US" smtClean="0">
-                <a:solidFill>
-                  <a:prstClr val="black">
-                    <a:lumMod val="85000"/>
-                    <a:lumOff val="15000"/>
-                  </a:prstClr>
-                </a:solidFill>
-                <a:sym typeface="+mn-ea"/>
-              </a:rPr>
-              <a:t>、</a:t>
-            </a:r>
-            <a:r>
-              <a:rPr lang="en-US" altLang="zh-CN" smtClean="0">
-                <a:solidFill>
-                  <a:prstClr val="black">
-                    <a:lumMod val="85000"/>
-                    <a:lumOff val="15000"/>
-                  </a:prstClr>
-                </a:solidFill>
-                <a:sym typeface="+mn-ea"/>
-              </a:rPr>
               <a:t>apply() </a:t>
             </a:r>
             <a:r>
-              <a:rPr lang="zh-CN" altLang="en-US" smtClean="0">
+              <a:rPr lang="zh-CN" altLang="en-US">
                 <a:solidFill>
                   <a:prstClr val="black">
                     <a:lumMod val="85000"/>
@@ -35711,15 +34715,7 @@
                   <a:prstClr val="black"/>
                 </a:solidFill>
               </a:rPr>
-              <a:t>1</a:t>
-            </a:r>
-            <a:r>
-              <a:rPr lang="en-US" altLang="zh-CN" sz="1400" b="1" dirty="0" smtClean="0">
-                <a:solidFill>
-                  <a:prstClr val="black"/>
-                </a:solidFill>
-              </a:rPr>
-              <a:t>. </a:t>
+              <a:t>1. </a:t>
             </a:r>
             <a:r>
               <a:rPr lang="en-US" altLang="zh-CN" sz="1400" b="1" dirty="0">
@@ -35730,18 +34726,13 @@
               <a:t>call </a:t>
             </a:r>
             <a:r>
-              <a:rPr lang="zh-CN" altLang="en-US" sz="1400" b="1" dirty="0" smtClean="0">
+              <a:rPr lang="zh-CN" altLang="en-US" sz="1400" b="1" dirty="0">
                 <a:solidFill>
                   <a:schemeClr val="tx1"/>
                 </a:solidFill>
               </a:rPr>
               <a:t>方法</a:t>
             </a:r>
-            <a:endParaRPr lang="zh-CN" altLang="en-US" sz="1400" b="1" dirty="0">
-              <a:solidFill>
-                <a:schemeClr val="tx1"/>
-              </a:solidFill>
-            </a:endParaRPr>
           </a:p>
         </p:txBody>
       </p:sp>
@@ -35959,29 +34950,20 @@
               <a:rPr lang="zh-CN" altLang="en-US">
                 <a:sym typeface="+mn-ea"/>
               </a:rPr>
-              <a:t>一个对象。简单理解为调用函数的方式，但是它可以改变函数</a:t>
-            </a:r>
-            <a:r>
-              <a:rPr lang="zh-CN" altLang="en-US" smtClean="0">
-                <a:sym typeface="+mn-ea"/>
-              </a:rPr>
-              <a:t>的 </a:t>
-            </a:r>
-            <a:r>
-              <a:rPr lang="en-US" altLang="zh-CN" smtClean="0">
+              <a:t>一个对象。简单理解为调用函数的方式，但是它可以改变函数的 </a:t>
+            </a:r>
+            <a:r>
+              <a:rPr lang="en-US" altLang="zh-CN">
                 <a:sym typeface="+mn-ea"/>
               </a:rPr>
               <a:t>this </a:t>
             </a:r>
             <a:r>
-              <a:rPr lang="zh-CN" altLang="en-US" smtClean="0">
+              <a:rPr lang="zh-CN" altLang="en-US">
                 <a:sym typeface="+mn-ea"/>
               </a:rPr>
               <a:t>指向。</a:t>
             </a:r>
-            <a:endParaRPr lang="zh-CN" altLang="en-US">
-              <a:sym typeface="+mn-ea"/>
-            </a:endParaRPr>
           </a:p>
         </p:txBody>
       </p:sp>
@@ -36068,7 +35050,7 @@
         </p:spPr>
         <p:txBody>
           <a:bodyPr>
-            <a:normAutofit lnSpcReduction="10000"/>
+            <a:normAutofit/>
           </a:bodyPr>
           <a:lstStyle>
             <a:lvl1pPr marL="0" indent="0" algn="l" defTabSz="685800" rtl="0" eaLnBrk="1" latinLnBrk="0" hangingPunct="1">
@@ -36243,22 +35225,10 @@
               <a:buChar char="l"/>
             </a:pPr>
             <a:r>
-              <a:rPr lang="zh-CN" altLang="en-US" smtClean="0">
-                <a:sym typeface="+mn-ea"/>
-              </a:rPr>
-              <a:t> thisArg：在 fun 函数</a:t>
-            </a:r>
-            <a:r>
               <a:rPr lang="zh-CN" altLang="en-US">
                 <a:sym typeface="+mn-ea"/>
               </a:rPr>
-              <a:t>运行时指定</a:t>
-            </a:r>
-            <a:r>
-              <a:rPr lang="zh-CN" altLang="en-US" smtClean="0">
-                <a:sym typeface="+mn-ea"/>
-              </a:rPr>
-              <a:t>的 this 值</a:t>
+              <a:t> thisArg：在 fun 函数运行时指定的 this 值</a:t>
             </a:r>
             <a:endParaRPr lang="zh-CN" altLang="en-US">
               <a:solidFill>
@@ -36273,16 +35243,10 @@
               <a:buChar char="l"/>
             </a:pPr>
             <a:r>
-              <a:rPr lang="en-US" altLang="zh-CN" smtClean="0">
-                <a:sym typeface="+mn-ea"/>
-              </a:rPr>
-              <a:t> </a:t>
-            </a:r>
-            <a:r>
               <a:rPr lang="en-US" altLang="zh-CN">
                 <a:sym typeface="+mn-ea"/>
               </a:rPr>
-              <a:t>arg1</a:t>
+              <a:t> arg1</a:t>
             </a:r>
             <a:r>
               <a:rPr lang="zh-CN" altLang="en-US">
@@ -36297,16 +35261,10 @@
               <a:t>arg2</a:t>
             </a:r>
             <a:r>
-              <a:rPr lang="zh-CN" altLang="en-US" smtClean="0">
-                <a:sym typeface="+mn-ea"/>
-              </a:rPr>
-              <a:t>：传递</a:t>
-            </a:r>
-            <a:r>
               <a:rPr lang="zh-CN" altLang="en-US">
                 <a:sym typeface="+mn-ea"/>
               </a:rPr>
-              <a:t>的其他参数</a:t>
+              <a:t>：传递的其他参数</a:t>
             </a:r>
           </a:p>
           <a:p>
@@ -36315,22 +35273,13 @@
               <a:buChar char="l"/>
             </a:pPr>
             <a:r>
-              <a:rPr lang="en-US" altLang="zh-CN" smtClean="0">
-                <a:solidFill>
-                  <a:schemeClr val="tx1"/>
-                </a:solidFill>
-                <a:sym typeface="+mn-ea"/>
-              </a:rPr>
-              <a:t> </a:t>
-            </a:r>
-            <a:r>
               <a:rPr lang="en-US" altLang="zh-CN">
                 <a:solidFill>
                   <a:schemeClr val="tx1"/>
                 </a:solidFill>
                 <a:sym typeface="+mn-ea"/>
               </a:rPr>
-              <a:t>返回</a:t>
+              <a:t> 返回</a:t>
             </a:r>
             <a:r>
               <a:rPr lang="zh-CN" altLang="en-US">
@@ -36339,16 +35288,7 @@
                 </a:solidFill>
                 <a:sym typeface="+mn-ea"/>
               </a:rPr>
-              <a:t>值就是函数的返回值，因为它就是调用</a:t>
-            </a:r>
-            <a:r>
-              <a:rPr lang="zh-CN" altLang="en-US" smtClean="0">
-                <a:solidFill>
-                  <a:schemeClr val="tx1"/>
-                </a:solidFill>
-                <a:sym typeface="+mn-ea"/>
-              </a:rPr>
-              <a:t>函数</a:t>
+              <a:t>值就是函数的返回值，因为它就是调用函数</a:t>
             </a:r>
             <a:endParaRPr lang="en-US" altLang="zh-CN">
               <a:solidFill>
@@ -36363,7 +35303,7 @@
               <a:buChar char="l"/>
             </a:pPr>
             <a:r>
-              <a:rPr lang="en-US" altLang="zh-CN" smtClean="0">
+              <a:rPr lang="en-US" altLang="zh-CN">
                 <a:solidFill>
                   <a:schemeClr val="tx1"/>
                 </a:solidFill>
@@ -36378,19 +35318,10 @@
                 </a:solidFill>
                 <a:sym typeface="+mn-ea"/>
               </a:rPr>
-              <a:t>因此当我们想</a:t>
-            </a:r>
-            <a:r>
-              <a:rPr lang="zh-CN" altLang="en-US" smtClean="0">
-                <a:solidFill>
-                  <a:schemeClr val="tx1"/>
-                </a:solidFill>
-                <a:sym typeface="+mn-ea"/>
-              </a:rPr>
-              <a:t>改变 </a:t>
-            </a:r>
-            <a:r>
-              <a:rPr lang="en-US" altLang="zh-CN" smtClean="0">
+              <a:t>因此当我们想改变 </a:t>
+            </a:r>
+            <a:r>
+              <a:rPr lang="en-US" altLang="zh-CN">
                 <a:solidFill>
                   <a:schemeClr val="tx1"/>
                 </a:solidFill>
@@ -36399,22 +35330,13 @@
               <a:t>this </a:t>
             </a:r>
             <a:r>
-              <a:rPr lang="zh-CN" altLang="en-US" smtClean="0">
-                <a:solidFill>
-                  <a:schemeClr val="tx1"/>
-                </a:solidFill>
-                <a:sym typeface="+mn-ea"/>
-              </a:rPr>
-              <a:t>指向</a:t>
-            </a:r>
-            <a:r>
               <a:rPr lang="zh-CN" altLang="en-US">
                 <a:solidFill>
                   <a:schemeClr val="tx1"/>
                 </a:solidFill>
                 <a:sym typeface="+mn-ea"/>
               </a:rPr>
-              <a:t>，同时想调用这个函数的时候，可以使用 </a:t>
+              <a:t>指向，同时想调用这个函数的时候，可以使用 </a:t>
             </a:r>
             <a:r>
               <a:rPr lang="en-US" altLang="zh-CN">
@@ -36426,7 +35348,7 @@
               <a:t>call</a:t>
             </a:r>
             <a:r>
-              <a:rPr lang="zh-CN" altLang="en-US" smtClean="0">
+              <a:rPr lang="zh-CN" altLang="en-US">
                 <a:solidFill>
                   <a:schemeClr val="tx1"/>
                 </a:solidFill>
@@ -36434,12 +35356,6 @@
               </a:rPr>
               <a:t>，比如继承</a:t>
             </a:r>
-            <a:endParaRPr lang="zh-CN" altLang="en-US">
-              <a:solidFill>
-                <a:schemeClr val="tx1"/>
-              </a:solidFill>
-              <a:sym typeface="+mn-ea"/>
-            </a:endParaRPr>
           </a:p>
         </p:txBody>
       </p:sp>
@@ -36464,27 +35380,19 @@
           <a:lstStyle/>
           <a:p>
             <a:r>
-              <a:rPr lang="en-US" altLang="zh-CN" smtClean="0"/>
+              <a:rPr lang="en-US" altLang="zh-CN"/>
               <a:t>2.1 </a:t>
             </a:r>
             <a:r>
-              <a:rPr lang="zh-CN" altLang="en-US" smtClean="0"/>
-              <a:t>改变</a:t>
-            </a:r>
-            <a:r>
               <a:rPr lang="zh-CN" altLang="en-US"/>
-              <a:t>函数</a:t>
-            </a:r>
-            <a:r>
-              <a:rPr lang="zh-CN" altLang="en-US" smtClean="0"/>
-              <a:t>内部 </a:t>
-            </a:r>
-            <a:r>
-              <a:rPr lang="en-US" altLang="zh-CN" smtClean="0"/>
+              <a:t>改变函数内部 </a:t>
+            </a:r>
+            <a:r>
+              <a:rPr lang="en-US" altLang="zh-CN"/>
               <a:t>this </a:t>
             </a:r>
             <a:r>
-              <a:rPr lang="zh-CN" altLang="en-US" smtClean="0"/>
+              <a:rPr lang="zh-CN" altLang="en-US"/>
               <a:t>指向</a:t>
             </a:r>
             <a:endParaRPr lang="zh-CN" altLang="en-US" dirty="0"/>
@@ -37068,7 +35976,7 @@
           </a:lstStyle>
           <a:p>
             <a:r>
-              <a:rPr lang="zh-CN" altLang="en-US" smtClean="0">
+              <a:rPr lang="zh-CN" altLang="en-US">
                 <a:solidFill>
                   <a:prstClr val="black">
                     <a:lumMod val="85000"/>
@@ -37077,10 +35985,10 @@
                 </a:solidFill>
                 <a:sym typeface="+mn-ea"/>
               </a:rPr>
-              <a:t>JavaScript 为我们专门提供了一些函数方法来帮我们更优雅的处理函数内部 this 的指向问题，常用的</a:t>
-            </a:r>
-            <a:r>
-              <a:rPr lang="zh-CN" altLang="en-US">
+              <a:t>JavaScript 为我们专门提供了一些函数方法来帮我们更优雅的处理函数内部 this 的指向问题，常用的有 </a:t>
+            </a:r>
+            <a:r>
+              <a:rPr lang="en-US" altLang="zh-CN">
                 <a:solidFill>
                   <a:prstClr val="black">
                     <a:lumMod val="85000"/>
@@ -37089,10 +35997,10 @@
                 </a:solidFill>
                 <a:sym typeface="+mn-ea"/>
               </a:rPr>
-              <a:t>有</a:t>
-            </a:r>
-            <a:r>
-              <a:rPr lang="zh-CN" altLang="en-US" smtClean="0">
+              <a:t>bind()</a:t>
+            </a:r>
+            <a:r>
+              <a:rPr lang="zh-CN" altLang="en-US">
                 <a:solidFill>
                   <a:prstClr val="black">
                     <a:lumMod val="85000"/>
@@ -37101,10 +36009,10 @@
                 </a:solidFill>
                 <a:sym typeface="+mn-ea"/>
               </a:rPr>
-              <a:t> </a:t>
-            </a:r>
-            <a:r>
-              <a:rPr lang="en-US" altLang="zh-CN" smtClean="0">
+              <a:t>、</a:t>
+            </a:r>
+            <a:r>
+              <a:rPr lang="en-US" altLang="zh-CN">
                 <a:solidFill>
                   <a:prstClr val="black">
                     <a:lumMod val="85000"/>
@@ -37113,10 +36021,10 @@
                 </a:solidFill>
                 <a:sym typeface="+mn-ea"/>
               </a:rPr>
-              <a:t>bind()</a:t>
-            </a:r>
-            <a:r>
-              <a:rPr lang="zh-CN" altLang="en-US" smtClean="0">
+              <a:t>call()</a:t>
+            </a:r>
+            <a:r>
+              <a:rPr lang="zh-CN" altLang="en-US">
                 <a:solidFill>
                   <a:prstClr val="black">
                     <a:lumMod val="85000"/>
@@ -37128,7 +36036,7 @@
               <a:t>、</a:t>
             </a:r>
             <a:r>
-              <a:rPr lang="en-US" altLang="zh-CN" smtClean="0">
+              <a:rPr lang="en-US" altLang="zh-CN">
                 <a:solidFill>
                   <a:prstClr val="black">
                     <a:lumMod val="85000"/>
@@ -37137,34 +36045,10 @@
                 </a:solidFill>
                 <a:sym typeface="+mn-ea"/>
               </a:rPr>
-              <a:t>call()</a:t>
-            </a:r>
-            <a:r>
-              <a:rPr lang="zh-CN" altLang="en-US" smtClean="0">
-                <a:solidFill>
-                  <a:prstClr val="black">
-                    <a:lumMod val="85000"/>
-                    <a:lumOff val="15000"/>
-                  </a:prstClr>
-                </a:solidFill>
-                <a:sym typeface="+mn-ea"/>
-              </a:rPr>
-              <a:t>、</a:t>
-            </a:r>
-            <a:r>
-              <a:rPr lang="en-US" altLang="zh-CN" smtClean="0">
-                <a:solidFill>
-                  <a:prstClr val="black">
-                    <a:lumMod val="85000"/>
-                    <a:lumOff val="15000"/>
-                  </a:prstClr>
-                </a:solidFill>
-                <a:sym typeface="+mn-ea"/>
-              </a:rPr>
               <a:t>apply() </a:t>
             </a:r>
             <a:r>
-              <a:rPr lang="zh-CN" altLang="en-US" smtClean="0">
+              <a:rPr lang="zh-CN" altLang="en-US">
                 <a:solidFill>
                   <a:prstClr val="black">
                     <a:lumMod val="85000"/>
@@ -37368,7 +36252,7 @@
           </a:lstStyle>
           <a:p>
             <a:r>
-              <a:rPr lang="en-US" altLang="zh-CN" sz="1400" b="1" dirty="0" smtClean="0">
+              <a:rPr lang="en-US" altLang="zh-CN" sz="1400" b="1" dirty="0">
                 <a:solidFill>
                   <a:prstClr val="black"/>
                 </a:solidFill>
@@ -37608,53 +36492,20 @@
               <a:rPr lang="zh-CN" altLang="en-US" dirty="0">
                 <a:sym typeface="+mn-ea"/>
               </a:rPr>
-              <a:t>一</a:t>
-            </a:r>
-            <a:r>
-              <a:rPr lang="zh-CN" altLang="en-US" dirty="0" smtClean="0">
-                <a:sym typeface="+mn-ea"/>
-              </a:rPr>
-              <a:t>个</a:t>
+              <a:t>一个函数。简单理解为调用函数的方式，但是它可以改变函数的 </a:t>
+            </a:r>
+            <a:r>
+              <a:rPr lang="en-US" altLang="zh-CN" dirty="0">
+                <a:sym typeface="+mn-ea"/>
+              </a:rPr>
+              <a:t>this </a:t>
             </a:r>
             <a:r>
               <a:rPr lang="zh-CN" altLang="en-US" dirty="0">
                 <a:sym typeface="+mn-ea"/>
               </a:rPr>
-              <a:t>函数</a:t>
-            </a:r>
-            <a:r>
-              <a:rPr lang="zh-CN" altLang="en-US" dirty="0" smtClean="0">
-                <a:sym typeface="+mn-ea"/>
-              </a:rPr>
-              <a:t>。</a:t>
-            </a:r>
-            <a:r>
-              <a:rPr lang="zh-CN" altLang="en-US" dirty="0">
-                <a:sym typeface="+mn-ea"/>
-              </a:rPr>
-              <a:t>简单理解为调用函数的方式，但是它可以改变函数</a:t>
-            </a:r>
-            <a:r>
-              <a:rPr lang="zh-CN" altLang="en-US" dirty="0" smtClean="0">
-                <a:sym typeface="+mn-ea"/>
-              </a:rPr>
-              <a:t>的 </a:t>
-            </a:r>
-            <a:r>
-              <a:rPr lang="en-US" altLang="zh-CN" dirty="0" smtClean="0">
-                <a:sym typeface="+mn-ea"/>
-              </a:rPr>
-              <a:t>this </a:t>
-            </a:r>
-            <a:r>
-              <a:rPr lang="zh-CN" altLang="en-US" dirty="0" smtClean="0">
-                <a:sym typeface="+mn-ea"/>
-              </a:rPr>
               <a:t>指向。</a:t>
             </a:r>
-            <a:endParaRPr lang="zh-CN" altLang="en-US" dirty="0">
-              <a:sym typeface="+mn-ea"/>
-            </a:endParaRPr>
           </a:p>
         </p:txBody>
       </p:sp>
@@ -37741,7 +36592,7 @@
         </p:spPr>
         <p:txBody>
           <a:bodyPr>
-            <a:normAutofit lnSpcReduction="10000"/>
+            <a:normAutofit/>
           </a:bodyPr>
           <a:lstStyle>
             <a:lvl1pPr marL="0" indent="0" algn="l" defTabSz="685800" rtl="0" eaLnBrk="1" latinLnBrk="0" hangingPunct="1">
@@ -37916,22 +36767,10 @@
               <a:buChar char="l"/>
             </a:pPr>
             <a:r>
-              <a:rPr lang="zh-CN" altLang="en-US" smtClean="0">
-                <a:sym typeface="+mn-ea"/>
-              </a:rPr>
-              <a:t> thisArg：在</a:t>
-            </a:r>
-            <a:r>
               <a:rPr lang="zh-CN" altLang="en-US">
                 <a:sym typeface="+mn-ea"/>
               </a:rPr>
-              <a:t>fun函数运行时指定</a:t>
-            </a:r>
-            <a:r>
-              <a:rPr lang="zh-CN" altLang="en-US" smtClean="0">
-                <a:sym typeface="+mn-ea"/>
-              </a:rPr>
-              <a:t>的 this 值</a:t>
+              <a:t> thisArg：在fun函数运行时指定的 this 值</a:t>
             </a:r>
             <a:endParaRPr lang="zh-CN" altLang="en-US">
               <a:solidFill>
@@ -37946,22 +36785,16 @@
               <a:buChar char="l"/>
             </a:pPr>
             <a:r>
-              <a:rPr lang="en-US" altLang="zh-CN" smtClean="0">
+              <a:rPr lang="en-US" altLang="zh-CN">
                 <a:sym typeface="+mn-ea"/>
               </a:rPr>
               <a:t> argsArray</a:t>
             </a:r>
             <a:r>
-              <a:rPr lang="zh-CN" altLang="en-US" smtClean="0">
-                <a:sym typeface="+mn-ea"/>
-              </a:rPr>
-              <a:t>：传递</a:t>
-            </a:r>
-            <a:r>
               <a:rPr lang="zh-CN" altLang="en-US">
                 <a:sym typeface="+mn-ea"/>
               </a:rPr>
-              <a:t>的值，必须包含在</a:t>
+              <a:t>：传递的值，必须包含在</a:t>
             </a:r>
             <a:r>
               <a:rPr lang="zh-CN" altLang="en-US">
@@ -37973,14 +36806,11 @@
               <a:t>数组</a:t>
             </a:r>
             <a:r>
-              <a:rPr lang="zh-CN" altLang="en-US" smtClean="0">
+              <a:rPr lang="zh-CN" altLang="en-US">
                 <a:sym typeface="+mn-ea"/>
               </a:rPr>
               <a:t>里面</a:t>
             </a:r>
-            <a:endParaRPr lang="zh-CN" altLang="en-US">
-              <a:sym typeface="+mn-ea"/>
-            </a:endParaRPr>
           </a:p>
           <a:p>
             <a:pPr marL="171450" indent="-171450">
@@ -37988,22 +36818,13 @@
               <a:buChar char="l"/>
             </a:pPr>
             <a:r>
-              <a:rPr lang="en-US" altLang="zh-CN" smtClean="0">
-                <a:solidFill>
-                  <a:schemeClr val="tx1"/>
-                </a:solidFill>
-                <a:sym typeface="+mn-ea"/>
-              </a:rPr>
-              <a:t> </a:t>
-            </a:r>
-            <a:r>
               <a:rPr lang="en-US" altLang="zh-CN">
                 <a:solidFill>
                   <a:schemeClr val="tx1"/>
                 </a:solidFill>
                 <a:sym typeface="+mn-ea"/>
               </a:rPr>
-              <a:t>返回</a:t>
+              <a:t> 返回</a:t>
             </a:r>
             <a:r>
               <a:rPr lang="zh-CN" altLang="en-US">
@@ -38012,16 +36833,7 @@
                 </a:solidFill>
                 <a:sym typeface="+mn-ea"/>
               </a:rPr>
-              <a:t>值就是函数的返回值，因为它就是调用</a:t>
-            </a:r>
-            <a:r>
-              <a:rPr lang="zh-CN" altLang="en-US" smtClean="0">
-                <a:solidFill>
-                  <a:schemeClr val="tx1"/>
-                </a:solidFill>
-                <a:sym typeface="+mn-ea"/>
-              </a:rPr>
-              <a:t>函数</a:t>
+              <a:t>值就是函数的返回值，因为它就是调用函数</a:t>
             </a:r>
             <a:endParaRPr lang="en-US" altLang="zh-CN">
               <a:solidFill>
@@ -38036,7 +36848,7 @@
               <a:buChar char="l"/>
             </a:pPr>
             <a:r>
-              <a:rPr lang="en-US" altLang="zh-CN" smtClean="0">
+              <a:rPr lang="en-US" altLang="zh-CN">
                 <a:solidFill>
                   <a:schemeClr val="tx1"/>
                 </a:solidFill>
@@ -38045,7 +36857,7 @@
               <a:t> </a:t>
             </a:r>
             <a:r>
-              <a:rPr lang="zh-CN" altLang="en-US" smtClean="0">
+              <a:rPr lang="zh-CN" altLang="en-US">
                 <a:solidFill>
                   <a:schemeClr val="tx1"/>
                 </a:solidFill>
@@ -38054,7 +36866,7 @@
               <a:t>因此 </a:t>
             </a:r>
             <a:r>
-              <a:rPr lang="en-US" altLang="zh-CN" smtClean="0">
+              <a:rPr lang="en-US" altLang="zh-CN">
                 <a:solidFill>
                   <a:schemeClr val="tx1"/>
                 </a:solidFill>
@@ -38069,43 +36881,7 @@
                 </a:solidFill>
                 <a:sym typeface="+mn-ea"/>
               </a:rPr>
-              <a:t>主要跟数组</a:t>
-            </a:r>
-            <a:r>
-              <a:rPr lang="zh-CN" altLang="en-US" smtClean="0">
-                <a:solidFill>
-                  <a:schemeClr val="tx1"/>
-                </a:solidFill>
-                <a:sym typeface="+mn-ea"/>
-              </a:rPr>
-              <a:t>有关系，比如使用 Math</a:t>
-            </a:r>
-            <a:r>
-              <a:rPr lang="zh-CN" altLang="en-US">
-                <a:solidFill>
-                  <a:schemeClr val="tx1"/>
-                </a:solidFill>
-                <a:sym typeface="+mn-ea"/>
-              </a:rPr>
-              <a:t>.max</a:t>
-            </a:r>
-            <a:r>
-              <a:rPr lang="zh-CN" altLang="en-US" smtClean="0">
-                <a:solidFill>
-                  <a:schemeClr val="tx1"/>
-                </a:solidFill>
-                <a:sym typeface="+mn-ea"/>
-              </a:rPr>
-              <a:t>() 求</a:t>
-            </a:r>
-            <a:r>
-              <a:rPr lang="zh-CN" altLang="en-US">
-                <a:solidFill>
-                  <a:schemeClr val="tx1"/>
-                </a:solidFill>
-                <a:sym typeface="+mn-ea"/>
-              </a:rPr>
-              <a:t>数组的最大值</a:t>
+              <a:t>主要跟数组有关系，比如使用 Math.max() 求数组的最大值</a:t>
             </a:r>
           </a:p>
         </p:txBody>
@@ -38131,27 +36907,19 @@
           <a:lstStyle/>
           <a:p>
             <a:r>
-              <a:rPr lang="en-US" altLang="zh-CN" smtClean="0"/>
+              <a:rPr lang="en-US" altLang="zh-CN"/>
               <a:t>2.1 </a:t>
             </a:r>
             <a:r>
-              <a:rPr lang="zh-CN" altLang="en-US" smtClean="0"/>
-              <a:t>改变</a:t>
-            </a:r>
-            <a:r>
               <a:rPr lang="zh-CN" altLang="en-US"/>
-              <a:t>函数</a:t>
-            </a:r>
-            <a:r>
-              <a:rPr lang="zh-CN" altLang="en-US" smtClean="0"/>
-              <a:t>内部 </a:t>
-            </a:r>
-            <a:r>
-              <a:rPr lang="en-US" altLang="zh-CN" smtClean="0"/>
+              <a:t>改变函数内部 </a:t>
+            </a:r>
+            <a:r>
+              <a:rPr lang="en-US" altLang="zh-CN"/>
               <a:t>this </a:t>
             </a:r>
             <a:r>
-              <a:rPr lang="zh-CN" altLang="en-US" smtClean="0"/>
+              <a:rPr lang="zh-CN" altLang="en-US"/>
               <a:t>指向</a:t>
             </a:r>
             <a:endParaRPr lang="zh-CN" altLang="en-US" dirty="0"/>
@@ -38783,7 +37551,7 @@
   <a:extraClrSchemeLst/>
   <a:extLst>
     <a:ext uri="{05A4C25C-085E-4340-85A3-A5531E510DB2}">
-      <thm15:themeFamily xmlns="" xmlns:thm15="http://schemas.microsoft.com/office/thememl/2012/main" name="Office Theme" id="{62F939B6-93AF-4DB8-9C6B-D6C7DFDC589F}" vid="{4A3C46E8-61CC-4603-A589-7422A47A8E4A}"/>
+      <thm15:themeFamily xmlns:thm15="http://schemas.microsoft.com/office/thememl/2012/main" name="Office Theme" id="{62F939B6-93AF-4DB8-9C6B-D6C7DFDC589F}" vid="{4A3C46E8-61CC-4603-A589-7422A47A8E4A}"/>
     </a:ext>
   </a:extLst>
 </a:theme>
@@ -39044,7 +37812,7 @@
   <a:extraClrSchemeLst/>
   <a:extLst>
     <a:ext uri="{05A4C25C-085E-4340-85A3-A5531E510DB2}">
-      <thm15:themeFamily xmlns="" xmlns:thm15="http://schemas.microsoft.com/office/thememl/2012/main" name="Office Theme" id="{62F939B6-93AF-4DB8-9C6B-D6C7DFDC589F}" vid="{4A3C46E8-61CC-4603-A589-7422A47A8E4A}"/>
+      <thm15:themeFamily xmlns:thm15="http://schemas.microsoft.com/office/thememl/2012/main" name="Office Theme" id="{62F939B6-93AF-4DB8-9C6B-D6C7DFDC589F}" vid="{4A3C46E8-61CC-4603-A589-7422A47A8E4A}"/>
     </a:ext>
   </a:extLst>
 </a:theme>
